--- a/images.pptx
+++ b/images.pptx
@@ -5,10 +5,13 @@
     <p:sldMasterId id="2147483648" r:id="rId1"/>
   </p:sldMasterIdLst>
   <p:sldIdLst>
-    <p:sldId id="256" r:id="rId2"/>
-    <p:sldId id="257" r:id="rId3"/>
-    <p:sldId id="258" r:id="rId4"/>
-    <p:sldId id="259" r:id="rId5"/>
+    <p:sldId id="260" r:id="rId2"/>
+    <p:sldId id="256" r:id="rId3"/>
+    <p:sldId id="257" r:id="rId4"/>
+    <p:sldId id="258" r:id="rId5"/>
+    <p:sldId id="259" r:id="rId6"/>
+    <p:sldId id="261" r:id="rId7"/>
+    <p:sldId id="262" r:id="rId8"/>
   </p:sldIdLst>
   <p:sldSz cx="12192000" cy="6858000"/>
   <p:notesSz cx="6858000" cy="9144000"/>
@@ -118,7 +121,7 @@
 <file path=ppt/revisionInfo.xml><?xml version="1.0" encoding="utf-8"?>
 <p1510:revInfo xmlns:a="http://schemas.openxmlformats.org/drawingml/2006/main" xmlns:r="http://schemas.openxmlformats.org/officeDocument/2006/relationships" xmlns:p1510="http://schemas.microsoft.com/office/powerpoint/2015/10/main">
   <p1510:revLst>
-    <p1510:client id="{F214C871-87D3-4971-AAB8-2C3CA92BE709}" v="144" dt="2023-12-08T14:51:29.790"/>
+    <p1510:client id="{F214C871-87D3-4971-AAB8-2C3CA92BE709}" v="280" dt="2023-12-14T16:44:09.288"/>
   </p1510:revLst>
 </p1510:revInfo>
 </file>
@@ -127,13 +130,13 @@
 <pc:chgInfo xmlns:a="http://schemas.openxmlformats.org/drawingml/2006/main" xmlns:r="http://schemas.openxmlformats.org/officeDocument/2006/relationships" xmlns:ac="http://schemas.microsoft.com/office/drawing/2013/main/command" xmlns:pc="http://schemas.microsoft.com/office/powerpoint/2013/main/command">
   <pc:docChgLst>
     <pc:chgData name="Keita KAMAGATA" userId="389c5c223f9d271c" providerId="LiveId" clId="{F214C871-87D3-4971-AAB8-2C3CA92BE709}"/>
-    <pc:docChg chg="undo custSel addSld modSld">
-      <pc:chgData name="Keita KAMAGATA" userId="389c5c223f9d271c" providerId="LiveId" clId="{F214C871-87D3-4971-AAB8-2C3CA92BE709}" dt="2023-12-08T14:51:35.687" v="622" actId="14100"/>
+    <pc:docChg chg="undo custSel addSld delSld modSld sldOrd">
+      <pc:chgData name="Keita KAMAGATA" userId="389c5c223f9d271c" providerId="LiveId" clId="{F214C871-87D3-4971-AAB8-2C3CA92BE709}" dt="2023-12-14T16:53:01.118" v="1472" actId="732"/>
       <pc:docMkLst>
         <pc:docMk/>
       </pc:docMkLst>
-      <pc:sldChg chg="addSp modSp mod">
-        <pc:chgData name="Keita KAMAGATA" userId="389c5c223f9d271c" providerId="LiveId" clId="{F214C871-87D3-4971-AAB8-2C3CA92BE709}" dt="2023-12-06T16:53:14.884" v="6" actId="14100"/>
+      <pc:sldChg chg="addSp modSp mod ord">
+        <pc:chgData name="Keita KAMAGATA" userId="389c5c223f9d271c" providerId="LiveId" clId="{F214C871-87D3-4971-AAB8-2C3CA92BE709}" dt="2023-12-12T06:13:08.050" v="802"/>
         <pc:sldMkLst>
           <pc:docMk/>
           <pc:sldMk cId="1436176563" sldId="256"/>
@@ -147,12 +150,28 @@
           </ac:spMkLst>
         </pc:spChg>
       </pc:sldChg>
-      <pc:sldChg chg="delSp modSp add mod">
-        <pc:chgData name="Keita KAMAGATA" userId="389c5c223f9d271c" providerId="LiveId" clId="{F214C871-87D3-4971-AAB8-2C3CA92BE709}" dt="2023-12-06T16:53:54.965" v="11" actId="1076"/>
+      <pc:sldChg chg="addSp delSp modSp add mod ord">
+        <pc:chgData name="Keita KAMAGATA" userId="389c5c223f9d271c" providerId="LiveId" clId="{F214C871-87D3-4971-AAB8-2C3CA92BE709}" dt="2023-12-12T06:22:43.267" v="993" actId="207"/>
         <pc:sldMkLst>
           <pc:docMk/>
           <pc:sldMk cId="3511888119" sldId="257"/>
         </pc:sldMkLst>
+        <pc:spChg chg="add mod">
+          <ac:chgData name="Keita KAMAGATA" userId="389c5c223f9d271c" providerId="LiveId" clId="{F214C871-87D3-4971-AAB8-2C3CA92BE709}" dt="2023-12-12T06:18:47.113" v="920" actId="1076"/>
+          <ac:spMkLst>
+            <pc:docMk/>
+            <pc:sldMk cId="3511888119" sldId="257"/>
+            <ac:spMk id="3" creationId="{4E1766A8-175D-3423-6615-94AAC912C4DE}"/>
+          </ac:spMkLst>
+        </pc:spChg>
+        <pc:spChg chg="add mod">
+          <ac:chgData name="Keita KAMAGATA" userId="389c5c223f9d271c" providerId="LiveId" clId="{F214C871-87D3-4971-AAB8-2C3CA92BE709}" dt="2023-12-12T06:18:47.113" v="920" actId="1076"/>
+          <ac:spMkLst>
+            <pc:docMk/>
+            <pc:sldMk cId="3511888119" sldId="257"/>
+            <ac:spMk id="6" creationId="{13413595-D82F-52C9-A940-DD915D3FBE0E}"/>
+          </ac:spMkLst>
+        </pc:spChg>
         <pc:spChg chg="del">
           <ac:chgData name="Keita KAMAGATA" userId="389c5c223f9d271c" providerId="LiveId" clId="{F214C871-87D3-4971-AAB8-2C3CA92BE709}" dt="2023-12-06T16:53:34.422" v="8" actId="478"/>
           <ac:spMkLst>
@@ -161,14 +180,110 @@
             <ac:spMk id="6" creationId="{489C838D-91A4-357F-43AA-43AD410E5274}"/>
           </ac:spMkLst>
         </pc:spChg>
+        <pc:spChg chg="add mod">
+          <ac:chgData name="Keita KAMAGATA" userId="389c5c223f9d271c" providerId="LiveId" clId="{F214C871-87D3-4971-AAB8-2C3CA92BE709}" dt="2023-12-12T06:18:04.793" v="909" actId="164"/>
+          <ac:spMkLst>
+            <pc:docMk/>
+            <pc:sldMk cId="3511888119" sldId="257"/>
+            <ac:spMk id="9" creationId="{D5B908F8-C9FF-5BA7-0E84-957022B82A59}"/>
+          </ac:spMkLst>
+        </pc:spChg>
+        <pc:spChg chg="add mod">
+          <ac:chgData name="Keita KAMAGATA" userId="389c5c223f9d271c" providerId="LiveId" clId="{F214C871-87D3-4971-AAB8-2C3CA92BE709}" dt="2023-12-12T06:19:41.030" v="931" actId="1076"/>
+          <ac:spMkLst>
+            <pc:docMk/>
+            <pc:sldMk cId="3511888119" sldId="257"/>
+            <ac:spMk id="15" creationId="{B67554A8-315E-236B-650D-3D2B9EA617F9}"/>
+          </ac:spMkLst>
+        </pc:spChg>
+        <pc:spChg chg="add mod">
+          <ac:chgData name="Keita KAMAGATA" userId="389c5c223f9d271c" providerId="LiveId" clId="{F214C871-87D3-4971-AAB8-2C3CA92BE709}" dt="2023-12-12T06:19:41.030" v="931" actId="1076"/>
+          <ac:spMkLst>
+            <pc:docMk/>
+            <pc:sldMk cId="3511888119" sldId="257"/>
+            <ac:spMk id="16" creationId="{6E88115C-480A-CA3B-CAEB-F5B16713AE23}"/>
+          </ac:spMkLst>
+        </pc:spChg>
+        <pc:spChg chg="add mod">
+          <ac:chgData name="Keita KAMAGATA" userId="389c5c223f9d271c" providerId="LiveId" clId="{F214C871-87D3-4971-AAB8-2C3CA92BE709}" dt="2023-12-12T06:20:57.738" v="982" actId="20577"/>
+          <ac:spMkLst>
+            <pc:docMk/>
+            <pc:sldMk cId="3511888119" sldId="257"/>
+            <ac:spMk id="17" creationId="{A2163FF5-1367-6DC6-EDE7-277CC6306517}"/>
+          </ac:spMkLst>
+        </pc:spChg>
+        <pc:spChg chg="add mod">
+          <ac:chgData name="Keita KAMAGATA" userId="389c5c223f9d271c" providerId="LiveId" clId="{F214C871-87D3-4971-AAB8-2C3CA92BE709}" dt="2023-12-12T06:20:20.197" v="943" actId="1035"/>
+          <ac:spMkLst>
+            <pc:docMk/>
+            <pc:sldMk cId="3511888119" sldId="257"/>
+            <ac:spMk id="18" creationId="{421E63B7-6CC6-18C4-4D20-A66859749B71}"/>
+          </ac:spMkLst>
+        </pc:spChg>
+        <pc:spChg chg="add mod">
+          <ac:chgData name="Keita KAMAGATA" userId="389c5c223f9d271c" providerId="LiveId" clId="{F214C871-87D3-4971-AAB8-2C3CA92BE709}" dt="2023-12-12T06:20:48.415" v="963" actId="14100"/>
+          <ac:spMkLst>
+            <pc:docMk/>
+            <pc:sldMk cId="3511888119" sldId="257"/>
+            <ac:spMk id="19" creationId="{921399F8-8539-DC77-3ABF-3B43B89C6EA0}"/>
+          </ac:spMkLst>
+        </pc:spChg>
+        <pc:spChg chg="add mod ord">
+          <ac:chgData name="Keita KAMAGATA" userId="389c5c223f9d271c" providerId="LiveId" clId="{F214C871-87D3-4971-AAB8-2C3CA92BE709}" dt="2023-12-12T06:22:43.267" v="993" actId="207"/>
+          <ac:spMkLst>
+            <pc:docMk/>
+            <pc:sldMk cId="3511888119" sldId="257"/>
+            <ac:spMk id="20" creationId="{AF2C7B1A-6877-F080-7CE7-6D153E6A84C3}"/>
+          </ac:spMkLst>
+        </pc:spChg>
+        <pc:grpChg chg="add mod">
+          <ac:chgData name="Keita KAMAGATA" userId="389c5c223f9d271c" providerId="LiveId" clId="{F214C871-87D3-4971-AAB8-2C3CA92BE709}" dt="2023-12-12T06:18:47.113" v="920" actId="1076"/>
+          <ac:grpSpMkLst>
+            <pc:docMk/>
+            <pc:sldMk cId="3511888119" sldId="257"/>
+            <ac:grpSpMk id="10" creationId="{A19CFE1F-2F50-B2A8-BF79-1F4802B82973}"/>
+          </ac:grpSpMkLst>
+        </pc:grpChg>
         <pc:picChg chg="mod modCrop">
-          <ac:chgData name="Keita KAMAGATA" userId="389c5c223f9d271c" providerId="LiveId" clId="{F214C871-87D3-4971-AAB8-2C3CA92BE709}" dt="2023-12-06T16:53:54.965" v="11" actId="1076"/>
+          <ac:chgData name="Keita KAMAGATA" userId="389c5c223f9d271c" providerId="LiveId" clId="{F214C871-87D3-4971-AAB8-2C3CA92BE709}" dt="2023-12-12T06:18:47.113" v="920" actId="1076"/>
           <ac:picMkLst>
             <pc:docMk/>
             <pc:sldMk cId="3511888119" sldId="257"/>
             <ac:picMk id="5" creationId="{7341622E-095A-41CD-7632-09474E9BC9BE}"/>
           </ac:picMkLst>
         </pc:picChg>
+        <pc:picChg chg="add mod ord modCrop">
+          <ac:chgData name="Keita KAMAGATA" userId="389c5c223f9d271c" providerId="LiveId" clId="{F214C871-87D3-4971-AAB8-2C3CA92BE709}" dt="2023-12-12T06:18:04.793" v="909" actId="164"/>
+          <ac:picMkLst>
+            <pc:docMk/>
+            <pc:sldMk cId="3511888119" sldId="257"/>
+            <ac:picMk id="8" creationId="{9F501659-4CEA-6407-3FBB-14B5BDF84712}"/>
+          </ac:picMkLst>
+        </pc:picChg>
+        <pc:picChg chg="add del mod">
+          <ac:chgData name="Keita KAMAGATA" userId="389c5c223f9d271c" providerId="LiveId" clId="{F214C871-87D3-4971-AAB8-2C3CA92BE709}" dt="2023-12-12T06:22:06.396" v="987" actId="478"/>
+          <ac:picMkLst>
+            <pc:docMk/>
+            <pc:sldMk cId="3511888119" sldId="257"/>
+            <ac:picMk id="1026" creationId="{7F779933-BA58-0DC2-8B71-0103EC8AD8E7}"/>
+          </ac:picMkLst>
+        </pc:picChg>
+        <pc:cxnChg chg="add mod">
+          <ac:chgData name="Keita KAMAGATA" userId="389c5c223f9d271c" providerId="LiveId" clId="{F214C871-87D3-4971-AAB8-2C3CA92BE709}" dt="2023-12-12T06:18:47.113" v="920" actId="1076"/>
+          <ac:cxnSpMkLst>
+            <pc:docMk/>
+            <pc:sldMk cId="3511888119" sldId="257"/>
+            <ac:cxnSpMk id="2" creationId="{94F173D8-A5E7-409F-7403-EC0F09BA806F}"/>
+          </ac:cxnSpMkLst>
+        </pc:cxnChg>
+        <pc:cxnChg chg="add mod">
+          <ac:chgData name="Keita KAMAGATA" userId="389c5c223f9d271c" providerId="LiveId" clId="{F214C871-87D3-4971-AAB8-2C3CA92BE709}" dt="2023-12-12T06:18:47.113" v="920" actId="1076"/>
+          <ac:cxnSpMkLst>
+            <pc:docMk/>
+            <pc:sldMk cId="3511888119" sldId="257"/>
+            <ac:cxnSpMk id="4" creationId="{09A7D680-E474-8597-64AD-1A2114F49229}"/>
+          </ac:cxnSpMkLst>
+        </pc:cxnChg>
       </pc:sldChg>
       <pc:sldChg chg="addSp delSp modSp new mod">
         <pc:chgData name="Keita KAMAGATA" userId="389c5c223f9d271c" providerId="LiveId" clId="{F214C871-87D3-4971-AAB8-2C3CA92BE709}" dt="2023-12-08T14:38:01.248" v="361" actId="20577"/>
@@ -623,6 +738,442 @@
             <ac:cxnSpMk id="7" creationId="{78CD7717-EA1C-BBF5-6CD3-BA667946AC1E}"/>
           </ac:cxnSpMkLst>
         </pc:cxnChg>
+      </pc:sldChg>
+      <pc:sldChg chg="addSp delSp modSp new mod ord">
+        <pc:chgData name="Keita KAMAGATA" userId="389c5c223f9d271c" providerId="LiveId" clId="{F214C871-87D3-4971-AAB8-2C3CA92BE709}" dt="2023-12-12T05:27:09.336" v="800" actId="1076"/>
+        <pc:sldMkLst>
+          <pc:docMk/>
+          <pc:sldMk cId="3043348177" sldId="260"/>
+        </pc:sldMkLst>
+        <pc:spChg chg="del">
+          <ac:chgData name="Keita KAMAGATA" userId="389c5c223f9d271c" providerId="LiveId" clId="{F214C871-87D3-4971-AAB8-2C3CA92BE709}" dt="2023-12-12T04:32:09.241" v="626" actId="478"/>
+          <ac:spMkLst>
+            <pc:docMk/>
+            <pc:sldMk cId="3043348177" sldId="260"/>
+            <ac:spMk id="2" creationId="{800B4CA7-1066-BCDB-B1DF-841137AEE488}"/>
+          </ac:spMkLst>
+        </pc:spChg>
+        <pc:spChg chg="del">
+          <ac:chgData name="Keita KAMAGATA" userId="389c5c223f9d271c" providerId="LiveId" clId="{F214C871-87D3-4971-AAB8-2C3CA92BE709}" dt="2023-12-12T04:32:09.241" v="626" actId="478"/>
+          <ac:spMkLst>
+            <pc:docMk/>
+            <pc:sldMk cId="3043348177" sldId="260"/>
+            <ac:spMk id="3" creationId="{CFC40EAF-BFB4-A2A9-104B-4F144D3EC6A4}"/>
+          </ac:spMkLst>
+        </pc:spChg>
+        <pc:graphicFrameChg chg="add del mod modGraphic">
+          <ac:chgData name="Keita KAMAGATA" userId="389c5c223f9d271c" providerId="LiveId" clId="{F214C871-87D3-4971-AAB8-2C3CA92BE709}" dt="2023-12-12T05:27:03.840" v="797" actId="478"/>
+          <ac:graphicFrameMkLst>
+            <pc:docMk/>
+            <pc:sldMk cId="3043348177" sldId="260"/>
+            <ac:graphicFrameMk id="4" creationId="{4C25083D-6A54-FBD3-27E8-65D9C2E6F87A}"/>
+          </ac:graphicFrameMkLst>
+        </pc:graphicFrameChg>
+        <pc:picChg chg="add mod">
+          <ac:chgData name="Keita KAMAGATA" userId="389c5c223f9d271c" providerId="LiveId" clId="{F214C871-87D3-4971-AAB8-2C3CA92BE709}" dt="2023-12-12T05:27:09.336" v="800" actId="1076"/>
+          <ac:picMkLst>
+            <pc:docMk/>
+            <pc:sldMk cId="3043348177" sldId="260"/>
+            <ac:picMk id="6" creationId="{CB58E8FE-34A3-C981-A81F-8C1658C65388}"/>
+          </ac:picMkLst>
+        </pc:picChg>
+      </pc:sldChg>
+      <pc:sldChg chg="addSp delSp modSp add mod">
+        <pc:chgData name="Keita KAMAGATA" userId="389c5c223f9d271c" providerId="LiveId" clId="{F214C871-87D3-4971-AAB8-2C3CA92BE709}" dt="2023-12-14T16:44:52.501" v="1465" actId="1076"/>
+        <pc:sldMkLst>
+          <pc:docMk/>
+          <pc:sldMk cId="1640535229" sldId="261"/>
+        </pc:sldMkLst>
+        <pc:spChg chg="add del mod">
+          <ac:chgData name="Keita KAMAGATA" userId="389c5c223f9d271c" providerId="LiveId" clId="{F214C871-87D3-4971-AAB8-2C3CA92BE709}" dt="2023-12-14T16:24:09.815" v="1004" actId="478"/>
+          <ac:spMkLst>
+            <pc:docMk/>
+            <pc:sldMk cId="1640535229" sldId="261"/>
+            <ac:spMk id="2" creationId="{C3FE883E-5A6E-62E5-2E8E-6E54E7A34D27}"/>
+          </ac:spMkLst>
+        </pc:spChg>
+        <pc:spChg chg="add mod">
+          <ac:chgData name="Keita KAMAGATA" userId="389c5c223f9d271c" providerId="LiveId" clId="{F214C871-87D3-4971-AAB8-2C3CA92BE709}" dt="2023-12-14T16:39:19.844" v="1273" actId="1076"/>
+          <ac:spMkLst>
+            <pc:docMk/>
+            <pc:sldMk cId="1640535229" sldId="261"/>
+            <ac:spMk id="3" creationId="{7B5B6FDE-A15F-9763-D6DA-FF8151E06654}"/>
+          </ac:spMkLst>
+        </pc:spChg>
+        <pc:spChg chg="del">
+          <ac:chgData name="Keita KAMAGATA" userId="389c5c223f9d271c" providerId="LiveId" clId="{F214C871-87D3-4971-AAB8-2C3CA92BE709}" dt="2023-12-14T16:24:09.815" v="1004" actId="478"/>
+          <ac:spMkLst>
+            <pc:docMk/>
+            <pc:sldMk cId="1640535229" sldId="261"/>
+            <ac:spMk id="5" creationId="{52062446-87BC-D3F3-04C4-89E0CD7ADADE}"/>
+          </ac:spMkLst>
+        </pc:spChg>
+        <pc:spChg chg="del">
+          <ac:chgData name="Keita KAMAGATA" userId="389c5c223f9d271c" providerId="LiveId" clId="{F214C871-87D3-4971-AAB8-2C3CA92BE709}" dt="2023-12-14T16:24:09.815" v="1004" actId="478"/>
+          <ac:spMkLst>
+            <pc:docMk/>
+            <pc:sldMk cId="1640535229" sldId="261"/>
+            <ac:spMk id="6" creationId="{ED5CA0F7-901A-BA5C-3978-A255A69688A8}"/>
+          </ac:spMkLst>
+        </pc:spChg>
+        <pc:spChg chg="add mod">
+          <ac:chgData name="Keita KAMAGATA" userId="389c5c223f9d271c" providerId="LiveId" clId="{F214C871-87D3-4971-AAB8-2C3CA92BE709}" dt="2023-12-14T16:39:19.844" v="1273" actId="1076"/>
+          <ac:spMkLst>
+            <pc:docMk/>
+            <pc:sldMk cId="1640535229" sldId="261"/>
+            <ac:spMk id="7" creationId="{B3A2FA67-8E2E-3549-0B93-2A5433E28C01}"/>
+          </ac:spMkLst>
+        </pc:spChg>
+        <pc:spChg chg="add del">
+          <ac:chgData name="Keita KAMAGATA" userId="389c5c223f9d271c" providerId="LiveId" clId="{F214C871-87D3-4971-AAB8-2C3CA92BE709}" dt="2023-12-14T16:24:09.815" v="1004" actId="478"/>
+          <ac:spMkLst>
+            <pc:docMk/>
+            <pc:sldMk cId="1640535229" sldId="261"/>
+            <ac:spMk id="8" creationId="{9D2BD42F-25C7-2B60-8733-42203FDAAF83}"/>
+          </ac:spMkLst>
+        </pc:spChg>
+        <pc:spChg chg="del">
+          <ac:chgData name="Keita KAMAGATA" userId="389c5c223f9d271c" providerId="LiveId" clId="{F214C871-87D3-4971-AAB8-2C3CA92BE709}" dt="2023-12-14T16:18:58.814" v="995" actId="478"/>
+          <ac:spMkLst>
+            <pc:docMk/>
+            <pc:sldMk cId="1640535229" sldId="261"/>
+            <ac:spMk id="9" creationId="{E2F17777-4A3F-DB55-65F8-B6FE6A14800E}"/>
+          </ac:spMkLst>
+        </pc:spChg>
+        <pc:spChg chg="del">
+          <ac:chgData name="Keita KAMAGATA" userId="389c5c223f9d271c" providerId="LiveId" clId="{F214C871-87D3-4971-AAB8-2C3CA92BE709}" dt="2023-12-14T16:24:09.815" v="1004" actId="478"/>
+          <ac:spMkLst>
+            <pc:docMk/>
+            <pc:sldMk cId="1640535229" sldId="261"/>
+            <ac:spMk id="10" creationId="{F2DE9ED2-503F-0767-D1DB-2989EA877417}"/>
+          </ac:spMkLst>
+        </pc:spChg>
+        <pc:spChg chg="del">
+          <ac:chgData name="Keita KAMAGATA" userId="389c5c223f9d271c" providerId="LiveId" clId="{F214C871-87D3-4971-AAB8-2C3CA92BE709}" dt="2023-12-14T16:19:17.421" v="997" actId="478"/>
+          <ac:spMkLst>
+            <pc:docMk/>
+            <pc:sldMk cId="1640535229" sldId="261"/>
+            <ac:spMk id="14" creationId="{DDB73715-B221-05BC-BD38-358A74BE7440}"/>
+          </ac:spMkLst>
+        </pc:spChg>
+        <pc:spChg chg="add mod">
+          <ac:chgData name="Keita KAMAGATA" userId="389c5c223f9d271c" providerId="LiveId" clId="{F214C871-87D3-4971-AAB8-2C3CA92BE709}" dt="2023-12-14T16:39:19.844" v="1273" actId="1076"/>
+          <ac:spMkLst>
+            <pc:docMk/>
+            <pc:sldMk cId="1640535229" sldId="261"/>
+            <ac:spMk id="17" creationId="{E6CAF697-4530-7E9C-5E1B-2137050605C2}"/>
+          </ac:spMkLst>
+        </pc:spChg>
+        <pc:spChg chg="add mod">
+          <ac:chgData name="Keita KAMAGATA" userId="389c5c223f9d271c" providerId="LiveId" clId="{F214C871-87D3-4971-AAB8-2C3CA92BE709}" dt="2023-12-14T16:39:19.844" v="1273" actId="1076"/>
+          <ac:spMkLst>
+            <pc:docMk/>
+            <pc:sldMk cId="1640535229" sldId="261"/>
+            <ac:spMk id="21" creationId="{F3C3CAEE-D401-C75D-DAAE-26F875C6630F}"/>
+          </ac:spMkLst>
+        </pc:spChg>
+        <pc:spChg chg="del">
+          <ac:chgData name="Keita KAMAGATA" userId="389c5c223f9d271c" providerId="LiveId" clId="{F214C871-87D3-4971-AAB8-2C3CA92BE709}" dt="2023-12-14T16:24:09.815" v="1004" actId="478"/>
+          <ac:spMkLst>
+            <pc:docMk/>
+            <pc:sldMk cId="1640535229" sldId="261"/>
+            <ac:spMk id="23" creationId="{D1920D54-5015-3951-E2F0-8FD555A0C122}"/>
+          </ac:spMkLst>
+        </pc:spChg>
+        <pc:spChg chg="del">
+          <ac:chgData name="Keita KAMAGATA" userId="389c5c223f9d271c" providerId="LiveId" clId="{F214C871-87D3-4971-AAB8-2C3CA92BE709}" dt="2023-12-14T16:24:09.815" v="1004" actId="478"/>
+          <ac:spMkLst>
+            <pc:docMk/>
+            <pc:sldMk cId="1640535229" sldId="261"/>
+            <ac:spMk id="24" creationId="{4C2D2199-3FD3-215B-B5B3-05F8324B55E8}"/>
+          </ac:spMkLst>
+        </pc:spChg>
+        <pc:spChg chg="del">
+          <ac:chgData name="Keita KAMAGATA" userId="389c5c223f9d271c" providerId="LiveId" clId="{F214C871-87D3-4971-AAB8-2C3CA92BE709}" dt="2023-12-14T16:19:01.316" v="996" actId="478"/>
+          <ac:spMkLst>
+            <pc:docMk/>
+            <pc:sldMk cId="1640535229" sldId="261"/>
+            <ac:spMk id="25" creationId="{77613184-AE41-1913-636C-D9A43A9EF697}"/>
+          </ac:spMkLst>
+        </pc:spChg>
+        <pc:spChg chg="del">
+          <ac:chgData name="Keita KAMAGATA" userId="389c5c223f9d271c" providerId="LiveId" clId="{F214C871-87D3-4971-AAB8-2C3CA92BE709}" dt="2023-12-14T16:19:17.421" v="997" actId="478"/>
+          <ac:spMkLst>
+            <pc:docMk/>
+            <pc:sldMk cId="1640535229" sldId="261"/>
+            <ac:spMk id="26" creationId="{F8286E76-D81D-FBCD-3F92-C4425E7161B9}"/>
+          </ac:spMkLst>
+        </pc:spChg>
+        <pc:spChg chg="del">
+          <ac:chgData name="Keita KAMAGATA" userId="389c5c223f9d271c" providerId="LiveId" clId="{F214C871-87D3-4971-AAB8-2C3CA92BE709}" dt="2023-12-14T16:18:58.814" v="995" actId="478"/>
+          <ac:spMkLst>
+            <pc:docMk/>
+            <pc:sldMk cId="1640535229" sldId="261"/>
+            <ac:spMk id="27" creationId="{24FBBB1A-1A33-16DF-1817-23D8B6ECB3D4}"/>
+          </ac:spMkLst>
+        </pc:spChg>
+        <pc:spChg chg="del">
+          <ac:chgData name="Keita KAMAGATA" userId="389c5c223f9d271c" providerId="LiveId" clId="{F214C871-87D3-4971-AAB8-2C3CA92BE709}" dt="2023-12-14T16:18:58.814" v="995" actId="478"/>
+          <ac:spMkLst>
+            <pc:docMk/>
+            <pc:sldMk cId="1640535229" sldId="261"/>
+            <ac:spMk id="28" creationId="{874C4769-463A-B0E9-E7C2-4B3869CFADA5}"/>
+          </ac:spMkLst>
+        </pc:spChg>
+        <pc:spChg chg="del">
+          <ac:chgData name="Keita KAMAGATA" userId="389c5c223f9d271c" providerId="LiveId" clId="{F214C871-87D3-4971-AAB8-2C3CA92BE709}" dt="2023-12-14T16:19:17.421" v="997" actId="478"/>
+          <ac:spMkLst>
+            <pc:docMk/>
+            <pc:sldMk cId="1640535229" sldId="261"/>
+            <ac:spMk id="29" creationId="{8B3939E8-3B3C-A0BC-CA37-06D7E4C2EC22}"/>
+          </ac:spMkLst>
+        </pc:spChg>
+        <pc:spChg chg="del">
+          <ac:chgData name="Keita KAMAGATA" userId="389c5c223f9d271c" providerId="LiveId" clId="{F214C871-87D3-4971-AAB8-2C3CA92BE709}" dt="2023-12-14T16:19:17.421" v="997" actId="478"/>
+          <ac:spMkLst>
+            <pc:docMk/>
+            <pc:sldMk cId="1640535229" sldId="261"/>
+            <ac:spMk id="30" creationId="{3D57516E-5EB5-0AB3-A464-CC98453792A5}"/>
+          </ac:spMkLst>
+        </pc:spChg>
+        <pc:spChg chg="add mod">
+          <ac:chgData name="Keita KAMAGATA" userId="389c5c223f9d271c" providerId="LiveId" clId="{F214C871-87D3-4971-AAB8-2C3CA92BE709}" dt="2023-12-14T16:39:19.844" v="1273" actId="1076"/>
+          <ac:spMkLst>
+            <pc:docMk/>
+            <pc:sldMk cId="1640535229" sldId="261"/>
+            <ac:spMk id="31" creationId="{5B0D6AD7-9AC3-6D40-FC61-BDB78E5FF6CC}"/>
+          </ac:spMkLst>
+        </pc:spChg>
+        <pc:spChg chg="add mod">
+          <ac:chgData name="Keita KAMAGATA" userId="389c5c223f9d271c" providerId="LiveId" clId="{F214C871-87D3-4971-AAB8-2C3CA92BE709}" dt="2023-12-14T16:39:19.844" v="1273" actId="1076"/>
+          <ac:spMkLst>
+            <pc:docMk/>
+            <pc:sldMk cId="1640535229" sldId="261"/>
+            <ac:spMk id="32" creationId="{2FD2B8E2-D233-6880-8FF2-7A48AC850755}"/>
+          </ac:spMkLst>
+        </pc:spChg>
+        <pc:spChg chg="add mod">
+          <ac:chgData name="Keita KAMAGATA" userId="389c5c223f9d271c" providerId="LiveId" clId="{F214C871-87D3-4971-AAB8-2C3CA92BE709}" dt="2023-12-14T16:40:12.399" v="1285" actId="1076"/>
+          <ac:spMkLst>
+            <pc:docMk/>
+            <pc:sldMk cId="1640535229" sldId="261"/>
+            <ac:spMk id="33" creationId="{535FBDFE-4873-F486-16A5-F3DEE9F43175}"/>
+          </ac:spMkLst>
+        </pc:spChg>
+        <pc:spChg chg="add mod">
+          <ac:chgData name="Keita KAMAGATA" userId="389c5c223f9d271c" providerId="LiveId" clId="{F214C871-87D3-4971-AAB8-2C3CA92BE709}" dt="2023-12-14T16:40:10.743" v="1284" actId="14100"/>
+          <ac:spMkLst>
+            <pc:docMk/>
+            <pc:sldMk cId="1640535229" sldId="261"/>
+            <ac:spMk id="34" creationId="{05D081E9-319C-DC9C-2CC8-0E938628D4C1}"/>
+          </ac:spMkLst>
+        </pc:spChg>
+        <pc:spChg chg="add mod">
+          <ac:chgData name="Keita KAMAGATA" userId="389c5c223f9d271c" providerId="LiveId" clId="{F214C871-87D3-4971-AAB8-2C3CA92BE709}" dt="2023-12-14T16:40:18.034" v="1286" actId="14100"/>
+          <ac:spMkLst>
+            <pc:docMk/>
+            <pc:sldMk cId="1640535229" sldId="261"/>
+            <ac:spMk id="35" creationId="{B829B88A-EE27-D274-6545-1DA753788CB0}"/>
+          </ac:spMkLst>
+        </pc:spChg>
+        <pc:spChg chg="add mod">
+          <ac:chgData name="Keita KAMAGATA" userId="389c5c223f9d271c" providerId="LiveId" clId="{F214C871-87D3-4971-AAB8-2C3CA92BE709}" dt="2023-12-14T16:42:27.859" v="1406" actId="1076"/>
+          <ac:spMkLst>
+            <pc:docMk/>
+            <pc:sldMk cId="1640535229" sldId="261"/>
+            <ac:spMk id="36" creationId="{F5EF7C88-911E-B75F-0FBD-3C70723E5E0A}"/>
+          </ac:spMkLst>
+        </pc:spChg>
+        <pc:spChg chg="add mod">
+          <ac:chgData name="Keita KAMAGATA" userId="389c5c223f9d271c" providerId="LiveId" clId="{F214C871-87D3-4971-AAB8-2C3CA92BE709}" dt="2023-12-14T16:42:50.638" v="1411" actId="1076"/>
+          <ac:spMkLst>
+            <pc:docMk/>
+            <pc:sldMk cId="1640535229" sldId="261"/>
+            <ac:spMk id="38" creationId="{430543BB-FD07-F300-8737-8AFFD0A8970B}"/>
+          </ac:spMkLst>
+        </pc:spChg>
+        <pc:spChg chg="add mod">
+          <ac:chgData name="Keita KAMAGATA" userId="389c5c223f9d271c" providerId="LiveId" clId="{F214C871-87D3-4971-AAB8-2C3CA92BE709}" dt="2023-12-14T16:42:22.291" v="1405" actId="1076"/>
+          <ac:spMkLst>
+            <pc:docMk/>
+            <pc:sldMk cId="1640535229" sldId="261"/>
+            <ac:spMk id="39" creationId="{CDB9D73A-E853-B049-C756-4FF57B7419C8}"/>
+          </ac:spMkLst>
+        </pc:spChg>
+        <pc:spChg chg="add mod">
+          <ac:chgData name="Keita KAMAGATA" userId="389c5c223f9d271c" providerId="LiveId" clId="{F214C871-87D3-4971-AAB8-2C3CA92BE709}" dt="2023-12-14T16:41:29.257" v="1369" actId="1076"/>
+          <ac:spMkLst>
+            <pc:docMk/>
+            <pc:sldMk cId="1640535229" sldId="261"/>
+            <ac:spMk id="40" creationId="{86275F72-CD82-1D95-114B-659801F71720}"/>
+          </ac:spMkLst>
+        </pc:spChg>
+        <pc:spChg chg="add mod">
+          <ac:chgData name="Keita KAMAGATA" userId="389c5c223f9d271c" providerId="LiveId" clId="{F214C871-87D3-4971-AAB8-2C3CA92BE709}" dt="2023-12-14T16:41:48.745" v="1397" actId="20577"/>
+          <ac:spMkLst>
+            <pc:docMk/>
+            <pc:sldMk cId="1640535229" sldId="261"/>
+            <ac:spMk id="41" creationId="{3C456B6F-0895-17EE-10AB-A21967B08715}"/>
+          </ac:spMkLst>
+        </pc:spChg>
+        <pc:spChg chg="add mod">
+          <ac:chgData name="Keita KAMAGATA" userId="389c5c223f9d271c" providerId="LiveId" clId="{F214C871-87D3-4971-AAB8-2C3CA92BE709}" dt="2023-12-14T16:42:32.013" v="1407" actId="1076"/>
+          <ac:spMkLst>
+            <pc:docMk/>
+            <pc:sldMk cId="1640535229" sldId="261"/>
+            <ac:spMk id="42" creationId="{B3BA3F34-BB06-DA9A-365E-224940ABD8F2}"/>
+          </ac:spMkLst>
+        </pc:spChg>
+        <pc:spChg chg="add mod">
+          <ac:chgData name="Keita KAMAGATA" userId="389c5c223f9d271c" providerId="LiveId" clId="{F214C871-87D3-4971-AAB8-2C3CA92BE709}" dt="2023-12-14T16:44:47.139" v="1464" actId="14100"/>
+          <ac:spMkLst>
+            <pc:docMk/>
+            <pc:sldMk cId="1640535229" sldId="261"/>
+            <ac:spMk id="44" creationId="{8905F57B-6A27-6859-FB5A-BDF0E852437C}"/>
+          </ac:spMkLst>
+        </pc:spChg>
+        <pc:spChg chg="add mod">
+          <ac:chgData name="Keita KAMAGATA" userId="389c5c223f9d271c" providerId="LiveId" clId="{F214C871-87D3-4971-AAB8-2C3CA92BE709}" dt="2023-12-14T16:44:52.501" v="1465" actId="1076"/>
+          <ac:spMkLst>
+            <pc:docMk/>
+            <pc:sldMk cId="1640535229" sldId="261"/>
+            <ac:spMk id="45" creationId="{473B670B-04E0-5B86-80F1-BA826179CEB4}"/>
+          </ac:spMkLst>
+        </pc:spChg>
+        <pc:grpChg chg="del">
+          <ac:chgData name="Keita KAMAGATA" userId="389c5c223f9d271c" providerId="LiveId" clId="{F214C871-87D3-4971-AAB8-2C3CA92BE709}" dt="2023-12-14T16:19:36.417" v="998" actId="478"/>
+          <ac:grpSpMkLst>
+            <pc:docMk/>
+            <pc:sldMk cId="1640535229" sldId="261"/>
+            <ac:grpSpMk id="20" creationId="{BFD1A287-3623-488B-F4F6-31FEED38C6A0}"/>
+          </ac:grpSpMkLst>
+        </pc:grpChg>
+        <pc:picChg chg="add mod">
+          <ac:chgData name="Keita KAMAGATA" userId="389c5c223f9d271c" providerId="LiveId" clId="{F214C871-87D3-4971-AAB8-2C3CA92BE709}" dt="2023-12-14T16:39:19.844" v="1273" actId="1076"/>
+          <ac:picMkLst>
+            <pc:docMk/>
+            <pc:sldMk cId="1640535229" sldId="261"/>
+            <ac:picMk id="4" creationId="{1117AB0C-1126-EC08-86E8-2BA1F6A1B68C}"/>
+          </ac:picMkLst>
+        </pc:picChg>
+        <pc:picChg chg="del">
+          <ac:chgData name="Keita KAMAGATA" userId="389c5c223f9d271c" providerId="LiveId" clId="{F214C871-87D3-4971-AAB8-2C3CA92BE709}" dt="2023-12-14T16:19:17.421" v="997" actId="478"/>
+          <ac:picMkLst>
+            <pc:docMk/>
+            <pc:sldMk cId="1640535229" sldId="261"/>
+            <ac:picMk id="15" creationId="{BFC38ED3-209A-79CD-B409-60AC625BEF56}"/>
+          </ac:picMkLst>
+        </pc:picChg>
+        <pc:picChg chg="add del mod">
+          <ac:chgData name="Keita KAMAGATA" userId="389c5c223f9d271c" providerId="LiveId" clId="{F214C871-87D3-4971-AAB8-2C3CA92BE709}" dt="2023-12-14T16:31:26.788" v="1202" actId="478"/>
+          <ac:picMkLst>
+            <pc:docMk/>
+            <pc:sldMk cId="1640535229" sldId="261"/>
+            <ac:picMk id="22" creationId="{109922B0-3261-A2C5-B5E4-67B26689ADC9}"/>
+          </ac:picMkLst>
+        </pc:picChg>
+        <pc:picChg chg="add mod">
+          <ac:chgData name="Keita KAMAGATA" userId="389c5c223f9d271c" providerId="LiveId" clId="{F214C871-87D3-4971-AAB8-2C3CA92BE709}" dt="2023-12-14T16:42:27.859" v="1406" actId="1076"/>
+          <ac:picMkLst>
+            <pc:docMk/>
+            <pc:sldMk cId="1640535229" sldId="261"/>
+            <ac:picMk id="37" creationId="{CA7DA677-44BE-571D-62CF-FEB39C8C9E72}"/>
+          </ac:picMkLst>
+        </pc:picChg>
+        <pc:picChg chg="add mod">
+          <ac:chgData name="Keita KAMAGATA" userId="389c5c223f9d271c" providerId="LiveId" clId="{F214C871-87D3-4971-AAB8-2C3CA92BE709}" dt="2023-12-14T16:44:09.287" v="1453" actId="1076"/>
+          <ac:picMkLst>
+            <pc:docMk/>
+            <pc:sldMk cId="1640535229" sldId="261"/>
+            <ac:picMk id="43" creationId="{A09C8AC7-77F3-E3E4-16F6-C2D9B2621B5F}"/>
+          </ac:picMkLst>
+        </pc:picChg>
+        <pc:picChg chg="add mod">
+          <ac:chgData name="Keita KAMAGATA" userId="389c5c223f9d271c" providerId="LiveId" clId="{F214C871-87D3-4971-AAB8-2C3CA92BE709}" dt="2023-12-14T16:39:19.844" v="1273" actId="1076"/>
+          <ac:picMkLst>
+            <pc:docMk/>
+            <pc:sldMk cId="1640535229" sldId="261"/>
+            <ac:picMk id="1026" creationId="{2C3DBB86-44DB-7EA5-FB84-22160E4FD1DD}"/>
+          </ac:picMkLst>
+        </pc:picChg>
+        <pc:picChg chg="del">
+          <ac:chgData name="Keita KAMAGATA" userId="389c5c223f9d271c" providerId="LiveId" clId="{F214C871-87D3-4971-AAB8-2C3CA92BE709}" dt="2023-12-14T16:24:09.815" v="1004" actId="478"/>
+          <ac:picMkLst>
+            <pc:docMk/>
+            <pc:sldMk cId="1640535229" sldId="261"/>
+            <ac:picMk id="1028" creationId="{90E2B904-D259-466C-8071-BCDB311D95ED}"/>
+          </ac:picMkLst>
+        </pc:picChg>
+        <pc:picChg chg="del">
+          <ac:chgData name="Keita KAMAGATA" userId="389c5c223f9d271c" providerId="LiveId" clId="{F214C871-87D3-4971-AAB8-2C3CA92BE709}" dt="2023-12-14T16:18:58.814" v="995" actId="478"/>
+          <ac:picMkLst>
+            <pc:docMk/>
+            <pc:sldMk cId="1640535229" sldId="261"/>
+            <ac:picMk id="1038" creationId="{F4BAD8FB-5BEA-EA71-41E1-0D1DBBB2F1F0}"/>
+          </ac:picMkLst>
+        </pc:picChg>
+        <pc:cxnChg chg="del">
+          <ac:chgData name="Keita KAMAGATA" userId="389c5c223f9d271c" providerId="LiveId" clId="{F214C871-87D3-4971-AAB8-2C3CA92BE709}" dt="2023-12-14T16:24:09.815" v="1004" actId="478"/>
+          <ac:cxnSpMkLst>
+            <pc:docMk/>
+            <pc:sldMk cId="1640535229" sldId="261"/>
+            <ac:cxnSpMk id="18" creationId="{676505FE-5B1D-7BF9-EC65-8511598F4D02}"/>
+          </ac:cxnSpMkLst>
+        </pc:cxnChg>
+        <pc:cxnChg chg="del">
+          <ac:chgData name="Keita KAMAGATA" userId="389c5c223f9d271c" providerId="LiveId" clId="{F214C871-87D3-4971-AAB8-2C3CA92BE709}" dt="2023-12-14T16:24:09.815" v="1004" actId="478"/>
+          <ac:cxnSpMkLst>
+            <pc:docMk/>
+            <pc:sldMk cId="1640535229" sldId="261"/>
+            <ac:cxnSpMk id="19" creationId="{97A2745C-D808-82D0-EFEA-04F42D3F6944}"/>
+          </ac:cxnSpMkLst>
+        </pc:cxnChg>
+      </pc:sldChg>
+      <pc:sldChg chg="modSp add del mod">
+        <pc:chgData name="Keita KAMAGATA" userId="389c5c223f9d271c" providerId="LiveId" clId="{F214C871-87D3-4971-AAB8-2C3CA92BE709}" dt="2023-12-12T05:27:00.972" v="796" actId="47"/>
+        <pc:sldMkLst>
+          <pc:docMk/>
+          <pc:sldMk cId="2980386203" sldId="261"/>
+        </pc:sldMkLst>
+        <pc:graphicFrameChg chg="mod modGraphic">
+          <ac:chgData name="Keita KAMAGATA" userId="389c5c223f9d271c" providerId="LiveId" clId="{F214C871-87D3-4971-AAB8-2C3CA92BE709}" dt="2023-12-12T04:43:19.356" v="795" actId="20577"/>
+          <ac:graphicFrameMkLst>
+            <pc:docMk/>
+            <pc:sldMk cId="2980386203" sldId="261"/>
+            <ac:graphicFrameMk id="4" creationId="{4C25083D-6A54-FBD3-27E8-65D9C2E6F87A}"/>
+          </ac:graphicFrameMkLst>
+        </pc:graphicFrameChg>
+      </pc:sldChg>
+      <pc:sldChg chg="addSp delSp modSp new mod">
+        <pc:chgData name="Keita KAMAGATA" userId="389c5c223f9d271c" providerId="LiveId" clId="{F214C871-87D3-4971-AAB8-2C3CA92BE709}" dt="2023-12-14T16:53:01.118" v="1472" actId="732"/>
+        <pc:sldMkLst>
+          <pc:docMk/>
+          <pc:sldMk cId="2077447983" sldId="262"/>
+        </pc:sldMkLst>
+        <pc:spChg chg="del">
+          <ac:chgData name="Keita KAMAGATA" userId="389c5c223f9d271c" providerId="LiveId" clId="{F214C871-87D3-4971-AAB8-2C3CA92BE709}" dt="2023-12-14T16:52:05.821" v="1467" actId="478"/>
+          <ac:spMkLst>
+            <pc:docMk/>
+            <pc:sldMk cId="2077447983" sldId="262"/>
+            <ac:spMk id="2" creationId="{0DB7265D-2DE5-71F5-6A10-88DCFF4234EE}"/>
+          </ac:spMkLst>
+        </pc:spChg>
+        <pc:spChg chg="del">
+          <ac:chgData name="Keita KAMAGATA" userId="389c5c223f9d271c" providerId="LiveId" clId="{F214C871-87D3-4971-AAB8-2C3CA92BE709}" dt="2023-12-14T16:52:05.821" v="1467" actId="478"/>
+          <ac:spMkLst>
+            <pc:docMk/>
+            <pc:sldMk cId="2077447983" sldId="262"/>
+            <ac:spMk id="3" creationId="{2001E9FB-EAA5-7E1F-D591-BE11A9490492}"/>
+          </ac:spMkLst>
+        </pc:spChg>
+        <pc:picChg chg="add mod modCrop">
+          <ac:chgData name="Keita KAMAGATA" userId="389c5c223f9d271c" providerId="LiveId" clId="{F214C871-87D3-4971-AAB8-2C3CA92BE709}" dt="2023-12-14T16:53:01.118" v="1472" actId="732"/>
+          <ac:picMkLst>
+            <pc:docMk/>
+            <pc:sldMk cId="2077447983" sldId="262"/>
+            <ac:picMk id="5" creationId="{B94C1E9F-C811-5B0F-7EEC-075FFE7BC546}"/>
+          </ac:picMkLst>
+        </pc:picChg>
       </pc:sldChg>
     </pc:docChg>
   </pc:docChgLst>
@@ -776,7 +1327,7 @@
           <a:p>
             <a:fld id="{755539CC-26A7-47E3-A9E0-06A1F26081E2}" type="datetimeFigureOut">
               <a:rPr kumimoji="1" lang="ja-JP" altLang="en-US" smtClean="0"/>
-              <a:t>2023/12/8</a:t>
+              <a:t>2023/12/15</a:t>
             </a:fld>
             <a:endParaRPr kumimoji="1" lang="ja-JP" altLang="en-US"/>
           </a:p>
@@ -1006,7 +1557,7 @@
           <a:p>
             <a:fld id="{755539CC-26A7-47E3-A9E0-06A1F26081E2}" type="datetimeFigureOut">
               <a:rPr kumimoji="1" lang="ja-JP" altLang="en-US" smtClean="0"/>
-              <a:t>2023/12/8</a:t>
+              <a:t>2023/12/15</a:t>
             </a:fld>
             <a:endParaRPr kumimoji="1" lang="ja-JP" altLang="en-US"/>
           </a:p>
@@ -1246,7 +1797,7 @@
           <a:p>
             <a:fld id="{755539CC-26A7-47E3-A9E0-06A1F26081E2}" type="datetimeFigureOut">
               <a:rPr kumimoji="1" lang="ja-JP" altLang="en-US" smtClean="0"/>
-              <a:t>2023/12/8</a:t>
+              <a:t>2023/12/15</a:t>
             </a:fld>
             <a:endParaRPr kumimoji="1" lang="ja-JP" altLang="en-US"/>
           </a:p>
@@ -1476,7 +2027,7 @@
           <a:p>
             <a:fld id="{755539CC-26A7-47E3-A9E0-06A1F26081E2}" type="datetimeFigureOut">
               <a:rPr kumimoji="1" lang="ja-JP" altLang="en-US" smtClean="0"/>
-              <a:t>2023/12/8</a:t>
+              <a:t>2023/12/15</a:t>
             </a:fld>
             <a:endParaRPr kumimoji="1" lang="ja-JP" altLang="en-US"/>
           </a:p>
@@ -1751,7 +2302,7 @@
           <a:p>
             <a:fld id="{755539CC-26A7-47E3-A9E0-06A1F26081E2}" type="datetimeFigureOut">
               <a:rPr kumimoji="1" lang="ja-JP" altLang="en-US" smtClean="0"/>
-              <a:t>2023/12/8</a:t>
+              <a:t>2023/12/15</a:t>
             </a:fld>
             <a:endParaRPr kumimoji="1" lang="ja-JP" altLang="en-US"/>
           </a:p>
@@ -2080,7 +2631,7 @@
           <a:p>
             <a:fld id="{755539CC-26A7-47E3-A9E0-06A1F26081E2}" type="datetimeFigureOut">
               <a:rPr kumimoji="1" lang="ja-JP" altLang="en-US" smtClean="0"/>
-              <a:t>2023/12/8</a:t>
+              <a:t>2023/12/15</a:t>
             </a:fld>
             <a:endParaRPr kumimoji="1" lang="ja-JP" altLang="en-US"/>
           </a:p>
@@ -2556,7 +3107,7 @@
           <a:p>
             <a:fld id="{755539CC-26A7-47E3-A9E0-06A1F26081E2}" type="datetimeFigureOut">
               <a:rPr kumimoji="1" lang="ja-JP" altLang="en-US" smtClean="0"/>
-              <a:t>2023/12/8</a:t>
+              <a:t>2023/12/15</a:t>
             </a:fld>
             <a:endParaRPr kumimoji="1" lang="ja-JP" altLang="en-US"/>
           </a:p>
@@ -2697,7 +3248,7 @@
           <a:p>
             <a:fld id="{755539CC-26A7-47E3-A9E0-06A1F26081E2}" type="datetimeFigureOut">
               <a:rPr kumimoji="1" lang="ja-JP" altLang="en-US" smtClean="0"/>
-              <a:t>2023/12/8</a:t>
+              <a:t>2023/12/15</a:t>
             </a:fld>
             <a:endParaRPr kumimoji="1" lang="ja-JP" altLang="en-US"/>
           </a:p>
@@ -2810,7 +3361,7 @@
           <a:p>
             <a:fld id="{755539CC-26A7-47E3-A9E0-06A1F26081E2}" type="datetimeFigureOut">
               <a:rPr kumimoji="1" lang="ja-JP" altLang="en-US" smtClean="0"/>
-              <a:t>2023/12/8</a:t>
+              <a:t>2023/12/15</a:t>
             </a:fld>
             <a:endParaRPr kumimoji="1" lang="ja-JP" altLang="en-US"/>
           </a:p>
@@ -3153,7 +3704,7 @@
           <a:p>
             <a:fld id="{755539CC-26A7-47E3-A9E0-06A1F26081E2}" type="datetimeFigureOut">
               <a:rPr kumimoji="1" lang="ja-JP" altLang="en-US" smtClean="0"/>
-              <a:t>2023/12/8</a:t>
+              <a:t>2023/12/15</a:t>
             </a:fld>
             <a:endParaRPr kumimoji="1" lang="ja-JP" altLang="en-US"/>
           </a:p>
@@ -3441,7 +3992,7 @@
           <a:p>
             <a:fld id="{755539CC-26A7-47E3-A9E0-06A1F26081E2}" type="datetimeFigureOut">
               <a:rPr kumimoji="1" lang="ja-JP" altLang="en-US" smtClean="0"/>
-              <a:t>2023/12/8</a:t>
+              <a:t>2023/12/15</a:t>
             </a:fld>
             <a:endParaRPr kumimoji="1" lang="ja-JP" altLang="en-US"/>
           </a:p>
@@ -3714,7 +4265,7 @@
           <a:p>
             <a:fld id="{755539CC-26A7-47E3-A9E0-06A1F26081E2}" type="datetimeFigureOut">
               <a:rPr kumimoji="1" lang="ja-JP" altLang="en-US" smtClean="0"/>
-              <a:t>2023/12/8</a:t>
+              <a:t>2023/12/15</a:t>
             </a:fld>
             <a:endParaRPr kumimoji="1" lang="ja-JP" altLang="en-US"/>
           </a:p>
@@ -4133,10 +4684,10 @@
       </p:grpSpPr>
       <p:pic>
         <p:nvPicPr>
-          <p:cNvPr id="5" name="図 4">
-            <a:extLst>
-              <a:ext uri="{FF2B5EF4-FFF2-40B4-BE49-F238E27FC236}">
-                <a16:creationId xmlns:a16="http://schemas.microsoft.com/office/drawing/2014/main" id="{7341622E-095A-41CD-7632-09474E9BC9BE}"/>
+          <p:cNvPr id="6" name="図 5">
+            <a:extLst>
+              <a:ext uri="{FF2B5EF4-FFF2-40B4-BE49-F238E27FC236}">
+                <a16:creationId xmlns:a16="http://schemas.microsoft.com/office/drawing/2014/main" id="{CB58E8FE-34A3-C981-A81F-8C1658C65388}"/>
               </a:ext>
             </a:extLst>
           </p:cNvPr>
@@ -4153,70 +4704,18 @@
         </p:blipFill>
         <p:spPr>
           <a:xfrm>
-            <a:off x="217714" y="0"/>
-            <a:ext cx="11756571" cy="6858000"/>
+            <a:off x="2023479" y="640021"/>
+            <a:ext cx="8145041" cy="4936035"/>
           </a:xfrm>
           <a:prstGeom prst="rect">
             <a:avLst/>
           </a:prstGeom>
         </p:spPr>
       </p:pic>
-      <p:sp>
-        <p:nvSpPr>
-          <p:cNvPr id="6" name="正方形/長方形 5">
-            <a:extLst>
-              <a:ext uri="{FF2B5EF4-FFF2-40B4-BE49-F238E27FC236}">
-                <a16:creationId xmlns:a16="http://schemas.microsoft.com/office/drawing/2014/main" id="{489C838D-91A4-357F-43AA-43AD410E5274}"/>
-              </a:ext>
-            </a:extLst>
-          </p:cNvPr>
-          <p:cNvSpPr/>
-          <p:nvPr/>
-        </p:nvSpPr>
-        <p:spPr>
-          <a:xfrm>
-            <a:off x="217714" y="97654"/>
-            <a:ext cx="2294668" cy="6560597"/>
-          </a:xfrm>
-          <a:prstGeom prst="rect">
-            <a:avLst/>
-          </a:prstGeom>
-          <a:solidFill>
-            <a:schemeClr val="bg1"/>
-          </a:solidFill>
-          <a:ln>
-            <a:noFill/>
-          </a:ln>
-        </p:spPr>
-        <p:style>
-          <a:lnRef idx="2">
-            <a:schemeClr val="accent1">
-              <a:shade val="15000"/>
-            </a:schemeClr>
-          </a:lnRef>
-          <a:fillRef idx="1">
-            <a:schemeClr val="accent1"/>
-          </a:fillRef>
-          <a:effectRef idx="0">
-            <a:schemeClr val="accent1"/>
-          </a:effectRef>
-          <a:fontRef idx="minor">
-            <a:schemeClr val="lt1"/>
-          </a:fontRef>
-        </p:style>
-        <p:txBody>
-          <a:bodyPr rtlCol="0" anchor="ctr"/>
-          <a:lstStyle/>
-          <a:p>
-            <a:pPr algn="ctr"/>
-            <a:endParaRPr kumimoji="1" lang="ja-JP" altLang="en-US"/>
-          </a:p>
-        </p:txBody>
-      </p:sp>
     </p:spTree>
     <p:extLst>
       <p:ext uri="{BB962C8B-B14F-4D97-AF65-F5344CB8AC3E}">
-        <p14:creationId xmlns:p14="http://schemas.microsoft.com/office/powerpoint/2010/main" val="1436176563"/>
+        <p14:creationId xmlns:p14="http://schemas.microsoft.com/office/powerpoint/2010/main" val="3043348177"/>
       </p:ext>
     </p:extLst>
   </p:cSld>
@@ -4257,6 +4756,175 @@
           </p:cNvPicPr>
           <p:nvPr/>
         </p:nvPicPr>
+        <p:blipFill>
+          <a:blip r:embed="rId2"/>
+          <a:stretch>
+            <a:fillRect/>
+          </a:stretch>
+        </p:blipFill>
+        <p:spPr>
+          <a:xfrm>
+            <a:off x="217714" y="0"/>
+            <a:ext cx="11756571" cy="6858000"/>
+          </a:xfrm>
+          <a:prstGeom prst="rect">
+            <a:avLst/>
+          </a:prstGeom>
+        </p:spPr>
+      </p:pic>
+      <p:sp>
+        <p:nvSpPr>
+          <p:cNvPr id="6" name="正方形/長方形 5">
+            <a:extLst>
+              <a:ext uri="{FF2B5EF4-FFF2-40B4-BE49-F238E27FC236}">
+                <a16:creationId xmlns:a16="http://schemas.microsoft.com/office/drawing/2014/main" id="{489C838D-91A4-357F-43AA-43AD410E5274}"/>
+              </a:ext>
+            </a:extLst>
+          </p:cNvPr>
+          <p:cNvSpPr/>
+          <p:nvPr/>
+        </p:nvSpPr>
+        <p:spPr>
+          <a:xfrm>
+            <a:off x="217714" y="97654"/>
+            <a:ext cx="2294668" cy="6560597"/>
+          </a:xfrm>
+          <a:prstGeom prst="rect">
+            <a:avLst/>
+          </a:prstGeom>
+          <a:solidFill>
+            <a:schemeClr val="bg1"/>
+          </a:solidFill>
+          <a:ln>
+            <a:noFill/>
+          </a:ln>
+        </p:spPr>
+        <p:style>
+          <a:lnRef idx="2">
+            <a:schemeClr val="accent1">
+              <a:shade val="15000"/>
+            </a:schemeClr>
+          </a:lnRef>
+          <a:fillRef idx="1">
+            <a:schemeClr val="accent1"/>
+          </a:fillRef>
+          <a:effectRef idx="0">
+            <a:schemeClr val="accent1"/>
+          </a:effectRef>
+          <a:fontRef idx="minor">
+            <a:schemeClr val="lt1"/>
+          </a:fontRef>
+        </p:style>
+        <p:txBody>
+          <a:bodyPr rtlCol="0" anchor="ctr"/>
+          <a:lstStyle/>
+          <a:p>
+            <a:pPr algn="ctr"/>
+            <a:endParaRPr kumimoji="1" lang="ja-JP" altLang="en-US"/>
+          </a:p>
+        </p:txBody>
+      </p:sp>
+    </p:spTree>
+    <p:extLst>
+      <p:ext uri="{BB962C8B-B14F-4D97-AF65-F5344CB8AC3E}">
+        <p14:creationId xmlns:p14="http://schemas.microsoft.com/office/powerpoint/2010/main" val="1436176563"/>
+      </p:ext>
+    </p:extLst>
+  </p:cSld>
+  <p:clrMapOvr>
+    <a:masterClrMapping/>
+  </p:clrMapOvr>
+</p:sld>
+</file>
+
+<file path=ppt/slides/slide3.xml><?xml version="1.0" encoding="utf-8"?>
+<p:sld xmlns:a="http://schemas.openxmlformats.org/drawingml/2006/main" xmlns:r="http://schemas.openxmlformats.org/officeDocument/2006/relationships" xmlns:p="http://schemas.openxmlformats.org/presentationml/2006/main">
+  <p:cSld>
+    <p:spTree>
+      <p:nvGrpSpPr>
+        <p:cNvPr id="1" name=""/>
+        <p:cNvGrpSpPr/>
+        <p:nvPr/>
+      </p:nvGrpSpPr>
+      <p:grpSpPr>
+        <a:xfrm>
+          <a:off x="0" y="0"/>
+          <a:ext cx="0" cy="0"/>
+          <a:chOff x="0" y="0"/>
+          <a:chExt cx="0" cy="0"/>
+        </a:xfrm>
+      </p:grpSpPr>
+      <p:sp>
+        <p:nvSpPr>
+          <p:cNvPr id="20" name="思考の吹き出し: 雲形 19">
+            <a:extLst>
+              <a:ext uri="{FF2B5EF4-FFF2-40B4-BE49-F238E27FC236}">
+                <a16:creationId xmlns:a16="http://schemas.microsoft.com/office/drawing/2014/main" id="{AF2C7B1A-6877-F080-7CE7-6D153E6A84C3}"/>
+              </a:ext>
+            </a:extLst>
+          </p:cNvPr>
+          <p:cNvSpPr/>
+          <p:nvPr/>
+        </p:nvSpPr>
+        <p:spPr>
+          <a:xfrm>
+            <a:off x="2763427" y="4702473"/>
+            <a:ext cx="4598633" cy="1958461"/>
+          </a:xfrm>
+          <a:prstGeom prst="cloudCallout">
+            <a:avLst>
+              <a:gd name="adj1" fmla="val -39173"/>
+              <a:gd name="adj2" fmla="val 15810"/>
+            </a:avLst>
+          </a:prstGeom>
+          <a:solidFill>
+            <a:schemeClr val="bg2">
+              <a:lumMod val="90000"/>
+            </a:schemeClr>
+          </a:solidFill>
+          <a:ln>
+            <a:noFill/>
+          </a:ln>
+        </p:spPr>
+        <p:style>
+          <a:lnRef idx="2">
+            <a:schemeClr val="accent1">
+              <a:shade val="15000"/>
+            </a:schemeClr>
+          </a:lnRef>
+          <a:fillRef idx="1">
+            <a:schemeClr val="accent1"/>
+          </a:fillRef>
+          <a:effectRef idx="0">
+            <a:schemeClr val="accent1"/>
+          </a:effectRef>
+          <a:fontRef idx="minor">
+            <a:schemeClr val="lt1"/>
+          </a:fontRef>
+        </p:style>
+        <p:txBody>
+          <a:bodyPr rtlCol="0" anchor="ctr"/>
+          <a:lstStyle/>
+          <a:p>
+            <a:pPr algn="ctr"/>
+            <a:endParaRPr kumimoji="1" lang="ja-JP" altLang="en-US"/>
+          </a:p>
+        </p:txBody>
+      </p:sp>
+      <p:pic>
+        <p:nvPicPr>
+          <p:cNvPr id="5" name="図 4">
+            <a:extLst>
+              <a:ext uri="{FF2B5EF4-FFF2-40B4-BE49-F238E27FC236}">
+                <a16:creationId xmlns:a16="http://schemas.microsoft.com/office/drawing/2014/main" id="{7341622E-095A-41CD-7632-09474E9BC9BE}"/>
+              </a:ext>
+            </a:extLst>
+          </p:cNvPr>
+          <p:cNvPicPr>
+            <a:picLocks noChangeAspect="1"/>
+          </p:cNvPicPr>
+          <p:nvPr/>
+        </p:nvPicPr>
         <p:blipFill rotWithShape="1">
           <a:blip r:embed="rId2"/>
           <a:srcRect l="19518" t="7508" r="3761" b="1489"/>
@@ -4264,14 +4932,564 @@
         </p:blipFill>
         <p:spPr>
           <a:xfrm>
-            <a:off x="1586144" y="308498"/>
-            <a:ext cx="9019712" cy="6241003"/>
+            <a:off x="466856" y="1027591"/>
+            <a:ext cx="4486884" cy="3104606"/>
           </a:xfrm>
           <a:prstGeom prst="rect">
             <a:avLst/>
           </a:prstGeom>
         </p:spPr>
       </p:pic>
+      <p:cxnSp>
+        <p:nvCxnSpPr>
+          <p:cNvPr id="2" name="直線コネクタ 1">
+            <a:extLst>
+              <a:ext uri="{FF2B5EF4-FFF2-40B4-BE49-F238E27FC236}">
+                <a16:creationId xmlns:a16="http://schemas.microsoft.com/office/drawing/2014/main" id="{94F173D8-A5E7-409F-7403-EC0F09BA806F}"/>
+              </a:ext>
+            </a:extLst>
+          </p:cNvPr>
+          <p:cNvCxnSpPr>
+            <a:cxnSpLocks/>
+          </p:cNvCxnSpPr>
+          <p:nvPr/>
+        </p:nvCxnSpPr>
+        <p:spPr>
+          <a:xfrm>
+            <a:off x="490329" y="816746"/>
+            <a:ext cx="4406639" cy="0"/>
+          </a:xfrm>
+          <a:prstGeom prst="line">
+            <a:avLst/>
+          </a:prstGeom>
+          <a:ln w="28575">
+            <a:solidFill>
+              <a:schemeClr val="accent1"/>
+            </a:solidFill>
+          </a:ln>
+        </p:spPr>
+        <p:style>
+          <a:lnRef idx="1">
+            <a:schemeClr val="accent1"/>
+          </a:lnRef>
+          <a:fillRef idx="0">
+            <a:schemeClr val="accent1"/>
+          </a:fillRef>
+          <a:effectRef idx="0">
+            <a:schemeClr val="accent1"/>
+          </a:effectRef>
+          <a:fontRef idx="minor">
+            <a:schemeClr val="tx1"/>
+          </a:fontRef>
+        </p:style>
+      </p:cxnSp>
+      <p:sp>
+        <p:nvSpPr>
+          <p:cNvPr id="3" name="テキスト ボックス 2">
+            <a:extLst>
+              <a:ext uri="{FF2B5EF4-FFF2-40B4-BE49-F238E27FC236}">
+                <a16:creationId xmlns:a16="http://schemas.microsoft.com/office/drawing/2014/main" id="{4E1766A8-175D-3423-6615-94AAC912C4DE}"/>
+              </a:ext>
+            </a:extLst>
+          </p:cNvPr>
+          <p:cNvSpPr txBox="1"/>
+          <p:nvPr/>
+        </p:nvSpPr>
+        <p:spPr>
+          <a:xfrm>
+            <a:off x="843379" y="224848"/>
+            <a:ext cx="3852909" cy="523220"/>
+          </a:xfrm>
+          <a:prstGeom prst="rect">
+            <a:avLst/>
+          </a:prstGeom>
+          <a:noFill/>
+        </p:spPr>
+        <p:txBody>
+          <a:bodyPr wrap="square">
+            <a:spAutoFit/>
+          </a:bodyPr>
+          <a:lstStyle/>
+          <a:p>
+            <a:pPr algn="ctr"/>
+            <a:r>
+              <a:rPr lang="ja-JP" altLang="en-US" sz="2800" b="1" dirty="0">
+                <a:solidFill>
+                  <a:schemeClr val="accent1"/>
+                </a:solidFill>
+                <a:latin typeface="Meiryo UI" panose="020B0604030504040204" pitchFamily="50" charset="-128"/>
+                <a:ea typeface="Meiryo UI" panose="020B0604030504040204" pitchFamily="50" charset="-128"/>
+              </a:rPr>
+              <a:t>入力画面</a:t>
+            </a:r>
+          </a:p>
+        </p:txBody>
+      </p:sp>
+      <p:cxnSp>
+        <p:nvCxnSpPr>
+          <p:cNvPr id="4" name="直線コネクタ 3">
+            <a:extLst>
+              <a:ext uri="{FF2B5EF4-FFF2-40B4-BE49-F238E27FC236}">
+                <a16:creationId xmlns:a16="http://schemas.microsoft.com/office/drawing/2014/main" id="{09A7D680-E474-8597-64AD-1A2114F49229}"/>
+              </a:ext>
+            </a:extLst>
+          </p:cNvPr>
+          <p:cNvCxnSpPr>
+            <a:cxnSpLocks/>
+          </p:cNvCxnSpPr>
+          <p:nvPr/>
+        </p:nvCxnSpPr>
+        <p:spPr>
+          <a:xfrm>
+            <a:off x="5192199" y="816746"/>
+            <a:ext cx="6477963" cy="0"/>
+          </a:xfrm>
+          <a:prstGeom prst="line">
+            <a:avLst/>
+          </a:prstGeom>
+          <a:ln w="28575">
+            <a:solidFill>
+              <a:schemeClr val="accent1"/>
+            </a:solidFill>
+          </a:ln>
+        </p:spPr>
+        <p:style>
+          <a:lnRef idx="1">
+            <a:schemeClr val="accent1"/>
+          </a:lnRef>
+          <a:fillRef idx="0">
+            <a:schemeClr val="accent1"/>
+          </a:fillRef>
+          <a:effectRef idx="0">
+            <a:schemeClr val="accent1"/>
+          </a:effectRef>
+          <a:fontRef idx="minor">
+            <a:schemeClr val="tx1"/>
+          </a:fontRef>
+        </p:style>
+      </p:cxnSp>
+      <p:sp>
+        <p:nvSpPr>
+          <p:cNvPr id="6" name="テキスト ボックス 5">
+            <a:extLst>
+              <a:ext uri="{FF2B5EF4-FFF2-40B4-BE49-F238E27FC236}">
+                <a16:creationId xmlns:a16="http://schemas.microsoft.com/office/drawing/2014/main" id="{13413595-D82F-52C9-A940-DD915D3FBE0E}"/>
+              </a:ext>
+            </a:extLst>
+          </p:cNvPr>
+          <p:cNvSpPr txBox="1"/>
+          <p:nvPr/>
+        </p:nvSpPr>
+        <p:spPr>
+          <a:xfrm>
+            <a:off x="5690587" y="224848"/>
+            <a:ext cx="5663954" cy="523220"/>
+          </a:xfrm>
+          <a:prstGeom prst="rect">
+            <a:avLst/>
+          </a:prstGeom>
+          <a:noFill/>
+        </p:spPr>
+        <p:txBody>
+          <a:bodyPr wrap="square">
+            <a:spAutoFit/>
+          </a:bodyPr>
+          <a:lstStyle/>
+          <a:p>
+            <a:pPr algn="ctr"/>
+            <a:r>
+              <a:rPr lang="ja-JP" altLang="en-US" sz="2800" b="1" dirty="0">
+                <a:solidFill>
+                  <a:schemeClr val="accent1"/>
+                </a:solidFill>
+                <a:latin typeface="Meiryo UI" panose="020B0604030504040204" pitchFamily="50" charset="-128"/>
+                <a:ea typeface="Meiryo UI" panose="020B0604030504040204" pitchFamily="50" charset="-128"/>
+              </a:rPr>
+              <a:t>出力画面</a:t>
+            </a:r>
+          </a:p>
+        </p:txBody>
+      </p:sp>
+      <p:grpSp>
+        <p:nvGrpSpPr>
+          <p:cNvPr id="10" name="グループ化 9">
+            <a:extLst>
+              <a:ext uri="{FF2B5EF4-FFF2-40B4-BE49-F238E27FC236}">
+                <a16:creationId xmlns:a16="http://schemas.microsoft.com/office/drawing/2014/main" id="{A19CFE1F-2F50-B2A8-BF79-1F4802B82973}"/>
+              </a:ext>
+            </a:extLst>
+          </p:cNvPr>
+          <p:cNvGrpSpPr/>
+          <p:nvPr/>
+        </p:nvGrpSpPr>
+        <p:grpSpPr>
+          <a:xfrm>
+            <a:off x="5209712" y="1027591"/>
+            <a:ext cx="6453125" cy="3104602"/>
+            <a:chOff x="2467993" y="1438183"/>
+            <a:chExt cx="9277164" cy="4463249"/>
+          </a:xfrm>
+        </p:grpSpPr>
+        <p:sp>
+          <p:nvSpPr>
+            <p:cNvPr id="9" name="四角形: 角を丸くする 8">
+              <a:extLst>
+                <a:ext uri="{FF2B5EF4-FFF2-40B4-BE49-F238E27FC236}">
+                  <a16:creationId xmlns:a16="http://schemas.microsoft.com/office/drawing/2014/main" id="{D5B908F8-C9FF-5BA7-0E84-957022B82A59}"/>
+                </a:ext>
+              </a:extLst>
+            </p:cNvPr>
+            <p:cNvSpPr/>
+            <p:nvPr/>
+          </p:nvSpPr>
+          <p:spPr>
+            <a:xfrm>
+              <a:off x="2467993" y="1438183"/>
+              <a:ext cx="9277164" cy="4463249"/>
+            </a:xfrm>
+            <a:prstGeom prst="roundRect">
+              <a:avLst>
+                <a:gd name="adj" fmla="val 2459"/>
+              </a:avLst>
+            </a:prstGeom>
+            <a:solidFill>
+              <a:srgbClr val="F3F6FC"/>
+            </a:solidFill>
+            <a:ln>
+              <a:noFill/>
+            </a:ln>
+          </p:spPr>
+          <p:style>
+            <a:lnRef idx="2">
+              <a:schemeClr val="accent1">
+                <a:shade val="15000"/>
+              </a:schemeClr>
+            </a:lnRef>
+            <a:fillRef idx="1">
+              <a:schemeClr val="accent1"/>
+            </a:fillRef>
+            <a:effectRef idx="0">
+              <a:schemeClr val="accent1"/>
+            </a:effectRef>
+            <a:fontRef idx="minor">
+              <a:schemeClr val="lt1"/>
+            </a:fontRef>
+          </p:style>
+          <p:txBody>
+            <a:bodyPr rtlCol="0" anchor="ctr"/>
+            <a:lstStyle/>
+            <a:p>
+              <a:pPr algn="ctr"/>
+              <a:endParaRPr kumimoji="1" lang="ja-JP" altLang="en-US"/>
+            </a:p>
+          </p:txBody>
+        </p:sp>
+        <p:pic>
+          <p:nvPicPr>
+            <p:cNvPr id="8" name="図 7">
+              <a:extLst>
+                <a:ext uri="{FF2B5EF4-FFF2-40B4-BE49-F238E27FC236}">
+                  <a16:creationId xmlns:a16="http://schemas.microsoft.com/office/drawing/2014/main" id="{9F501659-4CEA-6407-3FBB-14B5BDF84712}"/>
+                </a:ext>
+              </a:extLst>
+            </p:cNvPr>
+            <p:cNvPicPr>
+              <a:picLocks noChangeAspect="1"/>
+            </p:cNvPicPr>
+            <p:nvPr/>
+          </p:nvPicPr>
+          <p:blipFill rotWithShape="1">
+            <a:blip r:embed="rId3"/>
+            <a:srcRect l="1277" t="2069" r="2992" b="11594"/>
+            <a:stretch/>
+          </p:blipFill>
+          <p:spPr>
+            <a:xfrm>
+              <a:off x="2574524" y="1504766"/>
+              <a:ext cx="9081857" cy="4325643"/>
+            </a:xfrm>
+            <a:prstGeom prst="rect">
+              <a:avLst/>
+            </a:prstGeom>
+          </p:spPr>
+        </p:pic>
+      </p:grpSp>
+      <p:sp>
+        <p:nvSpPr>
+          <p:cNvPr id="15" name="四角形: 角を丸くする 14">
+            <a:extLst>
+              <a:ext uri="{FF2B5EF4-FFF2-40B4-BE49-F238E27FC236}">
+                <a16:creationId xmlns:a16="http://schemas.microsoft.com/office/drawing/2014/main" id="{B67554A8-315E-236B-650D-3D2B9EA617F9}"/>
+              </a:ext>
+            </a:extLst>
+          </p:cNvPr>
+          <p:cNvSpPr/>
+          <p:nvPr/>
+        </p:nvSpPr>
+        <p:spPr>
+          <a:xfrm>
+            <a:off x="3859618" y="5337966"/>
+            <a:ext cx="2421586" cy="523220"/>
+          </a:xfrm>
+          <a:prstGeom prst="roundRect">
+            <a:avLst/>
+          </a:prstGeom>
+          <a:ln>
+            <a:noFill/>
+          </a:ln>
+        </p:spPr>
+        <p:style>
+          <a:lnRef idx="2">
+            <a:schemeClr val="accent1">
+              <a:shade val="15000"/>
+            </a:schemeClr>
+          </a:lnRef>
+          <a:fillRef idx="1">
+            <a:schemeClr val="accent1"/>
+          </a:fillRef>
+          <a:effectRef idx="0">
+            <a:schemeClr val="accent1"/>
+          </a:effectRef>
+          <a:fontRef idx="minor">
+            <a:schemeClr val="lt1"/>
+          </a:fontRef>
+        </p:style>
+        <p:txBody>
+          <a:bodyPr rtlCol="0" anchor="ctr"/>
+          <a:lstStyle/>
+          <a:p>
+            <a:pPr algn="ctr"/>
+            <a:endParaRPr kumimoji="1" lang="ja-JP" altLang="en-US"/>
+          </a:p>
+        </p:txBody>
+      </p:sp>
+      <p:sp>
+        <p:nvSpPr>
+          <p:cNvPr id="16" name="テキスト ボックス 15">
+            <a:extLst>
+              <a:ext uri="{FF2B5EF4-FFF2-40B4-BE49-F238E27FC236}">
+                <a16:creationId xmlns:a16="http://schemas.microsoft.com/office/drawing/2014/main" id="{6E88115C-480A-CA3B-CAEB-F5B16713AE23}"/>
+              </a:ext>
+            </a:extLst>
+          </p:cNvPr>
+          <p:cNvSpPr txBox="1"/>
+          <p:nvPr/>
+        </p:nvSpPr>
+        <p:spPr>
+          <a:xfrm>
+            <a:off x="3698388" y="5368744"/>
+            <a:ext cx="2744046" cy="461665"/>
+          </a:xfrm>
+          <a:prstGeom prst="rect">
+            <a:avLst/>
+          </a:prstGeom>
+          <a:noFill/>
+        </p:spPr>
+        <p:txBody>
+          <a:bodyPr wrap="square">
+            <a:spAutoFit/>
+          </a:bodyPr>
+          <a:lstStyle/>
+          <a:p>
+            <a:pPr algn="ctr"/>
+            <a:r>
+              <a:rPr lang="en-US" altLang="ja-JP" sz="2400" b="1" dirty="0">
+                <a:solidFill>
+                  <a:schemeClr val="bg1"/>
+                </a:solidFill>
+                <a:latin typeface="Meiryo UI" panose="020B0604030504040204" pitchFamily="50" charset="-128"/>
+                <a:ea typeface="Meiryo UI" panose="020B0604030504040204" pitchFamily="50" charset="-128"/>
+              </a:rPr>
+              <a:t>BERT</a:t>
+            </a:r>
+            <a:endParaRPr lang="ja-JP" altLang="en-US" sz="2400" b="1" dirty="0">
+              <a:solidFill>
+                <a:schemeClr val="bg1"/>
+              </a:solidFill>
+              <a:latin typeface="Meiryo UI" panose="020B0604030504040204" pitchFamily="50" charset="-128"/>
+              <a:ea typeface="Meiryo UI" panose="020B0604030504040204" pitchFamily="50" charset="-128"/>
+            </a:endParaRPr>
+          </a:p>
+        </p:txBody>
+      </p:sp>
+      <p:sp>
+        <p:nvSpPr>
+          <p:cNvPr id="17" name="テキスト ボックス 16">
+            <a:extLst>
+              <a:ext uri="{FF2B5EF4-FFF2-40B4-BE49-F238E27FC236}">
+                <a16:creationId xmlns:a16="http://schemas.microsoft.com/office/drawing/2014/main" id="{A2163FF5-1367-6DC6-EDE7-277CC6306517}"/>
+              </a:ext>
+            </a:extLst>
+          </p:cNvPr>
+          <p:cNvSpPr txBox="1"/>
+          <p:nvPr/>
+        </p:nvSpPr>
+        <p:spPr>
+          <a:xfrm>
+            <a:off x="3756310" y="5857423"/>
+            <a:ext cx="2628202" cy="400110"/>
+          </a:xfrm>
+          <a:prstGeom prst="rect">
+            <a:avLst/>
+          </a:prstGeom>
+          <a:noFill/>
+        </p:spPr>
+        <p:txBody>
+          <a:bodyPr wrap="square">
+            <a:spAutoFit/>
+          </a:bodyPr>
+          <a:lstStyle/>
+          <a:p>
+            <a:pPr algn="ctr"/>
+            <a:r>
+              <a:rPr lang="ja-JP" altLang="en-US" sz="2000" dirty="0">
+                <a:solidFill>
+                  <a:schemeClr val="accent1"/>
+                </a:solidFill>
+                <a:latin typeface="Meiryo UI" panose="020B0604030504040204" pitchFamily="50" charset="-128"/>
+                <a:ea typeface="Meiryo UI" panose="020B0604030504040204" pitchFamily="50" charset="-128"/>
+              </a:rPr>
+              <a:t>生成</a:t>
+            </a:r>
+            <a:r>
+              <a:rPr lang="en-US" altLang="ja-JP" sz="2000" dirty="0">
+                <a:solidFill>
+                  <a:schemeClr val="accent1"/>
+                </a:solidFill>
+                <a:latin typeface="Meiryo UI" panose="020B0604030504040204" pitchFamily="50" charset="-128"/>
+                <a:ea typeface="Meiryo UI" panose="020B0604030504040204" pitchFamily="50" charset="-128"/>
+              </a:rPr>
+              <a:t>AI</a:t>
+            </a:r>
+            <a:r>
+              <a:rPr lang="ja-JP" altLang="en-US" sz="2000" dirty="0">
+                <a:solidFill>
+                  <a:schemeClr val="accent1"/>
+                </a:solidFill>
+                <a:latin typeface="Meiryo UI" panose="020B0604030504040204" pitchFamily="50" charset="-128"/>
+                <a:ea typeface="Meiryo UI" panose="020B0604030504040204" pitchFamily="50" charset="-128"/>
+              </a:rPr>
+              <a:t>モデル</a:t>
+            </a:r>
+          </a:p>
+        </p:txBody>
+      </p:sp>
+      <p:sp>
+        <p:nvSpPr>
+          <p:cNvPr id="18" name="矢印: 折線 17">
+            <a:extLst>
+              <a:ext uri="{FF2B5EF4-FFF2-40B4-BE49-F238E27FC236}">
+                <a16:creationId xmlns:a16="http://schemas.microsoft.com/office/drawing/2014/main" id="{421E63B7-6CC6-18C4-4D20-A66859749B71}"/>
+              </a:ext>
+            </a:extLst>
+          </p:cNvPr>
+          <p:cNvSpPr/>
+          <p:nvPr/>
+        </p:nvSpPr>
+        <p:spPr>
+          <a:xfrm flipV="1">
+            <a:off x="2032986" y="4208014"/>
+            <a:ext cx="1723324" cy="1526958"/>
+          </a:xfrm>
+          <a:prstGeom prst="bentArrow">
+            <a:avLst>
+              <a:gd name="adj1" fmla="val 11006"/>
+              <a:gd name="adj2" fmla="val 9069"/>
+              <a:gd name="adj3" fmla="val 18020"/>
+              <a:gd name="adj4" fmla="val 43750"/>
+            </a:avLst>
+          </a:prstGeom>
+          <a:ln>
+            <a:noFill/>
+          </a:ln>
+        </p:spPr>
+        <p:style>
+          <a:lnRef idx="2">
+            <a:schemeClr val="accent1">
+              <a:shade val="15000"/>
+            </a:schemeClr>
+          </a:lnRef>
+          <a:fillRef idx="1">
+            <a:schemeClr val="accent1"/>
+          </a:fillRef>
+          <a:effectRef idx="0">
+            <a:schemeClr val="accent1"/>
+          </a:effectRef>
+          <a:fontRef idx="minor">
+            <a:schemeClr val="lt1"/>
+          </a:fontRef>
+        </p:style>
+        <p:txBody>
+          <a:bodyPr rtlCol="0" anchor="ctr"/>
+          <a:lstStyle/>
+          <a:p>
+            <a:pPr algn="ctr"/>
+            <a:endParaRPr kumimoji="1" lang="ja-JP" altLang="en-US">
+              <a:solidFill>
+                <a:schemeClr val="tx1"/>
+              </a:solidFill>
+            </a:endParaRPr>
+          </a:p>
+        </p:txBody>
+      </p:sp>
+      <p:sp>
+        <p:nvSpPr>
+          <p:cNvPr id="19" name="矢印: 折線 18">
+            <a:extLst>
+              <a:ext uri="{FF2B5EF4-FFF2-40B4-BE49-F238E27FC236}">
+                <a16:creationId xmlns:a16="http://schemas.microsoft.com/office/drawing/2014/main" id="{921399F8-8539-DC77-3ABF-3B43B89C6EA0}"/>
+              </a:ext>
+            </a:extLst>
+          </p:cNvPr>
+          <p:cNvSpPr/>
+          <p:nvPr/>
+        </p:nvSpPr>
+        <p:spPr>
+          <a:xfrm rot="16200000" flipV="1">
+            <a:off x="6549099" y="4105032"/>
+            <a:ext cx="1473690" cy="1679654"/>
+          </a:xfrm>
+          <a:prstGeom prst="bentArrow">
+            <a:avLst>
+              <a:gd name="adj1" fmla="val 11608"/>
+              <a:gd name="adj2" fmla="val 9069"/>
+              <a:gd name="adj3" fmla="val 18622"/>
+              <a:gd name="adj4" fmla="val 43750"/>
+            </a:avLst>
+          </a:prstGeom>
+          <a:ln>
+            <a:noFill/>
+          </a:ln>
+        </p:spPr>
+        <p:style>
+          <a:lnRef idx="2">
+            <a:schemeClr val="accent1">
+              <a:shade val="15000"/>
+            </a:schemeClr>
+          </a:lnRef>
+          <a:fillRef idx="1">
+            <a:schemeClr val="accent1"/>
+          </a:fillRef>
+          <a:effectRef idx="0">
+            <a:schemeClr val="accent1"/>
+          </a:effectRef>
+          <a:fontRef idx="minor">
+            <a:schemeClr val="lt1"/>
+          </a:fontRef>
+        </p:style>
+        <p:txBody>
+          <a:bodyPr rtlCol="0" anchor="ctr"/>
+          <a:lstStyle/>
+          <a:p>
+            <a:pPr algn="ctr"/>
+            <a:endParaRPr kumimoji="1" lang="ja-JP" altLang="en-US">
+              <a:solidFill>
+                <a:schemeClr val="tx1"/>
+              </a:solidFill>
+            </a:endParaRPr>
+          </a:p>
+        </p:txBody>
+      </p:sp>
     </p:spTree>
     <p:extLst>
       <p:ext uri="{BB962C8B-B14F-4D97-AF65-F5344CB8AC3E}">
@@ -4285,7 +5503,7 @@
 </p:sld>
 </file>
 
-<file path=ppt/slides/slide3.xml><?xml version="1.0" encoding="utf-8"?>
+<file path=ppt/slides/slide4.xml><?xml version="1.0" encoding="utf-8"?>
 <p:sld xmlns:a="http://schemas.openxmlformats.org/drawingml/2006/main" xmlns:r="http://schemas.openxmlformats.org/officeDocument/2006/relationships" xmlns:p="http://schemas.openxmlformats.org/presentationml/2006/main">
   <p:cSld>
     <p:spTree>
@@ -5667,7 +6885,7 @@
 </p:sld>
 </file>
 
-<file path=ppt/slides/slide4.xml><?xml version="1.0" encoding="utf-8"?>
+<file path=ppt/slides/slide5.xml><?xml version="1.0" encoding="utf-8"?>
 <p:sld xmlns:a="http://schemas.openxmlformats.org/drawingml/2006/main" xmlns:r="http://schemas.openxmlformats.org/officeDocument/2006/relationships" xmlns:p="http://schemas.openxmlformats.org/presentationml/2006/main">
   <p:cSld>
     <p:spTree>
@@ -6654,6 +7872,1203 @@
     <p:extLst>
       <p:ext uri="{BB962C8B-B14F-4D97-AF65-F5344CB8AC3E}">
         <p14:creationId xmlns:p14="http://schemas.microsoft.com/office/powerpoint/2010/main" val="1329795789"/>
+      </p:ext>
+    </p:extLst>
+  </p:cSld>
+  <p:clrMapOvr>
+    <a:masterClrMapping/>
+  </p:clrMapOvr>
+</p:sld>
+</file>
+
+<file path=ppt/slides/slide6.xml><?xml version="1.0" encoding="utf-8"?>
+<p:sld xmlns:a="http://schemas.openxmlformats.org/drawingml/2006/main" xmlns:r="http://schemas.openxmlformats.org/officeDocument/2006/relationships" xmlns:p="http://schemas.openxmlformats.org/presentationml/2006/main">
+  <p:cSld>
+    <p:spTree>
+      <p:nvGrpSpPr>
+        <p:cNvPr id="1" name=""/>
+        <p:cNvGrpSpPr/>
+        <p:nvPr/>
+      </p:nvGrpSpPr>
+      <p:grpSpPr>
+        <a:xfrm>
+          <a:off x="0" y="0"/>
+          <a:ext cx="0" cy="0"/>
+          <a:chOff x="0" y="0"/>
+          <a:chExt cx="0" cy="0"/>
+        </a:xfrm>
+      </p:grpSpPr>
+      <p:sp>
+        <p:nvSpPr>
+          <p:cNvPr id="3" name="四角形: 角を丸くする 2">
+            <a:extLst>
+              <a:ext uri="{FF2B5EF4-FFF2-40B4-BE49-F238E27FC236}">
+                <a16:creationId xmlns:a16="http://schemas.microsoft.com/office/drawing/2014/main" id="{7B5B6FDE-A15F-9763-D6DA-FF8151E06654}"/>
+              </a:ext>
+            </a:extLst>
+          </p:cNvPr>
+          <p:cNvSpPr/>
+          <p:nvPr/>
+        </p:nvSpPr>
+        <p:spPr>
+          <a:xfrm>
+            <a:off x="2155468" y="3329730"/>
+            <a:ext cx="1775534" cy="523220"/>
+          </a:xfrm>
+          <a:prstGeom prst="roundRect">
+            <a:avLst/>
+          </a:prstGeom>
+          <a:ln>
+            <a:noFill/>
+          </a:ln>
+        </p:spPr>
+        <p:style>
+          <a:lnRef idx="2">
+            <a:schemeClr val="accent1">
+              <a:shade val="15000"/>
+            </a:schemeClr>
+          </a:lnRef>
+          <a:fillRef idx="1">
+            <a:schemeClr val="accent1"/>
+          </a:fillRef>
+          <a:effectRef idx="0">
+            <a:schemeClr val="accent1"/>
+          </a:effectRef>
+          <a:fontRef idx="minor">
+            <a:schemeClr val="lt1"/>
+          </a:fontRef>
+        </p:style>
+        <p:txBody>
+          <a:bodyPr rtlCol="0" anchor="ctr"/>
+          <a:lstStyle/>
+          <a:p>
+            <a:pPr algn="ctr"/>
+            <a:endParaRPr kumimoji="1" lang="ja-JP" altLang="en-US"/>
+          </a:p>
+        </p:txBody>
+      </p:sp>
+      <p:pic>
+        <p:nvPicPr>
+          <p:cNvPr id="4" name="Picture 14" descr="AI (エーアイ・人工知能） イメージイラストのイラスト素材 [FYI04644482] | ストックフォトのamanaimages PLUS">
+            <a:extLst>
+              <a:ext uri="{FF2B5EF4-FFF2-40B4-BE49-F238E27FC236}">
+                <a16:creationId xmlns:a16="http://schemas.microsoft.com/office/drawing/2014/main" id="{1117AB0C-1126-EC08-86E8-2BA1F6A1B68C}"/>
+              </a:ext>
+            </a:extLst>
+          </p:cNvPr>
+          <p:cNvPicPr>
+            <a:picLocks noChangeAspect="1" noChangeArrowheads="1"/>
+          </p:cNvPicPr>
+          <p:nvPr/>
+        </p:nvPicPr>
+        <p:blipFill rotWithShape="1">
+          <a:blip r:embed="rId2">
+            <a:extLst>
+              <a:ext uri="{28A0092B-C50C-407E-A947-70E740481C1C}">
+                <a14:useLocalDpi xmlns:a14="http://schemas.microsoft.com/office/drawing/2010/main" val="0"/>
+              </a:ext>
+            </a:extLst>
+          </a:blip>
+          <a:srcRect t="14491" b="12397"/>
+          <a:stretch/>
+        </p:blipFill>
+        <p:spPr bwMode="auto">
+          <a:xfrm>
+            <a:off x="2319001" y="2259016"/>
+            <a:ext cx="1425572" cy="1042268"/>
+          </a:xfrm>
+          <a:prstGeom prst="rect">
+            <a:avLst/>
+          </a:prstGeom>
+          <a:noFill/>
+          <a:extLst>
+            <a:ext uri="{909E8E84-426E-40DD-AFC4-6F175D3DCCD1}">
+              <a14:hiddenFill xmlns:a14="http://schemas.microsoft.com/office/drawing/2010/main">
+                <a:solidFill>
+                  <a:srgbClr val="FFFFFF"/>
+                </a:solidFill>
+              </a14:hiddenFill>
+            </a:ext>
+          </a:extLst>
+        </p:spPr>
+      </p:pic>
+      <p:sp>
+        <p:nvSpPr>
+          <p:cNvPr id="7" name="テキスト ボックス 6">
+            <a:extLst>
+              <a:ext uri="{FF2B5EF4-FFF2-40B4-BE49-F238E27FC236}">
+                <a16:creationId xmlns:a16="http://schemas.microsoft.com/office/drawing/2014/main" id="{B3A2FA67-8E2E-3549-0B93-2A5433E28C01}"/>
+              </a:ext>
+            </a:extLst>
+          </p:cNvPr>
+          <p:cNvSpPr txBox="1"/>
+          <p:nvPr/>
+        </p:nvSpPr>
+        <p:spPr>
+          <a:xfrm>
+            <a:off x="2037252" y="3360508"/>
+            <a:ext cx="2011966" cy="461665"/>
+          </a:xfrm>
+          <a:prstGeom prst="rect">
+            <a:avLst/>
+          </a:prstGeom>
+          <a:noFill/>
+        </p:spPr>
+        <p:txBody>
+          <a:bodyPr wrap="square">
+            <a:spAutoFit/>
+          </a:bodyPr>
+          <a:lstStyle/>
+          <a:p>
+            <a:pPr algn="ctr"/>
+            <a:r>
+              <a:rPr lang="ja-JP" altLang="en-US" sz="2400" b="1" dirty="0">
+                <a:solidFill>
+                  <a:schemeClr val="bg1"/>
+                </a:solidFill>
+                <a:latin typeface="Meiryo UI" panose="020B0604030504040204" pitchFamily="50" charset="-128"/>
+                <a:ea typeface="Meiryo UI" panose="020B0604030504040204" pitchFamily="50" charset="-128"/>
+              </a:rPr>
+              <a:t>言語モデル</a:t>
+            </a:r>
+          </a:p>
+        </p:txBody>
+      </p:sp>
+      <p:pic>
+        <p:nvPicPr>
+          <p:cNvPr id="1026" name="Picture 2" descr="データベースのアイコン | フリーのアイコンイラスト素材 icon-pit">
+            <a:extLst>
+              <a:ext uri="{FF2B5EF4-FFF2-40B4-BE49-F238E27FC236}">
+                <a16:creationId xmlns:a16="http://schemas.microsoft.com/office/drawing/2014/main" id="{2C3DBB86-44DB-7EA5-FB84-22160E4FD1DD}"/>
+              </a:ext>
+            </a:extLst>
+          </p:cNvPr>
+          <p:cNvPicPr>
+            <a:picLocks noChangeAspect="1" noChangeArrowheads="1"/>
+          </p:cNvPicPr>
+          <p:nvPr/>
+        </p:nvPicPr>
+        <p:blipFill>
+          <a:blip r:embed="rId3">
+            <a:extLst>
+              <a:ext uri="{28A0092B-C50C-407E-A947-70E740481C1C}">
+                <a14:useLocalDpi xmlns:a14="http://schemas.microsoft.com/office/drawing/2010/main" val="0"/>
+              </a:ext>
+            </a:extLst>
+          </a:blip>
+          <a:srcRect/>
+          <a:stretch>
+            <a:fillRect/>
+          </a:stretch>
+        </p:blipFill>
+        <p:spPr bwMode="auto">
+          <a:xfrm>
+            <a:off x="8010221" y="2199792"/>
+            <a:ext cx="1160716" cy="1160716"/>
+          </a:xfrm>
+          <a:prstGeom prst="rect">
+            <a:avLst/>
+          </a:prstGeom>
+          <a:noFill/>
+          <a:extLst>
+            <a:ext uri="{909E8E84-426E-40DD-AFC4-6F175D3DCCD1}">
+              <a14:hiddenFill xmlns:a14="http://schemas.microsoft.com/office/drawing/2010/main">
+                <a:solidFill>
+                  <a:srgbClr val="FFFFFF"/>
+                </a:solidFill>
+              </a14:hiddenFill>
+            </a:ext>
+          </a:extLst>
+        </p:spPr>
+      </p:pic>
+      <p:sp>
+        <p:nvSpPr>
+          <p:cNvPr id="17" name="四角形: 角を丸くする 16">
+            <a:extLst>
+              <a:ext uri="{FF2B5EF4-FFF2-40B4-BE49-F238E27FC236}">
+                <a16:creationId xmlns:a16="http://schemas.microsoft.com/office/drawing/2014/main" id="{E6CAF697-4530-7E9C-5E1B-2137050605C2}"/>
+              </a:ext>
+            </a:extLst>
+          </p:cNvPr>
+          <p:cNvSpPr/>
+          <p:nvPr/>
+        </p:nvSpPr>
+        <p:spPr>
+          <a:xfrm>
+            <a:off x="7710283" y="3329730"/>
+            <a:ext cx="1775534" cy="523220"/>
+          </a:xfrm>
+          <a:prstGeom prst="roundRect">
+            <a:avLst/>
+          </a:prstGeom>
+          <a:ln>
+            <a:noFill/>
+          </a:ln>
+        </p:spPr>
+        <p:style>
+          <a:lnRef idx="2">
+            <a:schemeClr val="accent1">
+              <a:shade val="15000"/>
+            </a:schemeClr>
+          </a:lnRef>
+          <a:fillRef idx="1">
+            <a:schemeClr val="accent1"/>
+          </a:fillRef>
+          <a:effectRef idx="0">
+            <a:schemeClr val="accent1"/>
+          </a:effectRef>
+          <a:fontRef idx="minor">
+            <a:schemeClr val="lt1"/>
+          </a:fontRef>
+        </p:style>
+        <p:txBody>
+          <a:bodyPr rtlCol="0" anchor="ctr"/>
+          <a:lstStyle/>
+          <a:p>
+            <a:pPr algn="ctr"/>
+            <a:endParaRPr kumimoji="1" lang="ja-JP" altLang="en-US"/>
+          </a:p>
+        </p:txBody>
+      </p:sp>
+      <p:sp>
+        <p:nvSpPr>
+          <p:cNvPr id="21" name="テキスト ボックス 20">
+            <a:extLst>
+              <a:ext uri="{FF2B5EF4-FFF2-40B4-BE49-F238E27FC236}">
+                <a16:creationId xmlns:a16="http://schemas.microsoft.com/office/drawing/2014/main" id="{F3C3CAEE-D401-C75D-DAAE-26F875C6630F}"/>
+              </a:ext>
+            </a:extLst>
+          </p:cNvPr>
+          <p:cNvSpPr txBox="1"/>
+          <p:nvPr/>
+        </p:nvSpPr>
+        <p:spPr>
+          <a:xfrm>
+            <a:off x="7592067" y="3360508"/>
+            <a:ext cx="2011966" cy="461665"/>
+          </a:xfrm>
+          <a:prstGeom prst="rect">
+            <a:avLst/>
+          </a:prstGeom>
+          <a:noFill/>
+        </p:spPr>
+        <p:txBody>
+          <a:bodyPr wrap="square">
+            <a:spAutoFit/>
+          </a:bodyPr>
+          <a:lstStyle/>
+          <a:p>
+            <a:pPr algn="ctr"/>
+            <a:r>
+              <a:rPr lang="ja-JP" altLang="en-US" sz="2400" b="1" dirty="0">
+                <a:solidFill>
+                  <a:schemeClr val="bg1"/>
+                </a:solidFill>
+                <a:latin typeface="Meiryo UI" panose="020B0604030504040204" pitchFamily="50" charset="-128"/>
+                <a:ea typeface="Meiryo UI" panose="020B0604030504040204" pitchFamily="50" charset="-128"/>
+              </a:rPr>
+              <a:t>データベース</a:t>
+            </a:r>
+          </a:p>
+        </p:txBody>
+      </p:sp>
+      <p:sp>
+        <p:nvSpPr>
+          <p:cNvPr id="31" name="テキスト ボックス 30">
+            <a:extLst>
+              <a:ext uri="{FF2B5EF4-FFF2-40B4-BE49-F238E27FC236}">
+                <a16:creationId xmlns:a16="http://schemas.microsoft.com/office/drawing/2014/main" id="{5B0D6AD7-9AC3-6D40-FC61-BDB78E5FF6CC}"/>
+              </a:ext>
+            </a:extLst>
+          </p:cNvPr>
+          <p:cNvSpPr txBox="1"/>
+          <p:nvPr/>
+        </p:nvSpPr>
+        <p:spPr>
+          <a:xfrm>
+            <a:off x="7259516" y="3883091"/>
+            <a:ext cx="2677068" cy="707886"/>
+          </a:xfrm>
+          <a:prstGeom prst="rect">
+            <a:avLst/>
+          </a:prstGeom>
+          <a:noFill/>
+        </p:spPr>
+        <p:txBody>
+          <a:bodyPr wrap="square">
+            <a:spAutoFit/>
+          </a:bodyPr>
+          <a:lstStyle/>
+          <a:p>
+            <a:pPr algn="ctr"/>
+            <a:r>
+              <a:rPr lang="ja-JP" altLang="en-US" sz="2000" dirty="0">
+                <a:solidFill>
+                  <a:schemeClr val="accent1"/>
+                </a:solidFill>
+                <a:latin typeface="Meiryo UI" panose="020B0604030504040204" pitchFamily="50" charset="-128"/>
+                <a:ea typeface="Meiryo UI" panose="020B0604030504040204" pitchFamily="50" charset="-128"/>
+              </a:rPr>
+              <a:t>外部情報を事前に</a:t>
+            </a:r>
+            <a:endParaRPr lang="en-US" altLang="ja-JP" sz="2000" dirty="0">
+              <a:solidFill>
+                <a:schemeClr val="accent1"/>
+              </a:solidFill>
+              <a:latin typeface="Meiryo UI" panose="020B0604030504040204" pitchFamily="50" charset="-128"/>
+              <a:ea typeface="Meiryo UI" panose="020B0604030504040204" pitchFamily="50" charset="-128"/>
+            </a:endParaRPr>
+          </a:p>
+          <a:p>
+            <a:pPr algn="ctr"/>
+            <a:r>
+              <a:rPr lang="ja-JP" altLang="en-US" sz="2000" dirty="0">
+                <a:solidFill>
+                  <a:schemeClr val="accent1"/>
+                </a:solidFill>
+                <a:latin typeface="Meiryo UI" panose="020B0604030504040204" pitchFamily="50" charset="-128"/>
+                <a:ea typeface="Meiryo UI" panose="020B0604030504040204" pitchFamily="50" charset="-128"/>
+              </a:rPr>
+              <a:t>離散化して格納</a:t>
+            </a:r>
+          </a:p>
+        </p:txBody>
+      </p:sp>
+      <p:sp>
+        <p:nvSpPr>
+          <p:cNvPr id="32" name="テキスト ボックス 31">
+            <a:extLst>
+              <a:ext uri="{FF2B5EF4-FFF2-40B4-BE49-F238E27FC236}">
+                <a16:creationId xmlns:a16="http://schemas.microsoft.com/office/drawing/2014/main" id="{2FD2B8E2-D233-6880-8FF2-7A48AC850755}"/>
+              </a:ext>
+            </a:extLst>
+          </p:cNvPr>
+          <p:cNvSpPr txBox="1"/>
+          <p:nvPr/>
+        </p:nvSpPr>
+        <p:spPr>
+          <a:xfrm>
+            <a:off x="1624520" y="3894571"/>
+            <a:ext cx="2837430" cy="707886"/>
+          </a:xfrm>
+          <a:prstGeom prst="rect">
+            <a:avLst/>
+          </a:prstGeom>
+          <a:noFill/>
+        </p:spPr>
+        <p:txBody>
+          <a:bodyPr wrap="square">
+            <a:spAutoFit/>
+          </a:bodyPr>
+          <a:lstStyle/>
+          <a:p>
+            <a:pPr algn="ctr"/>
+            <a:r>
+              <a:rPr lang="ja-JP" altLang="en-US" sz="2000" dirty="0">
+                <a:solidFill>
+                  <a:schemeClr val="accent1"/>
+                </a:solidFill>
+                <a:latin typeface="Meiryo UI" panose="020B0604030504040204" pitchFamily="50" charset="-128"/>
+                <a:ea typeface="Meiryo UI" panose="020B0604030504040204" pitchFamily="50" charset="-128"/>
+              </a:rPr>
+              <a:t>一般的な知識で</a:t>
+            </a:r>
+            <a:endParaRPr lang="en-US" altLang="ja-JP" sz="2000" dirty="0">
+              <a:solidFill>
+                <a:schemeClr val="accent1"/>
+              </a:solidFill>
+              <a:latin typeface="Meiryo UI" panose="020B0604030504040204" pitchFamily="50" charset="-128"/>
+              <a:ea typeface="Meiryo UI" panose="020B0604030504040204" pitchFamily="50" charset="-128"/>
+            </a:endParaRPr>
+          </a:p>
+          <a:p>
+            <a:pPr algn="ctr"/>
+            <a:r>
+              <a:rPr lang="ja-JP" altLang="en-US" sz="2000" dirty="0">
+                <a:solidFill>
+                  <a:schemeClr val="accent1"/>
+                </a:solidFill>
+                <a:latin typeface="Meiryo UI" panose="020B0604030504040204" pitchFamily="50" charset="-128"/>
+                <a:ea typeface="Meiryo UI" panose="020B0604030504040204" pitchFamily="50" charset="-128"/>
+              </a:rPr>
+              <a:t>事前学習されているモデル</a:t>
+            </a:r>
+          </a:p>
+        </p:txBody>
+      </p:sp>
+      <p:sp>
+        <p:nvSpPr>
+          <p:cNvPr id="33" name="矢印: 右 32">
+            <a:extLst>
+              <a:ext uri="{FF2B5EF4-FFF2-40B4-BE49-F238E27FC236}">
+                <a16:creationId xmlns:a16="http://schemas.microsoft.com/office/drawing/2014/main" id="{535FBDFE-4873-F486-16A5-F3DEE9F43175}"/>
+              </a:ext>
+            </a:extLst>
+          </p:cNvPr>
+          <p:cNvSpPr/>
+          <p:nvPr/>
+        </p:nvSpPr>
+        <p:spPr>
+          <a:xfrm>
+            <a:off x="4160996" y="2415019"/>
+            <a:ext cx="3270936" cy="291830"/>
+          </a:xfrm>
+          <a:prstGeom prst="rightArrow">
+            <a:avLst/>
+          </a:prstGeom>
+          <a:ln>
+            <a:noFill/>
+          </a:ln>
+        </p:spPr>
+        <p:style>
+          <a:lnRef idx="2">
+            <a:schemeClr val="accent1">
+              <a:shade val="15000"/>
+            </a:schemeClr>
+          </a:lnRef>
+          <a:fillRef idx="1">
+            <a:schemeClr val="accent1"/>
+          </a:fillRef>
+          <a:effectRef idx="0">
+            <a:schemeClr val="accent1"/>
+          </a:effectRef>
+          <a:fontRef idx="minor">
+            <a:schemeClr val="lt1"/>
+          </a:fontRef>
+        </p:style>
+        <p:txBody>
+          <a:bodyPr rtlCol="0" anchor="ctr"/>
+          <a:lstStyle/>
+          <a:p>
+            <a:pPr algn="ctr"/>
+            <a:endParaRPr kumimoji="1" lang="ja-JP" altLang="en-US"/>
+          </a:p>
+        </p:txBody>
+      </p:sp>
+      <p:sp>
+        <p:nvSpPr>
+          <p:cNvPr id="34" name="矢印: 右 33">
+            <a:extLst>
+              <a:ext uri="{FF2B5EF4-FFF2-40B4-BE49-F238E27FC236}">
+                <a16:creationId xmlns:a16="http://schemas.microsoft.com/office/drawing/2014/main" id="{05D081E9-319C-DC9C-2CC8-0E938628D4C1}"/>
+              </a:ext>
+            </a:extLst>
+          </p:cNvPr>
+          <p:cNvSpPr/>
+          <p:nvPr/>
+        </p:nvSpPr>
+        <p:spPr>
+          <a:xfrm rot="10800000">
+            <a:off x="4160996" y="2780150"/>
+            <a:ext cx="3270936" cy="291830"/>
+          </a:xfrm>
+          <a:prstGeom prst="rightArrow">
+            <a:avLst/>
+          </a:prstGeom>
+          <a:ln>
+            <a:noFill/>
+          </a:ln>
+        </p:spPr>
+        <p:style>
+          <a:lnRef idx="2">
+            <a:schemeClr val="accent1">
+              <a:shade val="15000"/>
+            </a:schemeClr>
+          </a:lnRef>
+          <a:fillRef idx="1">
+            <a:schemeClr val="accent1"/>
+          </a:fillRef>
+          <a:effectRef idx="0">
+            <a:schemeClr val="accent1"/>
+          </a:effectRef>
+          <a:fontRef idx="minor">
+            <a:schemeClr val="lt1"/>
+          </a:fontRef>
+        </p:style>
+        <p:txBody>
+          <a:bodyPr rtlCol="0" anchor="ctr"/>
+          <a:lstStyle/>
+          <a:p>
+            <a:pPr algn="ctr"/>
+            <a:endParaRPr kumimoji="1" lang="ja-JP" altLang="en-US"/>
+          </a:p>
+        </p:txBody>
+      </p:sp>
+      <p:sp>
+        <p:nvSpPr>
+          <p:cNvPr id="35" name="四角形: 角を丸くする 34">
+            <a:extLst>
+              <a:ext uri="{FF2B5EF4-FFF2-40B4-BE49-F238E27FC236}">
+                <a16:creationId xmlns:a16="http://schemas.microsoft.com/office/drawing/2014/main" id="{B829B88A-EE27-D274-6545-1DA753788CB0}"/>
+              </a:ext>
+            </a:extLst>
+          </p:cNvPr>
+          <p:cNvSpPr/>
+          <p:nvPr/>
+        </p:nvSpPr>
+        <p:spPr>
+          <a:xfrm>
+            <a:off x="1361872" y="2052536"/>
+            <a:ext cx="8920264" cy="2715629"/>
+          </a:xfrm>
+          <a:prstGeom prst="roundRect">
+            <a:avLst/>
+          </a:prstGeom>
+          <a:noFill/>
+          <a:ln w="19050">
+            <a:solidFill>
+              <a:schemeClr val="accent1"/>
+            </a:solidFill>
+          </a:ln>
+        </p:spPr>
+        <p:style>
+          <a:lnRef idx="2">
+            <a:schemeClr val="accent1">
+              <a:shade val="15000"/>
+            </a:schemeClr>
+          </a:lnRef>
+          <a:fillRef idx="1">
+            <a:schemeClr val="accent1"/>
+          </a:fillRef>
+          <a:effectRef idx="0">
+            <a:schemeClr val="accent1"/>
+          </a:effectRef>
+          <a:fontRef idx="minor">
+            <a:schemeClr val="lt1"/>
+          </a:fontRef>
+        </p:style>
+        <p:txBody>
+          <a:bodyPr rtlCol="0" anchor="ctr"/>
+          <a:lstStyle/>
+          <a:p>
+            <a:pPr algn="ctr"/>
+            <a:endParaRPr kumimoji="1" lang="ja-JP" altLang="en-US"/>
+          </a:p>
+        </p:txBody>
+      </p:sp>
+      <p:sp>
+        <p:nvSpPr>
+          <p:cNvPr id="36" name="テキスト ボックス 35">
+            <a:extLst>
+              <a:ext uri="{FF2B5EF4-FFF2-40B4-BE49-F238E27FC236}">
+                <a16:creationId xmlns:a16="http://schemas.microsoft.com/office/drawing/2014/main" id="{F5EF7C88-911E-B75F-0FBD-3C70723E5E0A}"/>
+              </a:ext>
+            </a:extLst>
+          </p:cNvPr>
+          <p:cNvSpPr txBox="1"/>
+          <p:nvPr/>
+        </p:nvSpPr>
+        <p:spPr>
+          <a:xfrm>
+            <a:off x="3618689" y="590045"/>
+            <a:ext cx="5524267" cy="461665"/>
+          </a:xfrm>
+          <a:prstGeom prst="rect">
+            <a:avLst/>
+          </a:prstGeom>
+          <a:noFill/>
+        </p:spPr>
+        <p:txBody>
+          <a:bodyPr wrap="square">
+            <a:spAutoFit/>
+          </a:bodyPr>
+          <a:lstStyle/>
+          <a:p>
+            <a:pPr algn="ctr"/>
+            <a:r>
+              <a:rPr lang="ja-JP" altLang="en-US" sz="2400" dirty="0">
+                <a:latin typeface="Meiryo UI" panose="020B0604030504040204" pitchFamily="50" charset="-128"/>
+                <a:ea typeface="Meiryo UI" panose="020B0604030504040204" pitchFamily="50" charset="-128"/>
+              </a:rPr>
+              <a:t>信州の「</a:t>
+            </a:r>
+            <a:r>
+              <a:rPr lang="ja-JP" altLang="en-US" sz="2400" b="0" i="0" dirty="0">
+                <a:solidFill>
+                  <a:srgbClr val="0F0F0F"/>
+                </a:solidFill>
+                <a:effectLst/>
+                <a:latin typeface="Meiryo UI" panose="020B0604030504040204" pitchFamily="50" charset="-128"/>
+                <a:ea typeface="Meiryo UI" panose="020B0604030504040204" pitchFamily="50" charset="-128"/>
+              </a:rPr>
+              <a:t>おやた祭り」について教えてください</a:t>
+            </a:r>
+            <a:endParaRPr lang="ja-JP" altLang="en-US" sz="2400" dirty="0">
+              <a:latin typeface="Meiryo UI" panose="020B0604030504040204" pitchFamily="50" charset="-128"/>
+              <a:ea typeface="Meiryo UI" panose="020B0604030504040204" pitchFamily="50" charset="-128"/>
+            </a:endParaRPr>
+          </a:p>
+        </p:txBody>
+      </p:sp>
+      <p:pic>
+        <p:nvPicPr>
+          <p:cNvPr id="37" name="Picture 6" descr="ユーザー・アカウント・人型」アイコンのフリー素材（商用可）">
+            <a:extLst>
+              <a:ext uri="{FF2B5EF4-FFF2-40B4-BE49-F238E27FC236}">
+                <a16:creationId xmlns:a16="http://schemas.microsoft.com/office/drawing/2014/main" id="{CA7DA677-44BE-571D-62CF-FEB39C8C9E72}"/>
+              </a:ext>
+            </a:extLst>
+          </p:cNvPr>
+          <p:cNvPicPr>
+            <a:picLocks noChangeAspect="1" noChangeArrowheads="1"/>
+          </p:cNvPicPr>
+          <p:nvPr/>
+        </p:nvPicPr>
+        <p:blipFill>
+          <a:blip r:embed="rId4">
+            <a:extLst>
+              <a:ext uri="{28A0092B-C50C-407E-A947-70E740481C1C}">
+                <a14:useLocalDpi xmlns:a14="http://schemas.microsoft.com/office/drawing/2010/main" val="0"/>
+              </a:ext>
+            </a:extLst>
+          </a:blip>
+          <a:srcRect/>
+          <a:stretch>
+            <a:fillRect/>
+          </a:stretch>
+        </p:blipFill>
+        <p:spPr bwMode="auto">
+          <a:xfrm>
+            <a:off x="2432321" y="294025"/>
+            <a:ext cx="1077573" cy="1077573"/>
+          </a:xfrm>
+          <a:prstGeom prst="rect">
+            <a:avLst/>
+          </a:prstGeom>
+          <a:noFill/>
+          <a:extLst>
+            <a:ext uri="{909E8E84-426E-40DD-AFC4-6F175D3DCCD1}">
+              <a14:hiddenFill xmlns:a14="http://schemas.microsoft.com/office/drawing/2010/main">
+                <a:solidFill>
+                  <a:srgbClr val="FFFFFF"/>
+                </a:solidFill>
+              </a14:hiddenFill>
+            </a:ext>
+          </a:extLst>
+        </p:spPr>
+      </p:pic>
+      <p:sp>
+        <p:nvSpPr>
+          <p:cNvPr id="38" name="吹き出し: 角を丸めた四角形 37">
+            <a:extLst>
+              <a:ext uri="{FF2B5EF4-FFF2-40B4-BE49-F238E27FC236}">
+                <a16:creationId xmlns:a16="http://schemas.microsoft.com/office/drawing/2014/main" id="{430543BB-FD07-F300-8737-8AFFD0A8970B}"/>
+              </a:ext>
+            </a:extLst>
+          </p:cNvPr>
+          <p:cNvSpPr/>
+          <p:nvPr/>
+        </p:nvSpPr>
+        <p:spPr>
+          <a:xfrm>
+            <a:off x="3618689" y="536143"/>
+            <a:ext cx="5552248" cy="560348"/>
+          </a:xfrm>
+          <a:prstGeom prst="wedgeRoundRectCallout">
+            <a:avLst>
+              <a:gd name="adj1" fmla="val -54599"/>
+              <a:gd name="adj2" fmla="val -14616"/>
+              <a:gd name="adj3" fmla="val 16667"/>
+            </a:avLst>
+          </a:prstGeom>
+          <a:noFill/>
+          <a:ln w="19050">
+            <a:solidFill>
+              <a:schemeClr val="tx1"/>
+            </a:solidFill>
+          </a:ln>
+        </p:spPr>
+        <p:style>
+          <a:lnRef idx="2">
+            <a:schemeClr val="accent1">
+              <a:shade val="15000"/>
+            </a:schemeClr>
+          </a:lnRef>
+          <a:fillRef idx="1">
+            <a:schemeClr val="accent1"/>
+          </a:fillRef>
+          <a:effectRef idx="0">
+            <a:schemeClr val="accent1"/>
+          </a:effectRef>
+          <a:fontRef idx="minor">
+            <a:schemeClr val="lt1"/>
+          </a:fontRef>
+        </p:style>
+        <p:txBody>
+          <a:bodyPr rtlCol="0" anchor="ctr"/>
+          <a:lstStyle/>
+          <a:p>
+            <a:pPr algn="ctr"/>
+            <a:endParaRPr kumimoji="1" lang="ja-JP" altLang="en-US"/>
+          </a:p>
+        </p:txBody>
+      </p:sp>
+      <p:sp>
+        <p:nvSpPr>
+          <p:cNvPr id="39" name="矢印: 右 38">
+            <a:extLst>
+              <a:ext uri="{FF2B5EF4-FFF2-40B4-BE49-F238E27FC236}">
+                <a16:creationId xmlns:a16="http://schemas.microsoft.com/office/drawing/2014/main" id="{CDB9D73A-E853-B049-C756-4FF57B7419C8}"/>
+              </a:ext>
+            </a:extLst>
+          </p:cNvPr>
+          <p:cNvSpPr/>
+          <p:nvPr/>
+        </p:nvSpPr>
+        <p:spPr>
+          <a:xfrm rot="5400000">
+            <a:off x="2723857" y="1458346"/>
+            <a:ext cx="494499" cy="291830"/>
+          </a:xfrm>
+          <a:prstGeom prst="rightArrow">
+            <a:avLst/>
+          </a:prstGeom>
+          <a:ln>
+            <a:noFill/>
+          </a:ln>
+        </p:spPr>
+        <p:style>
+          <a:lnRef idx="2">
+            <a:schemeClr val="accent1">
+              <a:shade val="15000"/>
+            </a:schemeClr>
+          </a:lnRef>
+          <a:fillRef idx="1">
+            <a:schemeClr val="accent1"/>
+          </a:fillRef>
+          <a:effectRef idx="0">
+            <a:schemeClr val="accent1"/>
+          </a:effectRef>
+          <a:fontRef idx="minor">
+            <a:schemeClr val="lt1"/>
+          </a:fontRef>
+        </p:style>
+        <p:txBody>
+          <a:bodyPr rtlCol="0" anchor="ctr"/>
+          <a:lstStyle/>
+          <a:p>
+            <a:pPr algn="ctr"/>
+            <a:endParaRPr kumimoji="1" lang="ja-JP" altLang="en-US"/>
+          </a:p>
+        </p:txBody>
+      </p:sp>
+      <p:sp>
+        <p:nvSpPr>
+          <p:cNvPr id="40" name="テキスト ボックス 39">
+            <a:extLst>
+              <a:ext uri="{FF2B5EF4-FFF2-40B4-BE49-F238E27FC236}">
+                <a16:creationId xmlns:a16="http://schemas.microsoft.com/office/drawing/2014/main" id="{86275F72-CD82-1D95-114B-659801F71720}"/>
+              </a:ext>
+            </a:extLst>
+          </p:cNvPr>
+          <p:cNvSpPr txBox="1"/>
+          <p:nvPr/>
+        </p:nvSpPr>
+        <p:spPr>
+          <a:xfrm>
+            <a:off x="3903833" y="2064645"/>
+            <a:ext cx="3785262" cy="369332"/>
+          </a:xfrm>
+          <a:prstGeom prst="rect">
+            <a:avLst/>
+          </a:prstGeom>
+          <a:noFill/>
+        </p:spPr>
+        <p:txBody>
+          <a:bodyPr wrap="square">
+            <a:spAutoFit/>
+          </a:bodyPr>
+          <a:lstStyle/>
+          <a:p>
+            <a:pPr algn="ctr"/>
+            <a:r>
+              <a:rPr lang="ja-JP" altLang="en-US" dirty="0">
+                <a:latin typeface="Meiryo UI" panose="020B0604030504040204" pitchFamily="50" charset="-128"/>
+                <a:ea typeface="Meiryo UI" panose="020B0604030504040204" pitchFamily="50" charset="-128"/>
+              </a:rPr>
+              <a:t>「</a:t>
+            </a:r>
+            <a:r>
+              <a:rPr lang="ja-JP" altLang="en-US" b="0" i="0" dirty="0">
+                <a:solidFill>
+                  <a:srgbClr val="0F0F0F"/>
+                </a:solidFill>
+                <a:effectLst/>
+                <a:latin typeface="Meiryo UI" panose="020B0604030504040204" pitchFamily="50" charset="-128"/>
+                <a:ea typeface="Meiryo UI" panose="020B0604030504040204" pitchFamily="50" charset="-128"/>
+              </a:rPr>
+              <a:t>おやた祭り」に</a:t>
+            </a:r>
+            <a:r>
+              <a:rPr lang="ja-JP" altLang="en-US" dirty="0">
+                <a:solidFill>
+                  <a:srgbClr val="0F0F0F"/>
+                </a:solidFill>
+                <a:latin typeface="Meiryo UI" panose="020B0604030504040204" pitchFamily="50" charset="-128"/>
+                <a:ea typeface="Meiryo UI" panose="020B0604030504040204" pitchFamily="50" charset="-128"/>
+              </a:rPr>
+              <a:t>関連するデータを検索</a:t>
+            </a:r>
+            <a:endParaRPr lang="ja-JP" altLang="en-US" dirty="0">
+              <a:latin typeface="Meiryo UI" panose="020B0604030504040204" pitchFamily="50" charset="-128"/>
+              <a:ea typeface="Meiryo UI" panose="020B0604030504040204" pitchFamily="50" charset="-128"/>
+            </a:endParaRPr>
+          </a:p>
+        </p:txBody>
+      </p:sp>
+      <p:sp>
+        <p:nvSpPr>
+          <p:cNvPr id="41" name="テキスト ボックス 40">
+            <a:extLst>
+              <a:ext uri="{FF2B5EF4-FFF2-40B4-BE49-F238E27FC236}">
+                <a16:creationId xmlns:a16="http://schemas.microsoft.com/office/drawing/2014/main" id="{3C456B6F-0895-17EE-10AB-A21967B08715}"/>
+              </a:ext>
+            </a:extLst>
+          </p:cNvPr>
+          <p:cNvSpPr txBox="1"/>
+          <p:nvPr/>
+        </p:nvSpPr>
+        <p:spPr>
+          <a:xfrm>
+            <a:off x="3903833" y="3076607"/>
+            <a:ext cx="3785262" cy="369332"/>
+          </a:xfrm>
+          <a:prstGeom prst="rect">
+            <a:avLst/>
+          </a:prstGeom>
+          <a:noFill/>
+        </p:spPr>
+        <p:txBody>
+          <a:bodyPr wrap="square">
+            <a:spAutoFit/>
+          </a:bodyPr>
+          <a:lstStyle/>
+          <a:p>
+            <a:pPr algn="ctr"/>
+            <a:r>
+              <a:rPr lang="ja-JP" altLang="en-US" dirty="0">
+                <a:solidFill>
+                  <a:srgbClr val="0F0F0F"/>
+                </a:solidFill>
+                <a:latin typeface="Meiryo UI" panose="020B0604030504040204" pitchFamily="50" charset="-128"/>
+                <a:ea typeface="Meiryo UI" panose="020B0604030504040204" pitchFamily="50" charset="-128"/>
+              </a:rPr>
+              <a:t>関連データを取得</a:t>
+            </a:r>
+            <a:endParaRPr lang="ja-JP" altLang="en-US" dirty="0">
+              <a:latin typeface="Meiryo UI" panose="020B0604030504040204" pitchFamily="50" charset="-128"/>
+              <a:ea typeface="Meiryo UI" panose="020B0604030504040204" pitchFamily="50" charset="-128"/>
+            </a:endParaRPr>
+          </a:p>
+        </p:txBody>
+      </p:sp>
+      <p:sp>
+        <p:nvSpPr>
+          <p:cNvPr id="42" name="矢印: 右 41">
+            <a:extLst>
+              <a:ext uri="{FF2B5EF4-FFF2-40B4-BE49-F238E27FC236}">
+                <a16:creationId xmlns:a16="http://schemas.microsoft.com/office/drawing/2014/main" id="{B3BA3F34-BB06-DA9A-365E-224940ABD8F2}"/>
+              </a:ext>
+            </a:extLst>
+          </p:cNvPr>
+          <p:cNvSpPr/>
+          <p:nvPr/>
+        </p:nvSpPr>
+        <p:spPr>
+          <a:xfrm rot="5400000">
+            <a:off x="2723857" y="5015007"/>
+            <a:ext cx="494499" cy="291830"/>
+          </a:xfrm>
+          <a:prstGeom prst="rightArrow">
+            <a:avLst/>
+          </a:prstGeom>
+          <a:ln>
+            <a:noFill/>
+          </a:ln>
+        </p:spPr>
+        <p:style>
+          <a:lnRef idx="2">
+            <a:schemeClr val="accent1">
+              <a:shade val="15000"/>
+            </a:schemeClr>
+          </a:lnRef>
+          <a:fillRef idx="1">
+            <a:schemeClr val="accent1"/>
+          </a:fillRef>
+          <a:effectRef idx="0">
+            <a:schemeClr val="accent1"/>
+          </a:effectRef>
+          <a:fontRef idx="minor">
+            <a:schemeClr val="lt1"/>
+          </a:fontRef>
+        </p:style>
+        <p:txBody>
+          <a:bodyPr rtlCol="0" anchor="ctr"/>
+          <a:lstStyle/>
+          <a:p>
+            <a:pPr algn="ctr"/>
+            <a:endParaRPr kumimoji="1" lang="ja-JP" altLang="en-US"/>
+          </a:p>
+        </p:txBody>
+      </p:sp>
+      <p:pic>
+        <p:nvPicPr>
+          <p:cNvPr id="43" name="Picture 14" descr="AI (エーアイ・人工知能） イメージイラストのイラスト素材 [FYI04644482] | ストックフォトのamanaimages PLUS">
+            <a:extLst>
+              <a:ext uri="{FF2B5EF4-FFF2-40B4-BE49-F238E27FC236}">
+                <a16:creationId xmlns:a16="http://schemas.microsoft.com/office/drawing/2014/main" id="{A09C8AC7-77F3-E3E4-16F6-C2D9B2621B5F}"/>
+              </a:ext>
+            </a:extLst>
+          </p:cNvPr>
+          <p:cNvPicPr>
+            <a:picLocks noChangeAspect="1" noChangeArrowheads="1"/>
+          </p:cNvPicPr>
+          <p:nvPr/>
+        </p:nvPicPr>
+        <p:blipFill rotWithShape="1">
+          <a:blip r:embed="rId2">
+            <a:extLst>
+              <a:ext uri="{28A0092B-C50C-407E-A947-70E740481C1C}">
+                <a14:useLocalDpi xmlns:a14="http://schemas.microsoft.com/office/drawing/2010/main" val="0"/>
+              </a:ext>
+            </a:extLst>
+          </a:blip>
+          <a:srcRect t="14491" b="12397"/>
+          <a:stretch/>
+        </p:blipFill>
+        <p:spPr bwMode="auto">
+          <a:xfrm>
+            <a:off x="2576444" y="5500989"/>
+            <a:ext cx="789326" cy="577094"/>
+          </a:xfrm>
+          <a:prstGeom prst="rect">
+            <a:avLst/>
+          </a:prstGeom>
+          <a:noFill/>
+          <a:extLst>
+            <a:ext uri="{909E8E84-426E-40DD-AFC4-6F175D3DCCD1}">
+              <a14:hiddenFill xmlns:a14="http://schemas.microsoft.com/office/drawing/2010/main">
+                <a:solidFill>
+                  <a:srgbClr val="FFFFFF"/>
+                </a:solidFill>
+              </a14:hiddenFill>
+            </a:ext>
+          </a:extLst>
+        </p:spPr>
+      </p:pic>
+      <p:sp>
+        <p:nvSpPr>
+          <p:cNvPr id="44" name="吹き出し: 角を丸めた四角形 43">
+            <a:extLst>
+              <a:ext uri="{FF2B5EF4-FFF2-40B4-BE49-F238E27FC236}">
+                <a16:creationId xmlns:a16="http://schemas.microsoft.com/office/drawing/2014/main" id="{8905F57B-6A27-6859-FB5A-BDF0E852437C}"/>
+              </a:ext>
+            </a:extLst>
+          </p:cNvPr>
+          <p:cNvSpPr/>
+          <p:nvPr/>
+        </p:nvSpPr>
+        <p:spPr>
+          <a:xfrm>
+            <a:off x="3618689" y="5191063"/>
+            <a:ext cx="5552248" cy="839002"/>
+          </a:xfrm>
+          <a:prstGeom prst="wedgeRoundRectCallout">
+            <a:avLst>
+              <a:gd name="adj1" fmla="val -54599"/>
+              <a:gd name="adj2" fmla="val -14616"/>
+              <a:gd name="adj3" fmla="val 16667"/>
+            </a:avLst>
+          </a:prstGeom>
+          <a:noFill/>
+          <a:ln w="19050">
+            <a:solidFill>
+              <a:schemeClr val="tx1"/>
+            </a:solidFill>
+          </a:ln>
+        </p:spPr>
+        <p:style>
+          <a:lnRef idx="2">
+            <a:schemeClr val="accent1">
+              <a:shade val="15000"/>
+            </a:schemeClr>
+          </a:lnRef>
+          <a:fillRef idx="1">
+            <a:schemeClr val="accent1"/>
+          </a:fillRef>
+          <a:effectRef idx="0">
+            <a:schemeClr val="accent1"/>
+          </a:effectRef>
+          <a:fontRef idx="minor">
+            <a:schemeClr val="lt1"/>
+          </a:fontRef>
+        </p:style>
+        <p:txBody>
+          <a:bodyPr rtlCol="0" anchor="ctr"/>
+          <a:lstStyle/>
+          <a:p>
+            <a:pPr algn="ctr"/>
+            <a:endParaRPr kumimoji="1" lang="ja-JP" altLang="en-US"/>
+          </a:p>
+        </p:txBody>
+      </p:sp>
+      <p:sp>
+        <p:nvSpPr>
+          <p:cNvPr id="45" name="テキスト ボックス 44">
+            <a:extLst>
+              <a:ext uri="{FF2B5EF4-FFF2-40B4-BE49-F238E27FC236}">
+                <a16:creationId xmlns:a16="http://schemas.microsoft.com/office/drawing/2014/main" id="{473B670B-04E0-5B86-80F1-BA826179CEB4}"/>
+              </a:ext>
+            </a:extLst>
+          </p:cNvPr>
+          <p:cNvSpPr txBox="1"/>
+          <p:nvPr/>
+        </p:nvSpPr>
+        <p:spPr>
+          <a:xfrm>
+            <a:off x="3618688" y="5202543"/>
+            <a:ext cx="5524267" cy="830997"/>
+          </a:xfrm>
+          <a:prstGeom prst="rect">
+            <a:avLst/>
+          </a:prstGeom>
+          <a:noFill/>
+        </p:spPr>
+        <p:txBody>
+          <a:bodyPr wrap="square">
+            <a:spAutoFit/>
+          </a:bodyPr>
+          <a:lstStyle/>
+          <a:p>
+            <a:r>
+              <a:rPr lang="ja-JP" altLang="en-US" sz="2400" dirty="0">
+                <a:latin typeface="Meiryo UI" panose="020B0604030504040204" pitchFamily="50" charset="-128"/>
+                <a:ea typeface="Meiryo UI" panose="020B0604030504040204" pitchFamily="50" charset="-128"/>
+              </a:rPr>
+              <a:t>長野県長和町古町で毎年</a:t>
+            </a:r>
+            <a:r>
+              <a:rPr lang="en-US" altLang="ja-JP" sz="2400" dirty="0">
+                <a:latin typeface="Meiryo UI" panose="020B0604030504040204" pitchFamily="50" charset="-128"/>
+                <a:ea typeface="Meiryo UI" panose="020B0604030504040204" pitchFamily="50" charset="-128"/>
+              </a:rPr>
+              <a:t>1</a:t>
+            </a:r>
+            <a:r>
+              <a:rPr lang="ja-JP" altLang="en-US" sz="2400" dirty="0">
+                <a:latin typeface="Meiryo UI" panose="020B0604030504040204" pitchFamily="50" charset="-128"/>
+                <a:ea typeface="Meiryo UI" panose="020B0604030504040204" pitchFamily="50" charset="-128"/>
+              </a:rPr>
+              <a:t>月</a:t>
+            </a:r>
+            <a:r>
+              <a:rPr lang="en-US" altLang="ja-JP" sz="2400" dirty="0">
+                <a:latin typeface="Meiryo UI" panose="020B0604030504040204" pitchFamily="50" charset="-128"/>
+                <a:ea typeface="Meiryo UI" panose="020B0604030504040204" pitchFamily="50" charset="-128"/>
+              </a:rPr>
+              <a:t>14</a:t>
+            </a:r>
+            <a:r>
+              <a:rPr lang="ja-JP" altLang="en-US" sz="2400" dirty="0">
+                <a:latin typeface="Meiryo UI" panose="020B0604030504040204" pitchFamily="50" charset="-128"/>
+                <a:ea typeface="Meiryo UI" panose="020B0604030504040204" pitchFamily="50" charset="-128"/>
+              </a:rPr>
+              <a:t>日・</a:t>
+            </a:r>
+            <a:r>
+              <a:rPr lang="en-US" altLang="ja-JP" sz="2400" dirty="0">
+                <a:latin typeface="Meiryo UI" panose="020B0604030504040204" pitchFamily="50" charset="-128"/>
+                <a:ea typeface="Meiryo UI" panose="020B0604030504040204" pitchFamily="50" charset="-128"/>
+              </a:rPr>
+              <a:t>15</a:t>
+            </a:r>
+            <a:r>
+              <a:rPr lang="ja-JP" altLang="en-US" sz="2400" dirty="0">
+                <a:latin typeface="Meiryo UI" panose="020B0604030504040204" pitchFamily="50" charset="-128"/>
+                <a:ea typeface="Meiryo UI" panose="020B0604030504040204" pitchFamily="50" charset="-128"/>
+              </a:rPr>
+              <a:t>日に開催されるお祭りで</a:t>
+            </a:r>
+            <a:r>
+              <a:rPr lang="en-US" altLang="ja-JP" sz="2400" dirty="0">
+                <a:latin typeface="Meiryo UI" panose="020B0604030504040204" pitchFamily="50" charset="-128"/>
+                <a:ea typeface="Meiryo UI" panose="020B0604030504040204" pitchFamily="50" charset="-128"/>
+              </a:rPr>
+              <a:t>…</a:t>
+            </a:r>
+            <a:r>
+              <a:rPr lang="ja-JP" altLang="en-US" sz="2400" dirty="0">
+                <a:latin typeface="Meiryo UI" panose="020B0604030504040204" pitchFamily="50" charset="-128"/>
+                <a:ea typeface="Meiryo UI" panose="020B0604030504040204" pitchFamily="50" charset="-128"/>
+              </a:rPr>
+              <a:t>（略）</a:t>
+            </a:r>
+          </a:p>
+        </p:txBody>
+      </p:sp>
+    </p:spTree>
+    <p:extLst>
+      <p:ext uri="{BB962C8B-B14F-4D97-AF65-F5344CB8AC3E}">
+        <p14:creationId xmlns:p14="http://schemas.microsoft.com/office/powerpoint/2010/main" val="1640535229"/>
+      </p:ext>
+    </p:extLst>
+  </p:cSld>
+  <p:clrMapOvr>
+    <a:masterClrMapping/>
+  </p:clrMapOvr>
+</p:sld>
+</file>
+
+<file path=ppt/slides/slide7.xml><?xml version="1.0" encoding="utf-8"?>
+<p:sld xmlns:a="http://schemas.openxmlformats.org/drawingml/2006/main" xmlns:r="http://schemas.openxmlformats.org/officeDocument/2006/relationships" xmlns:p="http://schemas.openxmlformats.org/presentationml/2006/main">
+  <p:cSld>
+    <p:spTree>
+      <p:nvGrpSpPr>
+        <p:cNvPr id="1" name=""/>
+        <p:cNvGrpSpPr/>
+        <p:nvPr/>
+      </p:nvGrpSpPr>
+      <p:grpSpPr>
+        <a:xfrm>
+          <a:off x="0" y="0"/>
+          <a:ext cx="0" cy="0"/>
+          <a:chOff x="0" y="0"/>
+          <a:chExt cx="0" cy="0"/>
+        </a:xfrm>
+      </p:grpSpPr>
+      <p:pic>
+        <p:nvPicPr>
+          <p:cNvPr id="5" name="図 4">
+            <a:extLst>
+              <a:ext uri="{FF2B5EF4-FFF2-40B4-BE49-F238E27FC236}">
+                <a16:creationId xmlns:a16="http://schemas.microsoft.com/office/drawing/2014/main" id="{B94C1E9F-C811-5B0F-7EEC-075FFE7BC546}"/>
+              </a:ext>
+            </a:extLst>
+          </p:cNvPr>
+          <p:cNvPicPr>
+            <a:picLocks noChangeAspect="1"/>
+          </p:cNvPicPr>
+          <p:nvPr/>
+        </p:nvPicPr>
+        <p:blipFill rotWithShape="1">
+          <a:blip r:embed="rId2"/>
+          <a:srcRect b="16005"/>
+          <a:stretch/>
+        </p:blipFill>
+        <p:spPr>
+          <a:xfrm>
+            <a:off x="1534858" y="1006983"/>
+            <a:ext cx="9122283" cy="4125850"/>
+          </a:xfrm>
+          <a:prstGeom prst="rect">
+            <a:avLst/>
+          </a:prstGeom>
+        </p:spPr>
+      </p:pic>
+    </p:spTree>
+    <p:extLst>
+      <p:ext uri="{BB962C8B-B14F-4D97-AF65-F5344CB8AC3E}">
+        <p14:creationId xmlns:p14="http://schemas.microsoft.com/office/powerpoint/2010/main" val="2077447983"/>
       </p:ext>
     </p:extLst>
   </p:cSld>

--- a/images.pptx
+++ b/images.pptx
@@ -12,6 +12,9 @@
     <p:sldId id="259" r:id="rId6"/>
     <p:sldId id="261" r:id="rId7"/>
     <p:sldId id="262" r:id="rId8"/>
+    <p:sldId id="263" r:id="rId9"/>
+    <p:sldId id="265" r:id="rId10"/>
+    <p:sldId id="266" r:id="rId11"/>
   </p:sldIdLst>
   <p:sldSz cx="12192000" cy="6858000"/>
   <p:notesSz cx="6858000" cy="9144000"/>
@@ -121,7 +124,7 @@
 <file path=ppt/revisionInfo.xml><?xml version="1.0" encoding="utf-8"?>
 <p1510:revInfo xmlns:a="http://schemas.openxmlformats.org/drawingml/2006/main" xmlns:r="http://schemas.openxmlformats.org/officeDocument/2006/relationships" xmlns:p1510="http://schemas.microsoft.com/office/powerpoint/2015/10/main">
   <p1510:revLst>
-    <p1510:client id="{F214C871-87D3-4971-AAB8-2C3CA92BE709}" v="280" dt="2023-12-14T16:44:09.288"/>
+    <p1510:client id="{F214C871-87D3-4971-AAB8-2C3CA92BE709}" v="341" dt="2023-12-21T22:22:06.771"/>
   </p1510:revLst>
 </p1510:revInfo>
 </file>
@@ -131,7 +134,7 @@
   <pc:docChgLst>
     <pc:chgData name="Keita KAMAGATA" userId="389c5c223f9d271c" providerId="LiveId" clId="{F214C871-87D3-4971-AAB8-2C3CA92BE709}"/>
     <pc:docChg chg="undo custSel addSld delSld modSld sldOrd">
-      <pc:chgData name="Keita KAMAGATA" userId="389c5c223f9d271c" providerId="LiveId" clId="{F214C871-87D3-4971-AAB8-2C3CA92BE709}" dt="2023-12-14T16:53:01.118" v="1472" actId="732"/>
+      <pc:chgData name="Keita KAMAGATA" userId="389c5c223f9d271c" providerId="LiveId" clId="{F214C871-87D3-4971-AAB8-2C3CA92BE709}" dt="2023-12-21T22:22:39.778" v="2219" actId="478"/>
       <pc:docMkLst>
         <pc:docMk/>
       </pc:docMkLst>
@@ -151,7 +154,7 @@
         </pc:spChg>
       </pc:sldChg>
       <pc:sldChg chg="addSp delSp modSp add mod ord">
-        <pc:chgData name="Keita KAMAGATA" userId="389c5c223f9d271c" providerId="LiveId" clId="{F214C871-87D3-4971-AAB8-2C3CA92BE709}" dt="2023-12-12T06:22:43.267" v="993" actId="207"/>
+        <pc:chgData name="Keita KAMAGATA" userId="389c5c223f9d271c" providerId="LiveId" clId="{F214C871-87D3-4971-AAB8-2C3CA92BE709}" dt="2023-12-21T14:43:48.837" v="2079" actId="20577"/>
         <pc:sldMkLst>
           <pc:docMk/>
           <pc:sldMk cId="3511888119" sldId="257"/>
@@ -205,7 +208,7 @@
           </ac:spMkLst>
         </pc:spChg>
         <pc:spChg chg="add mod">
-          <ac:chgData name="Keita KAMAGATA" userId="389c5c223f9d271c" providerId="LiveId" clId="{F214C871-87D3-4971-AAB8-2C3CA92BE709}" dt="2023-12-12T06:20:57.738" v="982" actId="20577"/>
+          <ac:chgData name="Keita KAMAGATA" userId="389c5c223f9d271c" providerId="LiveId" clId="{F214C871-87D3-4971-AAB8-2C3CA92BE709}" dt="2023-12-21T14:43:48.837" v="2079" actId="20577"/>
           <ac:spMkLst>
             <pc:docMk/>
             <pc:sldMk cId="3511888119" sldId="257"/>
@@ -1174,6 +1177,658 @@
             <ac:picMk id="5" creationId="{B94C1E9F-C811-5B0F-7EEC-075FFE7BC546}"/>
           </ac:picMkLst>
         </pc:picChg>
+      </pc:sldChg>
+      <pc:sldChg chg="addSp delSp modSp new mod">
+        <pc:chgData name="Keita KAMAGATA" userId="389c5c223f9d271c" providerId="LiveId" clId="{F214C871-87D3-4971-AAB8-2C3CA92BE709}" dt="2023-12-18T11:53:53.585" v="1699" actId="1076"/>
+        <pc:sldMkLst>
+          <pc:docMk/>
+          <pc:sldMk cId="87322769" sldId="263"/>
+        </pc:sldMkLst>
+        <pc:spChg chg="del">
+          <ac:chgData name="Keita KAMAGATA" userId="389c5c223f9d271c" providerId="LiveId" clId="{F214C871-87D3-4971-AAB8-2C3CA92BE709}" dt="2023-12-18T09:45:43.228" v="1474" actId="478"/>
+          <ac:spMkLst>
+            <pc:docMk/>
+            <pc:sldMk cId="87322769" sldId="263"/>
+            <ac:spMk id="2" creationId="{9CC85523-58D2-051E-EBAF-9F25E49C0E63}"/>
+          </ac:spMkLst>
+        </pc:spChg>
+        <pc:spChg chg="del">
+          <ac:chgData name="Keita KAMAGATA" userId="389c5c223f9d271c" providerId="LiveId" clId="{F214C871-87D3-4971-AAB8-2C3CA92BE709}" dt="2023-12-18T09:45:43.228" v="1474" actId="478"/>
+          <ac:spMkLst>
+            <pc:docMk/>
+            <pc:sldMk cId="87322769" sldId="263"/>
+            <ac:spMk id="3" creationId="{364C683D-115F-21B3-A99B-260FC328C9BE}"/>
+          </ac:spMkLst>
+        </pc:spChg>
+        <pc:spChg chg="add del">
+          <ac:chgData name="Keita KAMAGATA" userId="389c5c223f9d271c" providerId="LiveId" clId="{F214C871-87D3-4971-AAB8-2C3CA92BE709}" dt="2023-12-18T09:45:45.466" v="1476" actId="478"/>
+          <ac:spMkLst>
+            <pc:docMk/>
+            <pc:sldMk cId="87322769" sldId="263"/>
+            <ac:spMk id="4" creationId="{C2F9FA64-5DDA-41CB-FF46-662CF7D338EE}"/>
+          </ac:spMkLst>
+        </pc:spChg>
+        <pc:spChg chg="add del">
+          <ac:chgData name="Keita KAMAGATA" userId="389c5c223f9d271c" providerId="LiveId" clId="{F214C871-87D3-4971-AAB8-2C3CA92BE709}" dt="2023-12-18T09:45:50.338" v="1478" actId="478"/>
+          <ac:spMkLst>
+            <pc:docMk/>
+            <pc:sldMk cId="87322769" sldId="263"/>
+            <ac:spMk id="5" creationId="{60551B1D-ACBE-8F91-C7C1-9F657BBAA97F}"/>
+          </ac:spMkLst>
+        </pc:spChg>
+        <pc:spChg chg="add mod">
+          <ac:chgData name="Keita KAMAGATA" userId="389c5c223f9d271c" providerId="LiveId" clId="{F214C871-87D3-4971-AAB8-2C3CA92BE709}" dt="2023-12-18T11:53:53.585" v="1699" actId="1076"/>
+          <ac:spMkLst>
+            <pc:docMk/>
+            <pc:sldMk cId="87322769" sldId="263"/>
+            <ac:spMk id="9" creationId="{5CD59F7F-5B2B-EC7C-9123-DB395436EC6D}"/>
+          </ac:spMkLst>
+        </pc:spChg>
+        <pc:spChg chg="add mod">
+          <ac:chgData name="Keita KAMAGATA" userId="389c5c223f9d271c" providerId="LiveId" clId="{F214C871-87D3-4971-AAB8-2C3CA92BE709}" dt="2023-12-18T11:43:18.645" v="1673" actId="1076"/>
+          <ac:spMkLst>
+            <pc:docMk/>
+            <pc:sldMk cId="87322769" sldId="263"/>
+            <ac:spMk id="11" creationId="{A8A486BE-986E-9D0A-2C1C-01BAA35A1AF5}"/>
+          </ac:spMkLst>
+        </pc:spChg>
+        <pc:spChg chg="add mod">
+          <ac:chgData name="Keita KAMAGATA" userId="389c5c223f9d271c" providerId="LiveId" clId="{F214C871-87D3-4971-AAB8-2C3CA92BE709}" dt="2023-12-18T11:05:43.835" v="1537" actId="1076"/>
+          <ac:spMkLst>
+            <pc:docMk/>
+            <pc:sldMk cId="87322769" sldId="263"/>
+            <ac:spMk id="15" creationId="{DADD27DD-716B-FF85-A985-A5382C2B065E}"/>
+          </ac:spMkLst>
+        </pc:spChg>
+        <pc:spChg chg="add mod">
+          <ac:chgData name="Keita KAMAGATA" userId="389c5c223f9d271c" providerId="LiveId" clId="{F214C871-87D3-4971-AAB8-2C3CA92BE709}" dt="2023-12-18T11:40:13.182" v="1558" actId="14100"/>
+          <ac:spMkLst>
+            <pc:docMk/>
+            <pc:sldMk cId="87322769" sldId="263"/>
+            <ac:spMk id="17" creationId="{27484CA3-C291-9811-4D75-61F5C9792423}"/>
+          </ac:spMkLst>
+        </pc:spChg>
+        <pc:spChg chg="add mod">
+          <ac:chgData name="Keita KAMAGATA" userId="389c5c223f9d271c" providerId="LiveId" clId="{F214C871-87D3-4971-AAB8-2C3CA92BE709}" dt="2023-12-18T11:43:18.645" v="1673" actId="1076"/>
+          <ac:spMkLst>
+            <pc:docMk/>
+            <pc:sldMk cId="87322769" sldId="263"/>
+            <ac:spMk id="27" creationId="{61325AEA-7621-635E-5F06-47AC77D04E9C}"/>
+          </ac:spMkLst>
+        </pc:spChg>
+        <pc:spChg chg="add mod">
+          <ac:chgData name="Keita KAMAGATA" userId="389c5c223f9d271c" providerId="LiveId" clId="{F214C871-87D3-4971-AAB8-2C3CA92BE709}" dt="2023-12-18T11:43:21.791" v="1675" actId="6549"/>
+          <ac:spMkLst>
+            <pc:docMk/>
+            <pc:sldMk cId="87322769" sldId="263"/>
+            <ac:spMk id="29" creationId="{7536B8F8-F3AC-A4CF-5A18-D309C7616954}"/>
+          </ac:spMkLst>
+        </pc:spChg>
+        <pc:spChg chg="add mod">
+          <ac:chgData name="Keita KAMAGATA" userId="389c5c223f9d271c" providerId="LiveId" clId="{F214C871-87D3-4971-AAB8-2C3CA92BE709}" dt="2023-12-18T11:44:01.838" v="1688" actId="20577"/>
+          <ac:spMkLst>
+            <pc:docMk/>
+            <pc:sldMk cId="87322769" sldId="263"/>
+            <ac:spMk id="30" creationId="{03FB0367-7979-35F0-1CBB-671DFEE11DBF}"/>
+          </ac:spMkLst>
+        </pc:spChg>
+        <pc:spChg chg="add mod">
+          <ac:chgData name="Keita KAMAGATA" userId="389c5c223f9d271c" providerId="LiveId" clId="{F214C871-87D3-4971-AAB8-2C3CA92BE709}" dt="2023-12-18T11:44:05.354" v="1692" actId="20577"/>
+          <ac:spMkLst>
+            <pc:docMk/>
+            <pc:sldMk cId="87322769" sldId="263"/>
+            <ac:spMk id="31" creationId="{09DB3D25-515E-B56A-54A5-C6EB8A95CD5D}"/>
+          </ac:spMkLst>
+        </pc:spChg>
+        <pc:spChg chg="add mod">
+          <ac:chgData name="Keita KAMAGATA" userId="389c5c223f9d271c" providerId="LiveId" clId="{F214C871-87D3-4971-AAB8-2C3CA92BE709}" dt="2023-12-18T11:44:14.039" v="1697"/>
+          <ac:spMkLst>
+            <pc:docMk/>
+            <pc:sldMk cId="87322769" sldId="263"/>
+            <ac:spMk id="32" creationId="{CAEA0857-1D1B-C3B6-ACEE-B2AC7C6D3D29}"/>
+          </ac:spMkLst>
+        </pc:spChg>
+        <pc:spChg chg="add mod">
+          <ac:chgData name="Keita KAMAGATA" userId="389c5c223f9d271c" providerId="LiveId" clId="{F214C871-87D3-4971-AAB8-2C3CA92BE709}" dt="2023-12-18T11:43:39.181" v="1679" actId="1076"/>
+          <ac:spMkLst>
+            <pc:docMk/>
+            <pc:sldMk cId="87322769" sldId="263"/>
+            <ac:spMk id="33" creationId="{17850946-8B37-98DF-39DE-160049FB46F3}"/>
+          </ac:spMkLst>
+        </pc:spChg>
+        <pc:spChg chg="add mod">
+          <ac:chgData name="Keita KAMAGATA" userId="389c5c223f9d271c" providerId="LiveId" clId="{F214C871-87D3-4971-AAB8-2C3CA92BE709}" dt="2023-12-18T11:43:39.181" v="1679" actId="1076"/>
+          <ac:spMkLst>
+            <pc:docMk/>
+            <pc:sldMk cId="87322769" sldId="263"/>
+            <ac:spMk id="34" creationId="{206766AF-41D0-A260-B080-E69C17DBECA5}"/>
+          </ac:spMkLst>
+        </pc:spChg>
+        <pc:spChg chg="add mod">
+          <ac:chgData name="Keita KAMAGATA" userId="389c5c223f9d271c" providerId="LiveId" clId="{F214C871-87D3-4971-AAB8-2C3CA92BE709}" dt="2023-12-18T11:43:39.181" v="1679" actId="1076"/>
+          <ac:spMkLst>
+            <pc:docMk/>
+            <pc:sldMk cId="87322769" sldId="263"/>
+            <ac:spMk id="35" creationId="{B69E9D04-EA97-8AEE-C73C-BF833232D8C3}"/>
+          </ac:spMkLst>
+        </pc:spChg>
+        <pc:picChg chg="add del mod">
+          <ac:chgData name="Keita KAMAGATA" userId="389c5c223f9d271c" providerId="LiveId" clId="{F214C871-87D3-4971-AAB8-2C3CA92BE709}" dt="2023-12-18T11:02:32.864" v="1515" actId="478"/>
+          <ac:picMkLst>
+            <pc:docMk/>
+            <pc:sldMk cId="87322769" sldId="263"/>
+            <ac:picMk id="7" creationId="{4D14E712-FFB8-CE76-5643-22130FA6E27C}"/>
+          </ac:picMkLst>
+        </pc:picChg>
+        <pc:picChg chg="add del mod">
+          <ac:chgData name="Keita KAMAGATA" userId="389c5c223f9d271c" providerId="LiveId" clId="{F214C871-87D3-4971-AAB8-2C3CA92BE709}" dt="2023-12-18T11:02:30.663" v="1514" actId="478"/>
+          <ac:picMkLst>
+            <pc:docMk/>
+            <pc:sldMk cId="87322769" sldId="263"/>
+            <ac:picMk id="13" creationId="{2888AECA-7A82-C758-8826-406BFE26EF0C}"/>
+          </ac:picMkLst>
+        </pc:picChg>
+        <pc:picChg chg="add mod">
+          <ac:chgData name="Keita KAMAGATA" userId="389c5c223f9d271c" providerId="LiveId" clId="{F214C871-87D3-4971-AAB8-2C3CA92BE709}" dt="2023-12-18T11:05:43.835" v="1537" actId="1076"/>
+          <ac:picMkLst>
+            <pc:docMk/>
+            <pc:sldMk cId="87322769" sldId="263"/>
+            <ac:picMk id="19" creationId="{64E2F2A9-7C26-4458-7AB5-B30DDC49AD16}"/>
+          </ac:picMkLst>
+        </pc:picChg>
+        <pc:picChg chg="add mod">
+          <ac:chgData name="Keita KAMAGATA" userId="389c5c223f9d271c" providerId="LiveId" clId="{F214C871-87D3-4971-AAB8-2C3CA92BE709}" dt="2023-12-18T11:43:27.099" v="1676" actId="1076"/>
+          <ac:picMkLst>
+            <pc:docMk/>
+            <pc:sldMk cId="87322769" sldId="263"/>
+            <ac:picMk id="21" creationId="{CC531CD7-7CCF-5A50-FDE5-1253B26D742B}"/>
+          </ac:picMkLst>
+        </pc:picChg>
+        <pc:picChg chg="add mod">
+          <ac:chgData name="Keita KAMAGATA" userId="389c5c223f9d271c" providerId="LiveId" clId="{F214C871-87D3-4971-AAB8-2C3CA92BE709}" dt="2023-12-18T11:43:27.099" v="1676" actId="1076"/>
+          <ac:picMkLst>
+            <pc:docMk/>
+            <pc:sldMk cId="87322769" sldId="263"/>
+            <ac:picMk id="23" creationId="{164CDF0C-F473-4A14-08F0-6766798A4557}"/>
+          </ac:picMkLst>
+        </pc:picChg>
+        <pc:picChg chg="add mod">
+          <ac:chgData name="Keita KAMAGATA" userId="389c5c223f9d271c" providerId="LiveId" clId="{F214C871-87D3-4971-AAB8-2C3CA92BE709}" dt="2023-12-18T11:43:27.099" v="1676" actId="1076"/>
+          <ac:picMkLst>
+            <pc:docMk/>
+            <pc:sldMk cId="87322769" sldId="263"/>
+            <ac:picMk id="25" creationId="{8EDCC40B-FC47-FD68-133D-FC191BC73EA1}"/>
+          </ac:picMkLst>
+        </pc:picChg>
+      </pc:sldChg>
+      <pc:sldChg chg="addSp delSp modSp new del mod">
+        <pc:chgData name="Keita KAMAGATA" userId="389c5c223f9d271c" providerId="LiveId" clId="{F214C871-87D3-4971-AAB8-2C3CA92BE709}" dt="2023-12-20T03:51:23.900" v="2004" actId="47"/>
+        <pc:sldMkLst>
+          <pc:docMk/>
+          <pc:sldMk cId="1144946493" sldId="264"/>
+        </pc:sldMkLst>
+        <pc:spChg chg="del">
+          <ac:chgData name="Keita KAMAGATA" userId="389c5c223f9d271c" providerId="LiveId" clId="{F214C871-87D3-4971-AAB8-2C3CA92BE709}" dt="2023-12-20T03:27:33.172" v="1701" actId="478"/>
+          <ac:spMkLst>
+            <pc:docMk/>
+            <pc:sldMk cId="1144946493" sldId="264"/>
+            <ac:spMk id="2" creationId="{6EC01344-0E76-5F80-A014-E1C5CB57E02F}"/>
+          </ac:spMkLst>
+        </pc:spChg>
+        <pc:spChg chg="del">
+          <ac:chgData name="Keita KAMAGATA" userId="389c5c223f9d271c" providerId="LiveId" clId="{F214C871-87D3-4971-AAB8-2C3CA92BE709}" dt="2023-12-20T03:27:33.172" v="1701" actId="478"/>
+          <ac:spMkLst>
+            <pc:docMk/>
+            <pc:sldMk cId="1144946493" sldId="264"/>
+            <ac:spMk id="3" creationId="{3C7BBF72-654D-61E3-65F7-473B3E06454A}"/>
+          </ac:spMkLst>
+        </pc:spChg>
+        <pc:spChg chg="add del mod">
+          <ac:chgData name="Keita KAMAGATA" userId="389c5c223f9d271c" providerId="LiveId" clId="{F214C871-87D3-4971-AAB8-2C3CA92BE709}" dt="2023-12-20T03:42:00.979" v="1841" actId="208"/>
+          <ac:spMkLst>
+            <pc:docMk/>
+            <pc:sldMk cId="1144946493" sldId="264"/>
+            <ac:spMk id="4" creationId="{4EAC34E6-65FF-9773-5A1D-3AACEEF17224}"/>
+          </ac:spMkLst>
+        </pc:spChg>
+        <pc:spChg chg="add del mod">
+          <ac:chgData name="Keita KAMAGATA" userId="389c5c223f9d271c" providerId="LiveId" clId="{F214C871-87D3-4971-AAB8-2C3CA92BE709}" dt="2023-12-20T03:37:18.247" v="1740" actId="478"/>
+          <ac:spMkLst>
+            <pc:docMk/>
+            <pc:sldMk cId="1144946493" sldId="264"/>
+            <ac:spMk id="5" creationId="{83D9BCD4-CC43-D034-9371-760043C0D290}"/>
+          </ac:spMkLst>
+        </pc:spChg>
+        <pc:spChg chg="add mod">
+          <ac:chgData name="Keita KAMAGATA" userId="389c5c223f9d271c" providerId="LiveId" clId="{F214C871-87D3-4971-AAB8-2C3CA92BE709}" dt="2023-12-20T03:39:47.150" v="1763" actId="1076"/>
+          <ac:spMkLst>
+            <pc:docMk/>
+            <pc:sldMk cId="1144946493" sldId="264"/>
+            <ac:spMk id="11" creationId="{08F60383-CD9D-9D12-956C-087FF98A6303}"/>
+          </ac:spMkLst>
+        </pc:spChg>
+        <pc:spChg chg="add del mod">
+          <ac:chgData name="Keita KAMAGATA" userId="389c5c223f9d271c" providerId="LiveId" clId="{F214C871-87D3-4971-AAB8-2C3CA92BE709}" dt="2023-12-20T03:38:35.499" v="1749" actId="478"/>
+          <ac:spMkLst>
+            <pc:docMk/>
+            <pc:sldMk cId="1144946493" sldId="264"/>
+            <ac:spMk id="12" creationId="{083C3E91-D2BB-513A-7D51-44D91CC84F40}"/>
+          </ac:spMkLst>
+        </pc:spChg>
+        <pc:spChg chg="add mod">
+          <ac:chgData name="Keita KAMAGATA" userId="389c5c223f9d271c" providerId="LiveId" clId="{F214C871-87D3-4971-AAB8-2C3CA92BE709}" dt="2023-12-20T03:39:15.665" v="1760" actId="1076"/>
+          <ac:spMkLst>
+            <pc:docMk/>
+            <pc:sldMk cId="1144946493" sldId="264"/>
+            <ac:spMk id="13" creationId="{B196643F-2C5E-7F1C-220B-61FE02D35D2C}"/>
+          </ac:spMkLst>
+        </pc:spChg>
+        <pc:spChg chg="add mod">
+          <ac:chgData name="Keita KAMAGATA" userId="389c5c223f9d271c" providerId="LiveId" clId="{F214C871-87D3-4971-AAB8-2C3CA92BE709}" dt="2023-12-20T03:44:04.971" v="1920" actId="1076"/>
+          <ac:spMkLst>
+            <pc:docMk/>
+            <pc:sldMk cId="1144946493" sldId="264"/>
+            <ac:spMk id="14" creationId="{1D5405BA-871C-039D-8399-1D6CB5C72E58}"/>
+          </ac:spMkLst>
+        </pc:spChg>
+        <pc:spChg chg="add mod">
+          <ac:chgData name="Keita KAMAGATA" userId="389c5c223f9d271c" providerId="LiveId" clId="{F214C871-87D3-4971-AAB8-2C3CA92BE709}" dt="2023-12-20T03:43:51.235" v="1919" actId="14100"/>
+          <ac:spMkLst>
+            <pc:docMk/>
+            <pc:sldMk cId="1144946493" sldId="264"/>
+            <ac:spMk id="15" creationId="{7512C0FF-4FC2-C719-1F62-D64F9B6C5B81}"/>
+          </ac:spMkLst>
+        </pc:spChg>
+        <pc:spChg chg="add mod">
+          <ac:chgData name="Keita KAMAGATA" userId="389c5c223f9d271c" providerId="LiveId" clId="{F214C871-87D3-4971-AAB8-2C3CA92BE709}" dt="2023-12-20T03:46:12.446" v="1966" actId="113"/>
+          <ac:spMkLst>
+            <pc:docMk/>
+            <pc:sldMk cId="1144946493" sldId="264"/>
+            <ac:spMk id="16" creationId="{FBFAAA47-AEAE-BC2B-F9B2-80D4C147D816}"/>
+          </ac:spMkLst>
+        </pc:spChg>
+        <pc:spChg chg="add mod">
+          <ac:chgData name="Keita KAMAGATA" userId="389c5c223f9d271c" providerId="LiveId" clId="{F214C871-87D3-4971-AAB8-2C3CA92BE709}" dt="2023-12-20T03:43:51.235" v="1919" actId="14100"/>
+          <ac:spMkLst>
+            <pc:docMk/>
+            <pc:sldMk cId="1144946493" sldId="264"/>
+            <ac:spMk id="20" creationId="{530495D4-D9D3-9065-DEBC-99D2250BEF4E}"/>
+          </ac:spMkLst>
+        </pc:spChg>
+        <pc:spChg chg="add mod">
+          <ac:chgData name="Keita KAMAGATA" userId="389c5c223f9d271c" providerId="LiveId" clId="{F214C871-87D3-4971-AAB8-2C3CA92BE709}" dt="2023-12-20T03:46:08.803" v="1964" actId="207"/>
+          <ac:spMkLst>
+            <pc:docMk/>
+            <pc:sldMk cId="1144946493" sldId="264"/>
+            <ac:spMk id="21" creationId="{CE58A5DA-101F-D9D3-9820-F16D07DF7703}"/>
+          </ac:spMkLst>
+        </pc:spChg>
+        <pc:spChg chg="add mod">
+          <ac:chgData name="Keita KAMAGATA" userId="389c5c223f9d271c" providerId="LiveId" clId="{F214C871-87D3-4971-AAB8-2C3CA92BE709}" dt="2023-12-20T03:45:50.118" v="1962" actId="14100"/>
+          <ac:spMkLst>
+            <pc:docMk/>
+            <pc:sldMk cId="1144946493" sldId="264"/>
+            <ac:spMk id="27" creationId="{4513CDD9-1C8C-4600-9ED8-984974749A87}"/>
+          </ac:spMkLst>
+        </pc:spChg>
+        <pc:spChg chg="add mod">
+          <ac:chgData name="Keita KAMAGATA" userId="389c5c223f9d271c" providerId="LiveId" clId="{F214C871-87D3-4971-AAB8-2C3CA92BE709}" dt="2023-12-20T03:46:15.893" v="1968" actId="113"/>
+          <ac:spMkLst>
+            <pc:docMk/>
+            <pc:sldMk cId="1144946493" sldId="264"/>
+            <ac:spMk id="28" creationId="{67EB41E7-3057-4627-54FA-2FAAF93CE070}"/>
+          </ac:spMkLst>
+        </pc:spChg>
+        <pc:picChg chg="add del mod">
+          <ac:chgData name="Keita KAMAGATA" userId="389c5c223f9d271c" providerId="LiveId" clId="{F214C871-87D3-4971-AAB8-2C3CA92BE709}" dt="2023-12-20T03:35:02.311" v="1718" actId="478"/>
+          <ac:picMkLst>
+            <pc:docMk/>
+            <pc:sldMk cId="1144946493" sldId="264"/>
+            <ac:picMk id="7" creationId="{0E455467-1DCE-4008-20FA-2797DC2457A8}"/>
+          </ac:picMkLst>
+        </pc:picChg>
+        <pc:picChg chg="add mod modCrop">
+          <ac:chgData name="Keita KAMAGATA" userId="389c5c223f9d271c" providerId="LiveId" clId="{F214C871-87D3-4971-AAB8-2C3CA92BE709}" dt="2023-12-20T03:36:54.180" v="1734"/>
+          <ac:picMkLst>
+            <pc:docMk/>
+            <pc:sldMk cId="1144946493" sldId="264"/>
+            <ac:picMk id="9" creationId="{78E937A8-A75B-C399-4B22-9BB0165B3FF8}"/>
+          </ac:picMkLst>
+        </pc:picChg>
+        <pc:picChg chg="add mod modCrop">
+          <ac:chgData name="Keita KAMAGATA" userId="389c5c223f9d271c" providerId="LiveId" clId="{F214C871-87D3-4971-AAB8-2C3CA92BE709}" dt="2023-12-20T03:37:10.302" v="1739" actId="1076"/>
+          <ac:picMkLst>
+            <pc:docMk/>
+            <pc:sldMk cId="1144946493" sldId="264"/>
+            <ac:picMk id="10" creationId="{5EA995A1-DF18-91C7-2362-A661B14CE363}"/>
+          </ac:picMkLst>
+        </pc:picChg>
+        <pc:cxnChg chg="add mod">
+          <ac:chgData name="Keita KAMAGATA" userId="389c5c223f9d271c" providerId="LiveId" clId="{F214C871-87D3-4971-AAB8-2C3CA92BE709}" dt="2023-12-20T03:43:51.235" v="1919" actId="14100"/>
+          <ac:cxnSpMkLst>
+            <pc:docMk/>
+            <pc:sldMk cId="1144946493" sldId="264"/>
+            <ac:cxnSpMk id="18" creationId="{F5FB1016-A38B-B630-F5C0-7FA05AF55C90}"/>
+          </ac:cxnSpMkLst>
+        </pc:cxnChg>
+        <pc:cxnChg chg="add mod">
+          <ac:chgData name="Keita KAMAGATA" userId="389c5c223f9d271c" providerId="LiveId" clId="{F214C871-87D3-4971-AAB8-2C3CA92BE709}" dt="2023-12-20T03:43:51.235" v="1919" actId="14100"/>
+          <ac:cxnSpMkLst>
+            <pc:docMk/>
+            <pc:sldMk cId="1144946493" sldId="264"/>
+            <ac:cxnSpMk id="22" creationId="{39D608F1-AC10-DDE0-C79B-F54C3E01A054}"/>
+          </ac:cxnSpMkLst>
+        </pc:cxnChg>
+        <pc:cxnChg chg="add mod">
+          <ac:chgData name="Keita KAMAGATA" userId="389c5c223f9d271c" providerId="LiveId" clId="{F214C871-87D3-4971-AAB8-2C3CA92BE709}" dt="2023-12-20T03:45:50.118" v="1962" actId="14100"/>
+          <ac:cxnSpMkLst>
+            <pc:docMk/>
+            <pc:sldMk cId="1144946493" sldId="264"/>
+            <ac:cxnSpMk id="29" creationId="{19309492-F5E2-95FA-C99A-590F699C6715}"/>
+          </ac:cxnSpMkLst>
+        </pc:cxnChg>
+      </pc:sldChg>
+      <pc:sldChg chg="addSp modSp add mod">
+        <pc:chgData name="Keita KAMAGATA" userId="389c5c223f9d271c" providerId="LiveId" clId="{F214C871-87D3-4971-AAB8-2C3CA92BE709}" dt="2023-12-20T03:53:37.640" v="2078" actId="1076"/>
+        <pc:sldMkLst>
+          <pc:docMk/>
+          <pc:sldMk cId="1172821611" sldId="265"/>
+        </pc:sldMkLst>
+        <pc:spChg chg="mod">
+          <ac:chgData name="Keita KAMAGATA" userId="389c5c223f9d271c" providerId="LiveId" clId="{F214C871-87D3-4971-AAB8-2C3CA92BE709}" dt="2023-12-20T03:48:47.831" v="1985" actId="1076"/>
+          <ac:spMkLst>
+            <pc:docMk/>
+            <pc:sldMk cId="1172821611" sldId="265"/>
+            <ac:spMk id="4" creationId="{4EAC34E6-65FF-9773-5A1D-3AACEEF17224}"/>
+          </ac:spMkLst>
+        </pc:spChg>
+        <pc:spChg chg="mod ord">
+          <ac:chgData name="Keita KAMAGATA" userId="389c5c223f9d271c" providerId="LiveId" clId="{F214C871-87D3-4971-AAB8-2C3CA92BE709}" dt="2023-12-20T03:49:11.368" v="1989" actId="1076"/>
+          <ac:spMkLst>
+            <pc:docMk/>
+            <pc:sldMk cId="1172821611" sldId="265"/>
+            <ac:spMk id="11" creationId="{08F60383-CD9D-9D12-956C-087FF98A6303}"/>
+          </ac:spMkLst>
+        </pc:spChg>
+        <pc:spChg chg="add mod">
+          <ac:chgData name="Keita KAMAGATA" userId="389c5c223f9d271c" providerId="LiveId" clId="{F214C871-87D3-4971-AAB8-2C3CA92BE709}" dt="2023-12-20T03:52:49.131" v="2063" actId="2085"/>
+          <ac:spMkLst>
+            <pc:docMk/>
+            <pc:sldMk cId="1172821611" sldId="265"/>
+            <ac:spMk id="12" creationId="{2B456857-BB5A-2A98-8EAE-6FAB2E070B3A}"/>
+          </ac:spMkLst>
+        </pc:spChg>
+        <pc:spChg chg="mod ord">
+          <ac:chgData name="Keita KAMAGATA" userId="389c5c223f9d271c" providerId="LiveId" clId="{F214C871-87D3-4971-AAB8-2C3CA92BE709}" dt="2023-12-20T03:50:05.169" v="1990" actId="1076"/>
+          <ac:spMkLst>
+            <pc:docMk/>
+            <pc:sldMk cId="1172821611" sldId="265"/>
+            <ac:spMk id="13" creationId="{B196643F-2C5E-7F1C-220B-61FE02D35D2C}"/>
+          </ac:spMkLst>
+        </pc:spChg>
+        <pc:spChg chg="mod ord">
+          <ac:chgData name="Keita KAMAGATA" userId="389c5c223f9d271c" providerId="LiveId" clId="{F214C871-87D3-4971-AAB8-2C3CA92BE709}" dt="2023-12-20T03:49:01.213" v="1988" actId="1076"/>
+          <ac:spMkLst>
+            <pc:docMk/>
+            <pc:sldMk cId="1172821611" sldId="265"/>
+            <ac:spMk id="14" creationId="{1D5405BA-871C-039D-8399-1D6CB5C72E58}"/>
+          </ac:spMkLst>
+        </pc:spChg>
+        <pc:spChg chg="mod">
+          <ac:chgData name="Keita KAMAGATA" userId="389c5c223f9d271c" providerId="LiveId" clId="{F214C871-87D3-4971-AAB8-2C3CA92BE709}" dt="2023-12-20T03:49:11.368" v="1989" actId="1076"/>
+          <ac:spMkLst>
+            <pc:docMk/>
+            <pc:sldMk cId="1172821611" sldId="265"/>
+            <ac:spMk id="15" creationId="{7512C0FF-4FC2-C719-1F62-D64F9B6C5B81}"/>
+          </ac:spMkLst>
+        </pc:spChg>
+        <pc:spChg chg="mod">
+          <ac:chgData name="Keita KAMAGATA" userId="389c5c223f9d271c" providerId="LiveId" clId="{F214C871-87D3-4971-AAB8-2C3CA92BE709}" dt="2023-12-20T03:49:11.368" v="1989" actId="1076"/>
+          <ac:spMkLst>
+            <pc:docMk/>
+            <pc:sldMk cId="1172821611" sldId="265"/>
+            <ac:spMk id="16" creationId="{FBFAAA47-AEAE-BC2B-F9B2-80D4C147D816}"/>
+          </ac:spMkLst>
+        </pc:spChg>
+        <pc:spChg chg="add mod">
+          <ac:chgData name="Keita KAMAGATA" userId="389c5c223f9d271c" providerId="LiveId" clId="{F214C871-87D3-4971-AAB8-2C3CA92BE709}" dt="2023-12-20T03:53:37.640" v="2078" actId="1076"/>
+          <ac:spMkLst>
+            <pc:docMk/>
+            <pc:sldMk cId="1172821611" sldId="265"/>
+            <ac:spMk id="19" creationId="{D9EFB5AA-AD04-DBC2-B7A9-457CE4AC4E08}"/>
+          </ac:spMkLst>
+        </pc:spChg>
+        <pc:spChg chg="mod">
+          <ac:chgData name="Keita KAMAGATA" userId="389c5c223f9d271c" providerId="LiveId" clId="{F214C871-87D3-4971-AAB8-2C3CA92BE709}" dt="2023-12-20T03:50:05.169" v="1990" actId="1076"/>
+          <ac:spMkLst>
+            <pc:docMk/>
+            <pc:sldMk cId="1172821611" sldId="265"/>
+            <ac:spMk id="20" creationId="{530495D4-D9D3-9065-DEBC-99D2250BEF4E}"/>
+          </ac:spMkLst>
+        </pc:spChg>
+        <pc:spChg chg="mod">
+          <ac:chgData name="Keita KAMAGATA" userId="389c5c223f9d271c" providerId="LiveId" clId="{F214C871-87D3-4971-AAB8-2C3CA92BE709}" dt="2023-12-20T03:50:05.169" v="1990" actId="1076"/>
+          <ac:spMkLst>
+            <pc:docMk/>
+            <pc:sldMk cId="1172821611" sldId="265"/>
+            <ac:spMk id="21" creationId="{CE58A5DA-101F-D9D3-9820-F16D07DF7703}"/>
+          </ac:spMkLst>
+        </pc:spChg>
+        <pc:spChg chg="add mod">
+          <ac:chgData name="Keita KAMAGATA" userId="389c5c223f9d271c" providerId="LiveId" clId="{F214C871-87D3-4971-AAB8-2C3CA92BE709}" dt="2023-12-20T03:53:37.640" v="2078" actId="1076"/>
+          <ac:spMkLst>
+            <pc:docMk/>
+            <pc:sldMk cId="1172821611" sldId="265"/>
+            <ac:spMk id="23" creationId="{DD84C68A-0E26-F129-4FDB-593AB7314F61}"/>
+          </ac:spMkLst>
+        </pc:spChg>
+        <pc:spChg chg="add mod">
+          <ac:chgData name="Keita KAMAGATA" userId="389c5c223f9d271c" providerId="LiveId" clId="{F214C871-87D3-4971-AAB8-2C3CA92BE709}" dt="2023-12-20T03:53:37.640" v="2078" actId="1076"/>
+          <ac:spMkLst>
+            <pc:docMk/>
+            <pc:sldMk cId="1172821611" sldId="265"/>
+            <ac:spMk id="24" creationId="{7D908A39-7F45-6DAB-6BD7-A7B7FE5FDBFB}"/>
+          </ac:spMkLst>
+        </pc:spChg>
+        <pc:spChg chg="mod">
+          <ac:chgData name="Keita KAMAGATA" userId="389c5c223f9d271c" providerId="LiveId" clId="{F214C871-87D3-4971-AAB8-2C3CA92BE709}" dt="2023-12-20T03:49:01.213" v="1988" actId="1076"/>
+          <ac:spMkLst>
+            <pc:docMk/>
+            <pc:sldMk cId="1172821611" sldId="265"/>
+            <ac:spMk id="27" creationId="{4513CDD9-1C8C-4600-9ED8-984974749A87}"/>
+          </ac:spMkLst>
+        </pc:spChg>
+        <pc:spChg chg="mod">
+          <ac:chgData name="Keita KAMAGATA" userId="389c5c223f9d271c" providerId="LiveId" clId="{F214C871-87D3-4971-AAB8-2C3CA92BE709}" dt="2023-12-20T03:49:01.213" v="1988" actId="1076"/>
+          <ac:spMkLst>
+            <pc:docMk/>
+            <pc:sldMk cId="1172821611" sldId="265"/>
+            <ac:spMk id="28" creationId="{67EB41E7-3057-4627-54FA-2FAAF93CE070}"/>
+          </ac:spMkLst>
+        </pc:spChg>
+        <pc:picChg chg="add mod">
+          <ac:chgData name="Keita KAMAGATA" userId="389c5c223f9d271c" providerId="LiveId" clId="{F214C871-87D3-4971-AAB8-2C3CA92BE709}" dt="2023-12-20T03:52:42.529" v="2061" actId="1076"/>
+          <ac:picMkLst>
+            <pc:docMk/>
+            <pc:sldMk cId="1172821611" sldId="265"/>
+            <ac:picMk id="8" creationId="{6DA69936-FF62-3BB1-A863-E09FF83BC8CF}"/>
+          </ac:picMkLst>
+        </pc:picChg>
+        <pc:picChg chg="mod">
+          <ac:chgData name="Keita KAMAGATA" userId="389c5c223f9d271c" providerId="LiveId" clId="{F214C871-87D3-4971-AAB8-2C3CA92BE709}" dt="2023-12-20T03:48:47.831" v="1985" actId="1076"/>
+          <ac:picMkLst>
+            <pc:docMk/>
+            <pc:sldMk cId="1172821611" sldId="265"/>
+            <ac:picMk id="9" creationId="{78E937A8-A75B-C399-4B22-9BB0165B3FF8}"/>
+          </ac:picMkLst>
+        </pc:picChg>
+        <pc:picChg chg="mod">
+          <ac:chgData name="Keita KAMAGATA" userId="389c5c223f9d271c" providerId="LiveId" clId="{F214C871-87D3-4971-AAB8-2C3CA92BE709}" dt="2023-12-20T03:48:47.831" v="1985" actId="1076"/>
+          <ac:picMkLst>
+            <pc:docMk/>
+            <pc:sldMk cId="1172821611" sldId="265"/>
+            <ac:picMk id="10" creationId="{5EA995A1-DF18-91C7-2362-A661B14CE363}"/>
+          </ac:picMkLst>
+        </pc:picChg>
+        <pc:cxnChg chg="mod">
+          <ac:chgData name="Keita KAMAGATA" userId="389c5c223f9d271c" providerId="LiveId" clId="{F214C871-87D3-4971-AAB8-2C3CA92BE709}" dt="2023-12-20T03:49:11.368" v="1989" actId="1076"/>
+          <ac:cxnSpMkLst>
+            <pc:docMk/>
+            <pc:sldMk cId="1172821611" sldId="265"/>
+            <ac:cxnSpMk id="18" creationId="{F5FB1016-A38B-B630-F5C0-7FA05AF55C90}"/>
+          </ac:cxnSpMkLst>
+        </pc:cxnChg>
+        <pc:cxnChg chg="mod">
+          <ac:chgData name="Keita KAMAGATA" userId="389c5c223f9d271c" providerId="LiveId" clId="{F214C871-87D3-4971-AAB8-2C3CA92BE709}" dt="2023-12-20T03:50:05.169" v="1990" actId="1076"/>
+          <ac:cxnSpMkLst>
+            <pc:docMk/>
+            <pc:sldMk cId="1172821611" sldId="265"/>
+            <ac:cxnSpMk id="22" creationId="{39D608F1-AC10-DDE0-C79B-F54C3E01A054}"/>
+          </ac:cxnSpMkLst>
+        </pc:cxnChg>
+        <pc:cxnChg chg="mod">
+          <ac:chgData name="Keita KAMAGATA" userId="389c5c223f9d271c" providerId="LiveId" clId="{F214C871-87D3-4971-AAB8-2C3CA92BE709}" dt="2023-12-20T03:49:01.213" v="1988" actId="1076"/>
+          <ac:cxnSpMkLst>
+            <pc:docMk/>
+            <pc:sldMk cId="1172821611" sldId="265"/>
+            <ac:cxnSpMk id="29" creationId="{19309492-F5E2-95FA-C99A-590F699C6715}"/>
+          </ac:cxnSpMkLst>
+        </pc:cxnChg>
+      </pc:sldChg>
+      <pc:sldChg chg="addSp delSp modSp new mod">
+        <pc:chgData name="Keita KAMAGATA" userId="389c5c223f9d271c" providerId="LiveId" clId="{F214C871-87D3-4971-AAB8-2C3CA92BE709}" dt="2023-12-21T22:22:39.778" v="2219" actId="478"/>
+        <pc:sldMkLst>
+          <pc:docMk/>
+          <pc:sldMk cId="4070136168" sldId="266"/>
+        </pc:sldMkLst>
+        <pc:spChg chg="del">
+          <ac:chgData name="Keita KAMAGATA" userId="389c5c223f9d271c" providerId="LiveId" clId="{F214C871-87D3-4971-AAB8-2C3CA92BE709}" dt="2023-12-21T22:18:43.648" v="2081" actId="478"/>
+          <ac:spMkLst>
+            <pc:docMk/>
+            <pc:sldMk cId="4070136168" sldId="266"/>
+            <ac:spMk id="2" creationId="{82214534-7FC5-F280-734F-9196A891602E}"/>
+          </ac:spMkLst>
+        </pc:spChg>
+        <pc:spChg chg="del">
+          <ac:chgData name="Keita KAMAGATA" userId="389c5c223f9d271c" providerId="LiveId" clId="{F214C871-87D3-4971-AAB8-2C3CA92BE709}" dt="2023-12-21T22:18:43.648" v="2081" actId="478"/>
+          <ac:spMkLst>
+            <pc:docMk/>
+            <pc:sldMk cId="4070136168" sldId="266"/>
+            <ac:spMk id="3" creationId="{8E8E0C29-A7B8-FD54-CD7A-849501B85890}"/>
+          </ac:spMkLst>
+        </pc:spChg>
+        <pc:spChg chg="add mod">
+          <ac:chgData name="Keita KAMAGATA" userId="389c5c223f9d271c" providerId="LiveId" clId="{F214C871-87D3-4971-AAB8-2C3CA92BE709}" dt="2023-12-21T22:20:44.420" v="2181" actId="20577"/>
+          <ac:spMkLst>
+            <pc:docMk/>
+            <pc:sldMk cId="4070136168" sldId="266"/>
+            <ac:spMk id="8" creationId="{1A517753-2674-1C7C-9118-53496B9A3E72}"/>
+          </ac:spMkLst>
+        </pc:spChg>
+        <pc:spChg chg="add mod">
+          <ac:chgData name="Keita KAMAGATA" userId="389c5c223f9d271c" providerId="LiveId" clId="{F214C871-87D3-4971-AAB8-2C3CA92BE709}" dt="2023-12-21T22:19:42.621" v="2151" actId="20577"/>
+          <ac:spMkLst>
+            <pc:docMk/>
+            <pc:sldMk cId="4070136168" sldId="266"/>
+            <ac:spMk id="9" creationId="{862852B7-148F-D64C-1698-DEF07B57EA9B}"/>
+          </ac:spMkLst>
+        </pc:spChg>
+        <pc:spChg chg="add mod">
+          <ac:chgData name="Keita KAMAGATA" userId="389c5c223f9d271c" providerId="LiveId" clId="{F214C871-87D3-4971-AAB8-2C3CA92BE709}" dt="2023-12-21T22:21:18.866" v="2196" actId="20577"/>
+          <ac:spMkLst>
+            <pc:docMk/>
+            <pc:sldMk cId="4070136168" sldId="266"/>
+            <ac:spMk id="12" creationId="{22862E04-8196-C16F-58A1-8FB6F1938DB4}"/>
+          </ac:spMkLst>
+        </pc:spChg>
+        <pc:spChg chg="add del mod">
+          <ac:chgData name="Keita KAMAGATA" userId="389c5c223f9d271c" providerId="LiveId" clId="{F214C871-87D3-4971-AAB8-2C3CA92BE709}" dt="2023-12-21T22:22:39.778" v="2219" actId="478"/>
+          <ac:spMkLst>
+            <pc:docMk/>
+            <pc:sldMk cId="4070136168" sldId="266"/>
+            <ac:spMk id="16" creationId="{F3CAF07E-D4A7-B931-7984-61087D415252}"/>
+          </ac:spMkLst>
+        </pc:spChg>
+        <pc:spChg chg="add del mod">
+          <ac:chgData name="Keita KAMAGATA" userId="389c5c223f9d271c" providerId="LiveId" clId="{F214C871-87D3-4971-AAB8-2C3CA92BE709}" dt="2023-12-21T22:22:39.778" v="2219" actId="478"/>
+          <ac:spMkLst>
+            <pc:docMk/>
+            <pc:sldMk cId="4070136168" sldId="266"/>
+            <ac:spMk id="17" creationId="{8669908D-428F-D448-BB6F-F5BF2F6E1012}"/>
+          </ac:spMkLst>
+        </pc:spChg>
+        <pc:graphicFrameChg chg="add del mod">
+          <ac:chgData name="Keita KAMAGATA" userId="389c5c223f9d271c" providerId="LiveId" clId="{F214C871-87D3-4971-AAB8-2C3CA92BE709}" dt="2023-12-21T22:18:52.300" v="2083"/>
+          <ac:graphicFrameMkLst>
+            <pc:docMk/>
+            <pc:sldMk cId="4070136168" sldId="266"/>
+            <ac:graphicFrameMk id="4" creationId="{496AEC0E-09F8-7F9B-DEDB-DE2D571BD770}"/>
+          </ac:graphicFrameMkLst>
+        </pc:graphicFrameChg>
+        <pc:graphicFrameChg chg="add del mod">
+          <ac:chgData name="Keita KAMAGATA" userId="389c5c223f9d271c" providerId="LiveId" clId="{F214C871-87D3-4971-AAB8-2C3CA92BE709}" dt="2023-12-21T22:19:01.287" v="2086"/>
+          <ac:graphicFrameMkLst>
+            <pc:docMk/>
+            <pc:sldMk cId="4070136168" sldId="266"/>
+            <ac:graphicFrameMk id="6" creationId="{4C0123E5-71A6-3DF6-FC9D-2796E01BBBE5}"/>
+          </ac:graphicFrameMkLst>
+        </pc:graphicFrameChg>
+        <pc:graphicFrameChg chg="add del mod">
+          <ac:chgData name="Keita KAMAGATA" userId="389c5c223f9d271c" providerId="LiveId" clId="{F214C871-87D3-4971-AAB8-2C3CA92BE709}" dt="2023-12-21T22:20:10.144" v="2155"/>
+          <ac:graphicFrameMkLst>
+            <pc:docMk/>
+            <pc:sldMk cId="4070136168" sldId="266"/>
+            <ac:graphicFrameMk id="10" creationId="{296B80EC-DD9B-AF1E-4355-A320D608CDE2}"/>
+          </ac:graphicFrameMkLst>
+        </pc:graphicFrameChg>
+        <pc:graphicFrameChg chg="add del mod">
+          <ac:chgData name="Keita KAMAGATA" userId="389c5c223f9d271c" providerId="LiveId" clId="{F214C871-87D3-4971-AAB8-2C3CA92BE709}" dt="2023-12-21T22:21:11.213" v="2183"/>
+          <ac:graphicFrameMkLst>
+            <pc:docMk/>
+            <pc:sldMk cId="4070136168" sldId="266"/>
+            <ac:graphicFrameMk id="13" creationId="{C6FFCB47-0110-4286-3C56-FC0E971E9F9F}"/>
+          </ac:graphicFrameMkLst>
+        </pc:graphicFrameChg>
+        <pc:picChg chg="add mod">
+          <ac:chgData name="Keita KAMAGATA" userId="389c5c223f9d271c" providerId="LiveId" clId="{F214C871-87D3-4971-AAB8-2C3CA92BE709}" dt="2023-12-21T22:22:11.868" v="2210" actId="1076"/>
+          <ac:picMkLst>
+            <pc:docMk/>
+            <pc:sldMk cId="4070136168" sldId="266"/>
+            <ac:picMk id="5" creationId="{067999B7-8D8A-BF02-39A2-BC690B06DAE7}"/>
+          </ac:picMkLst>
+        </pc:picChg>
+        <pc:picChg chg="add mod">
+          <ac:chgData name="Keita KAMAGATA" userId="389c5c223f9d271c" providerId="LiveId" clId="{F214C871-87D3-4971-AAB8-2C3CA92BE709}" dt="2023-12-21T22:19:06.732" v="2090" actId="1076"/>
+          <ac:picMkLst>
+            <pc:docMk/>
+            <pc:sldMk cId="4070136168" sldId="266"/>
+            <ac:picMk id="7" creationId="{2E1AE148-BB84-1B27-8B25-214255E4C6E9}"/>
+          </ac:picMkLst>
+        </pc:picChg>
+        <pc:picChg chg="add del mod">
+          <ac:chgData name="Keita KAMAGATA" userId="389c5c223f9d271c" providerId="LiveId" clId="{F214C871-87D3-4971-AAB8-2C3CA92BE709}" dt="2023-12-21T22:21:12.857" v="2185" actId="478"/>
+          <ac:picMkLst>
+            <pc:docMk/>
+            <pc:sldMk cId="4070136168" sldId="266"/>
+            <ac:picMk id="11" creationId="{A27AE026-7034-6774-1380-89ECF67290B1}"/>
+          </ac:picMkLst>
+        </pc:picChg>
+        <pc:picChg chg="add mod">
+          <ac:chgData name="Keita KAMAGATA" userId="389c5c223f9d271c" providerId="LiveId" clId="{F214C871-87D3-4971-AAB8-2C3CA92BE709}" dt="2023-12-21T22:21:15.504" v="2186" actId="1076"/>
+          <ac:picMkLst>
+            <pc:docMk/>
+            <pc:sldMk cId="4070136168" sldId="266"/>
+            <ac:picMk id="14" creationId="{B137DA7D-D89D-A250-3521-D29AC545AE06}"/>
+          </ac:picMkLst>
+        </pc:picChg>
+        <pc:cxnChg chg="add del mod">
+          <ac:chgData name="Keita KAMAGATA" userId="389c5c223f9d271c" providerId="LiveId" clId="{F214C871-87D3-4971-AAB8-2C3CA92BE709}" dt="2023-12-21T22:22:39.778" v="2219" actId="478"/>
+          <ac:cxnSpMkLst>
+            <pc:docMk/>
+            <pc:sldMk cId="4070136168" sldId="266"/>
+            <ac:cxnSpMk id="15" creationId="{DC1CB526-2ED1-673A-F386-B3D08E1B4C41}"/>
+          </ac:cxnSpMkLst>
+        </pc:cxnChg>
       </pc:sldChg>
     </pc:docChg>
   </pc:docChgLst>
@@ -1327,7 +1982,7 @@
           <a:p>
             <a:fld id="{755539CC-26A7-47E3-A9E0-06A1F26081E2}" type="datetimeFigureOut">
               <a:rPr kumimoji="1" lang="ja-JP" altLang="en-US" smtClean="0"/>
-              <a:t>2023/12/15</a:t>
+              <a:t>2023/12/22</a:t>
             </a:fld>
             <a:endParaRPr kumimoji="1" lang="ja-JP" altLang="en-US"/>
           </a:p>
@@ -1557,7 +2212,7 @@
           <a:p>
             <a:fld id="{755539CC-26A7-47E3-A9E0-06A1F26081E2}" type="datetimeFigureOut">
               <a:rPr kumimoji="1" lang="ja-JP" altLang="en-US" smtClean="0"/>
-              <a:t>2023/12/15</a:t>
+              <a:t>2023/12/22</a:t>
             </a:fld>
             <a:endParaRPr kumimoji="1" lang="ja-JP" altLang="en-US"/>
           </a:p>
@@ -1797,7 +2452,7 @@
           <a:p>
             <a:fld id="{755539CC-26A7-47E3-A9E0-06A1F26081E2}" type="datetimeFigureOut">
               <a:rPr kumimoji="1" lang="ja-JP" altLang="en-US" smtClean="0"/>
-              <a:t>2023/12/15</a:t>
+              <a:t>2023/12/22</a:t>
             </a:fld>
             <a:endParaRPr kumimoji="1" lang="ja-JP" altLang="en-US"/>
           </a:p>
@@ -2027,7 +2682,7 @@
           <a:p>
             <a:fld id="{755539CC-26A7-47E3-A9E0-06A1F26081E2}" type="datetimeFigureOut">
               <a:rPr kumimoji="1" lang="ja-JP" altLang="en-US" smtClean="0"/>
-              <a:t>2023/12/15</a:t>
+              <a:t>2023/12/22</a:t>
             </a:fld>
             <a:endParaRPr kumimoji="1" lang="ja-JP" altLang="en-US"/>
           </a:p>
@@ -2302,7 +2957,7 @@
           <a:p>
             <a:fld id="{755539CC-26A7-47E3-A9E0-06A1F26081E2}" type="datetimeFigureOut">
               <a:rPr kumimoji="1" lang="ja-JP" altLang="en-US" smtClean="0"/>
-              <a:t>2023/12/15</a:t>
+              <a:t>2023/12/22</a:t>
             </a:fld>
             <a:endParaRPr kumimoji="1" lang="ja-JP" altLang="en-US"/>
           </a:p>
@@ -2631,7 +3286,7 @@
           <a:p>
             <a:fld id="{755539CC-26A7-47E3-A9E0-06A1F26081E2}" type="datetimeFigureOut">
               <a:rPr kumimoji="1" lang="ja-JP" altLang="en-US" smtClean="0"/>
-              <a:t>2023/12/15</a:t>
+              <a:t>2023/12/22</a:t>
             </a:fld>
             <a:endParaRPr kumimoji="1" lang="ja-JP" altLang="en-US"/>
           </a:p>
@@ -3107,7 +3762,7 @@
           <a:p>
             <a:fld id="{755539CC-26A7-47E3-A9E0-06A1F26081E2}" type="datetimeFigureOut">
               <a:rPr kumimoji="1" lang="ja-JP" altLang="en-US" smtClean="0"/>
-              <a:t>2023/12/15</a:t>
+              <a:t>2023/12/22</a:t>
             </a:fld>
             <a:endParaRPr kumimoji="1" lang="ja-JP" altLang="en-US"/>
           </a:p>
@@ -3248,7 +3903,7 @@
           <a:p>
             <a:fld id="{755539CC-26A7-47E3-A9E0-06A1F26081E2}" type="datetimeFigureOut">
               <a:rPr kumimoji="1" lang="ja-JP" altLang="en-US" smtClean="0"/>
-              <a:t>2023/12/15</a:t>
+              <a:t>2023/12/22</a:t>
             </a:fld>
             <a:endParaRPr kumimoji="1" lang="ja-JP" altLang="en-US"/>
           </a:p>
@@ -3361,7 +4016,7 @@
           <a:p>
             <a:fld id="{755539CC-26A7-47E3-A9E0-06A1F26081E2}" type="datetimeFigureOut">
               <a:rPr kumimoji="1" lang="ja-JP" altLang="en-US" smtClean="0"/>
-              <a:t>2023/12/15</a:t>
+              <a:t>2023/12/22</a:t>
             </a:fld>
             <a:endParaRPr kumimoji="1" lang="ja-JP" altLang="en-US"/>
           </a:p>
@@ -3704,7 +4359,7 @@
           <a:p>
             <a:fld id="{755539CC-26A7-47E3-A9E0-06A1F26081E2}" type="datetimeFigureOut">
               <a:rPr kumimoji="1" lang="ja-JP" altLang="en-US" smtClean="0"/>
-              <a:t>2023/12/15</a:t>
+              <a:t>2023/12/22</a:t>
             </a:fld>
             <a:endParaRPr kumimoji="1" lang="ja-JP" altLang="en-US"/>
           </a:p>
@@ -3992,7 +4647,7 @@
           <a:p>
             <a:fld id="{755539CC-26A7-47E3-A9E0-06A1F26081E2}" type="datetimeFigureOut">
               <a:rPr kumimoji="1" lang="ja-JP" altLang="en-US" smtClean="0"/>
-              <a:t>2023/12/15</a:t>
+              <a:t>2023/12/22</a:t>
             </a:fld>
             <a:endParaRPr kumimoji="1" lang="ja-JP" altLang="en-US"/>
           </a:p>
@@ -4265,7 +4920,7 @@
           <a:p>
             <a:fld id="{755539CC-26A7-47E3-A9E0-06A1F26081E2}" type="datetimeFigureOut">
               <a:rPr kumimoji="1" lang="ja-JP" altLang="en-US" smtClean="0"/>
-              <a:t>2023/12/15</a:t>
+              <a:t>2023/12/22</a:t>
             </a:fld>
             <a:endParaRPr kumimoji="1" lang="ja-JP" altLang="en-US"/>
           </a:p>
@@ -4725,6 +5380,261 @@
 </p:sld>
 </file>
 
+<file path=ppt/slides/slide10.xml><?xml version="1.0" encoding="utf-8"?>
+<p:sld xmlns:a="http://schemas.openxmlformats.org/drawingml/2006/main" xmlns:r="http://schemas.openxmlformats.org/officeDocument/2006/relationships" xmlns:p="http://schemas.openxmlformats.org/presentationml/2006/main">
+  <p:cSld>
+    <p:spTree>
+      <p:nvGrpSpPr>
+        <p:cNvPr id="1" name=""/>
+        <p:cNvGrpSpPr/>
+        <p:nvPr/>
+      </p:nvGrpSpPr>
+      <p:grpSpPr>
+        <a:xfrm>
+          <a:off x="0" y="0"/>
+          <a:ext cx="0" cy="0"/>
+          <a:chOff x="0" y="0"/>
+          <a:chExt cx="0" cy="0"/>
+        </a:xfrm>
+      </p:grpSpPr>
+      <p:pic>
+        <p:nvPicPr>
+          <p:cNvPr id="5" name="図 4">
+            <a:extLst>
+              <a:ext uri="{FF2B5EF4-FFF2-40B4-BE49-F238E27FC236}">
+                <a16:creationId xmlns:a16="http://schemas.microsoft.com/office/drawing/2014/main" id="{067999B7-8D8A-BF02-39A2-BC690B06DAE7}"/>
+              </a:ext>
+            </a:extLst>
+          </p:cNvPr>
+          <p:cNvPicPr>
+            <a:picLocks noChangeAspect="1"/>
+          </p:cNvPicPr>
+          <p:nvPr/>
+        </p:nvPicPr>
+        <p:blipFill>
+          <a:blip r:embed="rId2"/>
+          <a:stretch>
+            <a:fillRect/>
+          </a:stretch>
+        </p:blipFill>
+        <p:spPr>
+          <a:xfrm>
+            <a:off x="941451" y="2228850"/>
+            <a:ext cx="3067050" cy="2400300"/>
+          </a:xfrm>
+          <a:prstGeom prst="rect">
+            <a:avLst/>
+          </a:prstGeom>
+        </p:spPr>
+      </p:pic>
+      <p:pic>
+        <p:nvPicPr>
+          <p:cNvPr id="7" name="図 6">
+            <a:extLst>
+              <a:ext uri="{FF2B5EF4-FFF2-40B4-BE49-F238E27FC236}">
+                <a16:creationId xmlns:a16="http://schemas.microsoft.com/office/drawing/2014/main" id="{2E1AE148-BB84-1B27-8B25-214255E4C6E9}"/>
+              </a:ext>
+            </a:extLst>
+          </p:cNvPr>
+          <p:cNvPicPr>
+            <a:picLocks noChangeAspect="1"/>
+          </p:cNvPicPr>
+          <p:nvPr/>
+        </p:nvPicPr>
+        <p:blipFill>
+          <a:blip r:embed="rId3"/>
+          <a:stretch>
+            <a:fillRect/>
+          </a:stretch>
+        </p:blipFill>
+        <p:spPr>
+          <a:xfrm>
+            <a:off x="4251579" y="2228850"/>
+            <a:ext cx="3067050" cy="2400300"/>
+          </a:xfrm>
+          <a:prstGeom prst="rect">
+            <a:avLst/>
+          </a:prstGeom>
+        </p:spPr>
+      </p:pic>
+      <p:sp>
+        <p:nvSpPr>
+          <p:cNvPr id="8" name="テキスト ボックス 7">
+            <a:extLst>
+              <a:ext uri="{FF2B5EF4-FFF2-40B4-BE49-F238E27FC236}">
+                <a16:creationId xmlns:a16="http://schemas.microsoft.com/office/drawing/2014/main" id="{1A517753-2674-1C7C-9118-53496B9A3E72}"/>
+              </a:ext>
+            </a:extLst>
+          </p:cNvPr>
+          <p:cNvSpPr txBox="1"/>
+          <p:nvPr/>
+        </p:nvSpPr>
+        <p:spPr>
+          <a:xfrm>
+            <a:off x="941452" y="4629150"/>
+            <a:ext cx="3067050" cy="369332"/>
+          </a:xfrm>
+          <a:prstGeom prst="rect">
+            <a:avLst/>
+          </a:prstGeom>
+          <a:noFill/>
+        </p:spPr>
+        <p:txBody>
+          <a:bodyPr wrap="square">
+            <a:spAutoFit/>
+          </a:bodyPr>
+          <a:lstStyle/>
+          <a:p>
+            <a:pPr algn="ctr"/>
+            <a:r>
+              <a:rPr lang="en-US" altLang="ja-JP" dirty="0">
+                <a:latin typeface="-apple-system"/>
+              </a:rPr>
+              <a:t>(a) </a:t>
+            </a:r>
+            <a:r>
+              <a:rPr lang="ja-JP" altLang="en-US" dirty="0">
+                <a:latin typeface="-apple-system"/>
+              </a:rPr>
+              <a:t>木星</a:t>
+            </a:r>
+            <a:endParaRPr lang="en-US" altLang="ja-JP" dirty="0"/>
+          </a:p>
+        </p:txBody>
+      </p:sp>
+      <p:sp>
+        <p:nvSpPr>
+          <p:cNvPr id="9" name="テキスト ボックス 8">
+            <a:extLst>
+              <a:ext uri="{FF2B5EF4-FFF2-40B4-BE49-F238E27FC236}">
+                <a16:creationId xmlns:a16="http://schemas.microsoft.com/office/drawing/2014/main" id="{862852B7-148F-D64C-1698-DEF07B57EA9B}"/>
+              </a:ext>
+            </a:extLst>
+          </p:cNvPr>
+          <p:cNvSpPr txBox="1"/>
+          <p:nvPr/>
+        </p:nvSpPr>
+        <p:spPr>
+          <a:xfrm>
+            <a:off x="4251579" y="4629150"/>
+            <a:ext cx="3067050" cy="369332"/>
+          </a:xfrm>
+          <a:prstGeom prst="rect">
+            <a:avLst/>
+          </a:prstGeom>
+          <a:noFill/>
+        </p:spPr>
+        <p:txBody>
+          <a:bodyPr wrap="square">
+            <a:spAutoFit/>
+          </a:bodyPr>
+          <a:lstStyle/>
+          <a:p>
+            <a:pPr algn="ctr"/>
+            <a:r>
+              <a:rPr lang="en-US" altLang="ja-JP" dirty="0">
+                <a:latin typeface="-apple-system"/>
+              </a:rPr>
+              <a:t>(b) </a:t>
+            </a:r>
+            <a:r>
+              <a:rPr lang="ja-JP" altLang="en-US" dirty="0">
+                <a:latin typeface="-apple-system"/>
+              </a:rPr>
+              <a:t>土星</a:t>
+            </a:r>
+            <a:endParaRPr lang="ja-JP" altLang="en-US" dirty="0"/>
+          </a:p>
+        </p:txBody>
+      </p:sp>
+      <p:sp>
+        <p:nvSpPr>
+          <p:cNvPr id="12" name="テキスト ボックス 11">
+            <a:extLst>
+              <a:ext uri="{FF2B5EF4-FFF2-40B4-BE49-F238E27FC236}">
+                <a16:creationId xmlns:a16="http://schemas.microsoft.com/office/drawing/2014/main" id="{22862E04-8196-C16F-58A1-8FB6F1938DB4}"/>
+              </a:ext>
+            </a:extLst>
+          </p:cNvPr>
+          <p:cNvSpPr txBox="1"/>
+          <p:nvPr/>
+        </p:nvSpPr>
+        <p:spPr>
+          <a:xfrm>
+            <a:off x="7561706" y="4629150"/>
+            <a:ext cx="3067050" cy="369332"/>
+          </a:xfrm>
+          <a:prstGeom prst="rect">
+            <a:avLst/>
+          </a:prstGeom>
+          <a:noFill/>
+        </p:spPr>
+        <p:txBody>
+          <a:bodyPr wrap="square">
+            <a:spAutoFit/>
+          </a:bodyPr>
+          <a:lstStyle/>
+          <a:p>
+            <a:pPr algn="ctr"/>
+            <a:r>
+              <a:rPr lang="en-US" altLang="ja-JP" dirty="0">
+                <a:latin typeface="-apple-system"/>
+              </a:rPr>
+              <a:t>(c) </a:t>
+            </a:r>
+            <a:r>
+              <a:rPr lang="ja-JP" altLang="en-US" dirty="0">
+                <a:latin typeface="-apple-system"/>
+              </a:rPr>
+              <a:t>哲学</a:t>
+            </a:r>
+            <a:endParaRPr lang="ja-JP" altLang="en-US" dirty="0"/>
+          </a:p>
+        </p:txBody>
+      </p:sp>
+      <p:pic>
+        <p:nvPicPr>
+          <p:cNvPr id="14" name="図 13">
+            <a:extLst>
+              <a:ext uri="{FF2B5EF4-FFF2-40B4-BE49-F238E27FC236}">
+                <a16:creationId xmlns:a16="http://schemas.microsoft.com/office/drawing/2014/main" id="{B137DA7D-D89D-A250-3521-D29AC545AE06}"/>
+              </a:ext>
+            </a:extLst>
+          </p:cNvPr>
+          <p:cNvPicPr>
+            <a:picLocks noChangeAspect="1"/>
+          </p:cNvPicPr>
+          <p:nvPr/>
+        </p:nvPicPr>
+        <p:blipFill>
+          <a:blip r:embed="rId4"/>
+          <a:stretch>
+            <a:fillRect/>
+          </a:stretch>
+        </p:blipFill>
+        <p:spPr>
+          <a:xfrm>
+            <a:off x="7561706" y="2228850"/>
+            <a:ext cx="3067050" cy="2400300"/>
+          </a:xfrm>
+          <a:prstGeom prst="rect">
+            <a:avLst/>
+          </a:prstGeom>
+        </p:spPr>
+      </p:pic>
+    </p:spTree>
+    <p:extLst>
+      <p:ext uri="{BB962C8B-B14F-4D97-AF65-F5344CB8AC3E}">
+        <p14:creationId xmlns:p14="http://schemas.microsoft.com/office/powerpoint/2010/main" val="4070136168"/>
+      </p:ext>
+    </p:extLst>
+  </p:cSld>
+  <p:clrMapOvr>
+    <a:masterClrMapping/>
+  </p:clrMapOvr>
+</p:sld>
+</file>
+
 <file path=ppt/slides/slide2.xml><?xml version="1.0" encoding="utf-8"?>
 <p:sld xmlns:a="http://schemas.openxmlformats.org/drawingml/2006/main" xmlns:r="http://schemas.openxmlformats.org/officeDocument/2006/relationships" xmlns:p="http://schemas.openxmlformats.org/presentationml/2006/main">
   <p:cSld>
@@ -5361,16 +6271,13 @@
               </a:rPr>
               <a:t>AI</a:t>
             </a:r>
-            <a:r>
-              <a:rPr lang="ja-JP" altLang="en-US" sz="2000" dirty="0">
-                <a:solidFill>
-                  <a:schemeClr val="accent1"/>
-                </a:solidFill>
-                <a:latin typeface="Meiryo UI" panose="020B0604030504040204" pitchFamily="50" charset="-128"/>
-                <a:ea typeface="Meiryo UI" panose="020B0604030504040204" pitchFamily="50" charset="-128"/>
-              </a:rPr>
-              <a:t>モデル</a:t>
-            </a:r>
+            <a:endParaRPr lang="ja-JP" altLang="en-US" sz="2000" dirty="0">
+              <a:solidFill>
+                <a:schemeClr val="accent1"/>
+              </a:solidFill>
+              <a:latin typeface="Meiryo UI" panose="020B0604030504040204" pitchFamily="50" charset="-128"/>
+              <a:ea typeface="Meiryo UI" panose="020B0604030504040204" pitchFamily="50" charset="-128"/>
+            </a:endParaRPr>
           </a:p>
         </p:txBody>
       </p:sp>
@@ -9069,6 +9976,1936 @@
     <p:extLst>
       <p:ext uri="{BB962C8B-B14F-4D97-AF65-F5344CB8AC3E}">
         <p14:creationId xmlns:p14="http://schemas.microsoft.com/office/powerpoint/2010/main" val="2077447983"/>
+      </p:ext>
+    </p:extLst>
+  </p:cSld>
+  <p:clrMapOvr>
+    <a:masterClrMapping/>
+  </p:clrMapOvr>
+</p:sld>
+</file>
+
+<file path=ppt/slides/slide8.xml><?xml version="1.0" encoding="utf-8"?>
+<p:sld xmlns:a="http://schemas.openxmlformats.org/drawingml/2006/main" xmlns:r="http://schemas.openxmlformats.org/officeDocument/2006/relationships" xmlns:p="http://schemas.openxmlformats.org/presentationml/2006/main">
+  <p:cSld>
+    <p:spTree>
+      <p:nvGrpSpPr>
+        <p:cNvPr id="1" name=""/>
+        <p:cNvGrpSpPr/>
+        <p:nvPr/>
+      </p:nvGrpSpPr>
+      <p:grpSpPr>
+        <a:xfrm>
+          <a:off x="0" y="0"/>
+          <a:ext cx="0" cy="0"/>
+          <a:chOff x="0" y="0"/>
+          <a:chExt cx="0" cy="0"/>
+        </a:xfrm>
+      </p:grpSpPr>
+      <p:sp>
+        <p:nvSpPr>
+          <p:cNvPr id="9" name="テキスト ボックス 8">
+            <a:extLst>
+              <a:ext uri="{FF2B5EF4-FFF2-40B4-BE49-F238E27FC236}">
+                <a16:creationId xmlns:a16="http://schemas.microsoft.com/office/drawing/2014/main" id="{5CD59F7F-5B2B-EC7C-9123-DB395436EC6D}"/>
+              </a:ext>
+            </a:extLst>
+          </p:cNvPr>
+          <p:cNvSpPr txBox="1"/>
+          <p:nvPr/>
+        </p:nvSpPr>
+        <p:spPr>
+          <a:xfrm>
+            <a:off x="663102" y="104481"/>
+            <a:ext cx="2522707" cy="369332"/>
+          </a:xfrm>
+          <a:prstGeom prst="rect">
+            <a:avLst/>
+          </a:prstGeom>
+          <a:noFill/>
+        </p:spPr>
+        <p:txBody>
+          <a:bodyPr wrap="square">
+            <a:spAutoFit/>
+          </a:bodyPr>
+          <a:lstStyle/>
+          <a:p>
+            <a:pPr algn="l"/>
+            <a:r>
+              <a:rPr lang="en-US" altLang="ja-JP" b="0" i="0" u="none" strike="noStrike" dirty="0">
+                <a:effectLst/>
+                <a:latin typeface="-apple-system"/>
+                <a:hlinkClick r:id="rId2"/>
+              </a:rPr>
+              <a:t>SD XL</a:t>
+            </a:r>
+            <a:r>
+              <a:rPr lang="en-US" altLang="ja-JP" b="0" i="0" u="none" strike="noStrike" dirty="0">
+                <a:solidFill>
+                  <a:srgbClr val="909296"/>
+                </a:solidFill>
+                <a:effectLst/>
+                <a:latin typeface="-apple-system"/>
+              </a:rPr>
+              <a:t>v1.0 VAE fix</a:t>
+            </a:r>
+          </a:p>
+        </p:txBody>
+      </p:sp>
+      <p:sp>
+        <p:nvSpPr>
+          <p:cNvPr id="11" name="テキスト ボックス 10">
+            <a:extLst>
+              <a:ext uri="{FF2B5EF4-FFF2-40B4-BE49-F238E27FC236}">
+                <a16:creationId xmlns:a16="http://schemas.microsoft.com/office/drawing/2014/main" id="{A8A486BE-986E-9D0A-2C1C-01BAA35A1AF5}"/>
+              </a:ext>
+            </a:extLst>
+          </p:cNvPr>
+          <p:cNvSpPr txBox="1"/>
+          <p:nvPr/>
+        </p:nvSpPr>
+        <p:spPr>
+          <a:xfrm>
+            <a:off x="663102" y="374238"/>
+            <a:ext cx="3172834" cy="369332"/>
+          </a:xfrm>
+          <a:prstGeom prst="rect">
+            <a:avLst/>
+          </a:prstGeom>
+          <a:noFill/>
+        </p:spPr>
+        <p:txBody>
+          <a:bodyPr wrap="square">
+            <a:spAutoFit/>
+          </a:bodyPr>
+          <a:lstStyle/>
+          <a:p>
+            <a:r>
+              <a:rPr lang="en-US" altLang="ja-JP" b="0" i="0" u="none" strike="noStrike" dirty="0">
+                <a:effectLst/>
+                <a:latin typeface="-apple-system"/>
+                <a:hlinkClick r:id="rId3"/>
+              </a:rPr>
+              <a:t>Sacred Oil Painting Style</a:t>
+            </a:r>
+            <a:endParaRPr lang="ja-JP" altLang="en-US" dirty="0"/>
+          </a:p>
+        </p:txBody>
+      </p:sp>
+      <p:sp>
+        <p:nvSpPr>
+          <p:cNvPr id="15" name="テキスト ボックス 14">
+            <a:extLst>
+              <a:ext uri="{FF2B5EF4-FFF2-40B4-BE49-F238E27FC236}">
+                <a16:creationId xmlns:a16="http://schemas.microsoft.com/office/drawing/2014/main" id="{DADD27DD-716B-FF85-A985-A5382C2B065E}"/>
+              </a:ext>
+            </a:extLst>
+          </p:cNvPr>
+          <p:cNvSpPr txBox="1"/>
+          <p:nvPr/>
+        </p:nvSpPr>
+        <p:spPr>
+          <a:xfrm>
+            <a:off x="11896929" y="838863"/>
+            <a:ext cx="3429000" cy="646331"/>
+          </a:xfrm>
+          <a:prstGeom prst="rect">
+            <a:avLst/>
+          </a:prstGeom>
+          <a:noFill/>
+        </p:spPr>
+        <p:txBody>
+          <a:bodyPr wrap="square">
+            <a:spAutoFit/>
+          </a:bodyPr>
+          <a:lstStyle/>
+          <a:p>
+            <a:r>
+              <a:rPr lang="en-US" altLang="ja-JP" b="0" i="0" u="none" strike="noStrike" dirty="0" err="1">
+                <a:effectLst/>
+                <a:latin typeface="-apple-system"/>
+                <a:hlinkClick r:id="rId4"/>
+              </a:rPr>
+              <a:t>DreamShaper</a:t>
+            </a:r>
+            <a:endParaRPr lang="en-US" altLang="ja-JP" b="0" i="0" u="none" strike="noStrike" dirty="0">
+              <a:effectLst/>
+              <a:latin typeface="-apple-system"/>
+            </a:endParaRPr>
+          </a:p>
+          <a:p>
+            <a:r>
+              <a:rPr lang="en-US" altLang="ja-JP" dirty="0"/>
+              <a:t>Anime Screencap Style </a:t>
+            </a:r>
+            <a:r>
+              <a:rPr lang="en-US" altLang="ja-JP" dirty="0" err="1"/>
+              <a:t>LoRA</a:t>
+            </a:r>
+            <a:endParaRPr lang="en-US" altLang="ja-JP" dirty="0"/>
+          </a:p>
+        </p:txBody>
+      </p:sp>
+      <p:sp>
+        <p:nvSpPr>
+          <p:cNvPr id="17" name="テキスト ボックス 16">
+            <a:extLst>
+              <a:ext uri="{FF2B5EF4-FFF2-40B4-BE49-F238E27FC236}">
+                <a16:creationId xmlns:a16="http://schemas.microsoft.com/office/drawing/2014/main" id="{27484CA3-C291-9811-4D75-61F5C9792423}"/>
+              </a:ext>
+            </a:extLst>
+          </p:cNvPr>
+          <p:cNvSpPr txBox="1"/>
+          <p:nvPr/>
+        </p:nvSpPr>
+        <p:spPr>
+          <a:xfrm>
+            <a:off x="663102" y="5893036"/>
+            <a:ext cx="10498982" cy="646331"/>
+          </a:xfrm>
+          <a:prstGeom prst="rect">
+            <a:avLst/>
+          </a:prstGeom>
+          <a:noFill/>
+        </p:spPr>
+        <p:txBody>
+          <a:bodyPr wrap="square">
+            <a:spAutoFit/>
+          </a:bodyPr>
+          <a:lstStyle/>
+          <a:p>
+            <a:r>
+              <a:rPr lang="ja-JP" altLang="en-US" dirty="0"/>
+              <a:t>Bright spring day with pink cherry blossoms. A girl with large cherry blossom as glasses, petals like sunglasses around the eyes. Pink petals dancing in the wind for a dynamic touch. </a:t>
+            </a:r>
+          </a:p>
+        </p:txBody>
+      </p:sp>
+      <p:pic>
+        <p:nvPicPr>
+          <p:cNvPr id="19" name="図 18" descr="屋外, 人, 女性, 衣料 が含まれている画像&#10;&#10;自動的に生成された説明">
+            <a:extLst>
+              <a:ext uri="{FF2B5EF4-FFF2-40B4-BE49-F238E27FC236}">
+                <a16:creationId xmlns:a16="http://schemas.microsoft.com/office/drawing/2014/main" id="{64E2F2A9-7C26-4458-7AB5-B30DDC49AD16}"/>
+              </a:ext>
+            </a:extLst>
+          </p:cNvPr>
+          <p:cNvPicPr>
+            <a:picLocks noChangeAspect="1"/>
+          </p:cNvPicPr>
+          <p:nvPr/>
+        </p:nvPicPr>
+        <p:blipFill>
+          <a:blip r:embed="rId5">
+            <a:extLst>
+              <a:ext uri="{28A0092B-C50C-407E-A947-70E740481C1C}">
+                <a14:useLocalDpi xmlns:a14="http://schemas.microsoft.com/office/drawing/2010/main" val="0"/>
+              </a:ext>
+            </a:extLst>
+          </a:blip>
+          <a:stretch>
+            <a:fillRect/>
+          </a:stretch>
+        </p:blipFill>
+        <p:spPr>
+          <a:xfrm>
+            <a:off x="11896928" y="1572438"/>
+            <a:ext cx="3429000" cy="3429000"/>
+          </a:xfrm>
+          <a:prstGeom prst="rect">
+            <a:avLst/>
+          </a:prstGeom>
+        </p:spPr>
+      </p:pic>
+      <p:pic>
+        <p:nvPicPr>
+          <p:cNvPr id="21" name="図 20" descr="女性, 雨, 電話, 持つ が含まれている画像&#10;&#10;自動的に生成された説明">
+            <a:extLst>
+              <a:ext uri="{FF2B5EF4-FFF2-40B4-BE49-F238E27FC236}">
+                <a16:creationId xmlns:a16="http://schemas.microsoft.com/office/drawing/2014/main" id="{CC531CD7-7CCF-5A50-FDE5-1253B26D742B}"/>
+              </a:ext>
+            </a:extLst>
+          </p:cNvPr>
+          <p:cNvPicPr>
+            <a:picLocks noChangeAspect="1"/>
+          </p:cNvPicPr>
+          <p:nvPr/>
+        </p:nvPicPr>
+        <p:blipFill>
+          <a:blip r:embed="rId6">
+            <a:extLst>
+              <a:ext uri="{28A0092B-C50C-407E-A947-70E740481C1C}">
+                <a14:useLocalDpi xmlns:a14="http://schemas.microsoft.com/office/drawing/2010/main" val="0"/>
+              </a:ext>
+            </a:extLst>
+          </a:blip>
+          <a:stretch>
+            <a:fillRect/>
+          </a:stretch>
+        </p:blipFill>
+        <p:spPr>
+          <a:xfrm>
+            <a:off x="4188567" y="1013327"/>
+            <a:ext cx="3429000" cy="3429000"/>
+          </a:xfrm>
+          <a:prstGeom prst="rect">
+            <a:avLst/>
+          </a:prstGeom>
+        </p:spPr>
+      </p:pic>
+      <p:pic>
+        <p:nvPicPr>
+          <p:cNvPr id="23" name="図 22" descr="人, ピンク, 女の子, 女性 が含まれている画像&#10;&#10;自動的に生成された説明">
+            <a:extLst>
+              <a:ext uri="{FF2B5EF4-FFF2-40B4-BE49-F238E27FC236}">
+                <a16:creationId xmlns:a16="http://schemas.microsoft.com/office/drawing/2014/main" id="{164CDF0C-F473-4A14-08F0-6766798A4557}"/>
+              </a:ext>
+            </a:extLst>
+          </p:cNvPr>
+          <p:cNvPicPr>
+            <a:picLocks noChangeAspect="1"/>
+          </p:cNvPicPr>
+          <p:nvPr/>
+        </p:nvPicPr>
+        <p:blipFill>
+          <a:blip r:embed="rId7">
+            <a:extLst>
+              <a:ext uri="{28A0092B-C50C-407E-A947-70E740481C1C}">
+                <a14:useLocalDpi xmlns:a14="http://schemas.microsoft.com/office/drawing/2010/main" val="0"/>
+              </a:ext>
+            </a:extLst>
+          </a:blip>
+          <a:stretch>
+            <a:fillRect/>
+          </a:stretch>
+        </p:blipFill>
+        <p:spPr>
+          <a:xfrm>
+            <a:off x="663102" y="1013327"/>
+            <a:ext cx="3429000" cy="3429000"/>
+          </a:xfrm>
+          <a:prstGeom prst="rect">
+            <a:avLst/>
+          </a:prstGeom>
+        </p:spPr>
+      </p:pic>
+      <p:pic>
+        <p:nvPicPr>
+          <p:cNvPr id="25" name="図 24" descr="屋外, 人, 女性, 女の子 が含まれている画像&#10;&#10;自動的に生成された説明">
+            <a:extLst>
+              <a:ext uri="{FF2B5EF4-FFF2-40B4-BE49-F238E27FC236}">
+                <a16:creationId xmlns:a16="http://schemas.microsoft.com/office/drawing/2014/main" id="{8EDCC40B-FC47-FD68-133D-FC191BC73EA1}"/>
+              </a:ext>
+            </a:extLst>
+          </p:cNvPr>
+          <p:cNvPicPr>
+            <a:picLocks noChangeAspect="1"/>
+          </p:cNvPicPr>
+          <p:nvPr/>
+        </p:nvPicPr>
+        <p:blipFill>
+          <a:blip r:embed="rId8">
+            <a:extLst>
+              <a:ext uri="{28A0092B-C50C-407E-A947-70E740481C1C}">
+                <a14:useLocalDpi xmlns:a14="http://schemas.microsoft.com/office/drawing/2010/main" val="0"/>
+              </a:ext>
+            </a:extLst>
+          </a:blip>
+          <a:stretch>
+            <a:fillRect/>
+          </a:stretch>
+        </p:blipFill>
+        <p:spPr>
+          <a:xfrm>
+            <a:off x="7723760" y="1013327"/>
+            <a:ext cx="3441731" cy="3441731"/>
+          </a:xfrm>
+          <a:prstGeom prst="rect">
+            <a:avLst/>
+          </a:prstGeom>
+        </p:spPr>
+      </p:pic>
+      <p:sp>
+        <p:nvSpPr>
+          <p:cNvPr id="27" name="テキスト ボックス 26">
+            <a:extLst>
+              <a:ext uri="{FF2B5EF4-FFF2-40B4-BE49-F238E27FC236}">
+                <a16:creationId xmlns:a16="http://schemas.microsoft.com/office/drawing/2014/main" id="{61325AEA-7621-635E-5F06-47AC77D04E9C}"/>
+              </a:ext>
+            </a:extLst>
+          </p:cNvPr>
+          <p:cNvSpPr txBox="1"/>
+          <p:nvPr/>
+        </p:nvSpPr>
+        <p:spPr>
+          <a:xfrm>
+            <a:off x="7723760" y="487774"/>
+            <a:ext cx="3159625" cy="369332"/>
+          </a:xfrm>
+          <a:prstGeom prst="rect">
+            <a:avLst/>
+          </a:prstGeom>
+          <a:noFill/>
+        </p:spPr>
+        <p:txBody>
+          <a:bodyPr wrap="square">
+            <a:spAutoFit/>
+          </a:bodyPr>
+          <a:lstStyle/>
+          <a:p>
+            <a:pPr algn="l"/>
+            <a:r>
+              <a:rPr lang="en-US" altLang="ja-JP" b="1" i="0" dirty="0">
+                <a:solidFill>
+                  <a:srgbClr val="C1C2C5"/>
+                </a:solidFill>
+                <a:effectLst/>
+                <a:latin typeface="-apple-system"/>
+              </a:rPr>
+              <a:t>Anime SDXL (OPTION ONE)</a:t>
+            </a:r>
+            <a:endParaRPr lang="ja-JP" altLang="en-US" dirty="0"/>
+          </a:p>
+        </p:txBody>
+      </p:sp>
+      <p:sp>
+        <p:nvSpPr>
+          <p:cNvPr id="29" name="テキスト ボックス 28">
+            <a:extLst>
+              <a:ext uri="{FF2B5EF4-FFF2-40B4-BE49-F238E27FC236}">
+                <a16:creationId xmlns:a16="http://schemas.microsoft.com/office/drawing/2014/main" id="{7536B8F8-F3AC-A4CF-5A18-D309C7616954}"/>
+              </a:ext>
+            </a:extLst>
+          </p:cNvPr>
+          <p:cNvSpPr txBox="1"/>
+          <p:nvPr/>
+        </p:nvSpPr>
+        <p:spPr>
+          <a:xfrm>
+            <a:off x="4188567" y="487774"/>
+            <a:ext cx="3441731" cy="369332"/>
+          </a:xfrm>
+          <a:prstGeom prst="rect">
+            <a:avLst/>
+          </a:prstGeom>
+          <a:noFill/>
+        </p:spPr>
+        <p:txBody>
+          <a:bodyPr wrap="square">
+            <a:spAutoFit/>
+          </a:bodyPr>
+          <a:lstStyle/>
+          <a:p>
+            <a:r>
+              <a:rPr lang="en-US" altLang="ja-JP" b="1" u="none" strike="noStrike" dirty="0">
+                <a:effectLst/>
+                <a:latin typeface="-apple-system"/>
+              </a:rPr>
+              <a:t>Liquid Flow Style [</a:t>
+            </a:r>
+            <a:r>
+              <a:rPr lang="en-US" altLang="ja-JP" b="1" u="none" strike="noStrike" dirty="0" err="1">
+                <a:effectLst/>
+                <a:latin typeface="-apple-system"/>
+              </a:rPr>
+              <a:t>LoRA</a:t>
+            </a:r>
+            <a:r>
+              <a:rPr lang="en-US" altLang="ja-JP" b="1" u="none" strike="noStrike" dirty="0">
+                <a:effectLst/>
+                <a:latin typeface="-apple-system"/>
+              </a:rPr>
+              <a:t> 1.5+SDXL]</a:t>
+            </a:r>
+            <a:endParaRPr lang="ja-JP" altLang="en-US" dirty="0"/>
+          </a:p>
+        </p:txBody>
+      </p:sp>
+      <p:sp>
+        <p:nvSpPr>
+          <p:cNvPr id="30" name="テキスト ボックス 29">
+            <a:extLst>
+              <a:ext uri="{FF2B5EF4-FFF2-40B4-BE49-F238E27FC236}">
+                <a16:creationId xmlns:a16="http://schemas.microsoft.com/office/drawing/2014/main" id="{03FB0367-7979-35F0-1CBB-671DFEE11DBF}"/>
+              </a:ext>
+            </a:extLst>
+          </p:cNvPr>
+          <p:cNvSpPr txBox="1"/>
+          <p:nvPr/>
+        </p:nvSpPr>
+        <p:spPr>
+          <a:xfrm>
+            <a:off x="663102" y="4533816"/>
+            <a:ext cx="3429001" cy="369332"/>
+          </a:xfrm>
+          <a:prstGeom prst="rect">
+            <a:avLst/>
+          </a:prstGeom>
+          <a:noFill/>
+        </p:spPr>
+        <p:txBody>
+          <a:bodyPr wrap="square">
+            <a:spAutoFit/>
+          </a:bodyPr>
+          <a:lstStyle/>
+          <a:p>
+            <a:pPr algn="ctr"/>
+            <a:r>
+              <a:rPr lang="en-US" altLang="ja-JP" dirty="0">
+                <a:latin typeface="-apple-system"/>
+              </a:rPr>
+              <a:t>(a) </a:t>
+            </a:r>
+            <a:r>
+              <a:rPr lang="ja-JP" altLang="en-US" dirty="0">
+                <a:latin typeface="-apple-system"/>
+              </a:rPr>
+              <a:t>油彩画風</a:t>
+            </a:r>
+            <a:endParaRPr lang="en-US" altLang="ja-JP" dirty="0"/>
+          </a:p>
+        </p:txBody>
+      </p:sp>
+      <p:sp>
+        <p:nvSpPr>
+          <p:cNvPr id="31" name="テキスト ボックス 30">
+            <a:extLst>
+              <a:ext uri="{FF2B5EF4-FFF2-40B4-BE49-F238E27FC236}">
+                <a16:creationId xmlns:a16="http://schemas.microsoft.com/office/drawing/2014/main" id="{09DB3D25-515E-B56A-54A5-C6EB8A95CD5D}"/>
+              </a:ext>
+            </a:extLst>
+          </p:cNvPr>
+          <p:cNvSpPr txBox="1"/>
+          <p:nvPr/>
+        </p:nvSpPr>
+        <p:spPr>
+          <a:xfrm>
+            <a:off x="4188566" y="4533816"/>
+            <a:ext cx="3429001" cy="369332"/>
+          </a:xfrm>
+          <a:prstGeom prst="rect">
+            <a:avLst/>
+          </a:prstGeom>
+          <a:noFill/>
+        </p:spPr>
+        <p:txBody>
+          <a:bodyPr wrap="square">
+            <a:spAutoFit/>
+          </a:bodyPr>
+          <a:lstStyle/>
+          <a:p>
+            <a:pPr algn="ctr"/>
+            <a:r>
+              <a:rPr lang="en-US" altLang="ja-JP" dirty="0">
+                <a:latin typeface="-apple-system"/>
+              </a:rPr>
+              <a:t>(b) </a:t>
+            </a:r>
+            <a:r>
+              <a:rPr lang="ja-JP" altLang="en-US" dirty="0">
+                <a:latin typeface="-apple-system"/>
+              </a:rPr>
+              <a:t>液体がはじけ飛ぶ画風</a:t>
+            </a:r>
+            <a:endParaRPr lang="ja-JP" altLang="en-US" dirty="0"/>
+          </a:p>
+        </p:txBody>
+      </p:sp>
+      <p:sp>
+        <p:nvSpPr>
+          <p:cNvPr id="32" name="テキスト ボックス 31">
+            <a:extLst>
+              <a:ext uri="{FF2B5EF4-FFF2-40B4-BE49-F238E27FC236}">
+                <a16:creationId xmlns:a16="http://schemas.microsoft.com/office/drawing/2014/main" id="{CAEA0857-1D1B-C3B6-ACEE-B2AC7C6D3D29}"/>
+              </a:ext>
+            </a:extLst>
+          </p:cNvPr>
+          <p:cNvSpPr txBox="1"/>
+          <p:nvPr/>
+        </p:nvSpPr>
+        <p:spPr>
+          <a:xfrm>
+            <a:off x="7714030" y="4533816"/>
+            <a:ext cx="3429001" cy="369332"/>
+          </a:xfrm>
+          <a:prstGeom prst="rect">
+            <a:avLst/>
+          </a:prstGeom>
+          <a:noFill/>
+        </p:spPr>
+        <p:txBody>
+          <a:bodyPr wrap="square">
+            <a:spAutoFit/>
+          </a:bodyPr>
+          <a:lstStyle/>
+          <a:p>
+            <a:pPr algn="ctr"/>
+            <a:r>
+              <a:rPr lang="en-US" altLang="ja-JP" dirty="0">
+                <a:latin typeface="-apple-system"/>
+              </a:rPr>
+              <a:t>(c)</a:t>
+            </a:r>
+            <a:r>
+              <a:rPr lang="ja-JP" altLang="en-US" dirty="0">
+                <a:latin typeface="-apple-system"/>
+              </a:rPr>
+              <a:t>アニメ画風</a:t>
+            </a:r>
+            <a:endParaRPr lang="ja-JP" altLang="en-US" dirty="0"/>
+          </a:p>
+        </p:txBody>
+      </p:sp>
+      <p:sp>
+        <p:nvSpPr>
+          <p:cNvPr id="33" name="テキスト ボックス 32">
+            <a:extLst>
+              <a:ext uri="{FF2B5EF4-FFF2-40B4-BE49-F238E27FC236}">
+                <a16:creationId xmlns:a16="http://schemas.microsoft.com/office/drawing/2014/main" id="{17850946-8B37-98DF-39DE-160049FB46F3}"/>
+              </a:ext>
+            </a:extLst>
+          </p:cNvPr>
+          <p:cNvSpPr txBox="1"/>
+          <p:nvPr/>
+        </p:nvSpPr>
+        <p:spPr>
+          <a:xfrm>
+            <a:off x="663102" y="5152743"/>
+            <a:ext cx="3429001" cy="646331"/>
+          </a:xfrm>
+          <a:prstGeom prst="rect">
+            <a:avLst/>
+          </a:prstGeom>
+          <a:noFill/>
+        </p:spPr>
+        <p:txBody>
+          <a:bodyPr wrap="square">
+            <a:spAutoFit/>
+          </a:bodyPr>
+          <a:lstStyle/>
+          <a:p>
+            <a:pPr algn="ctr"/>
+            <a:r>
+              <a:rPr lang="ja-JP" altLang="en-US" dirty="0">
+                <a:latin typeface="-apple-system"/>
+              </a:rPr>
+              <a:t>油彩画風</a:t>
+            </a:r>
+            <a:endParaRPr lang="en-US" altLang="ja-JP" dirty="0">
+              <a:latin typeface="-apple-system"/>
+            </a:endParaRPr>
+          </a:p>
+          <a:p>
+            <a:pPr algn="ctr"/>
+            <a:r>
+              <a:rPr lang="en-US" altLang="ja-JP" dirty="0"/>
+              <a:t>(Sacred Oil Painting Style)</a:t>
+            </a:r>
+          </a:p>
+        </p:txBody>
+      </p:sp>
+      <p:sp>
+        <p:nvSpPr>
+          <p:cNvPr id="34" name="テキスト ボックス 33">
+            <a:extLst>
+              <a:ext uri="{FF2B5EF4-FFF2-40B4-BE49-F238E27FC236}">
+                <a16:creationId xmlns:a16="http://schemas.microsoft.com/office/drawing/2014/main" id="{206766AF-41D0-A260-B080-E69C17DBECA5}"/>
+              </a:ext>
+            </a:extLst>
+          </p:cNvPr>
+          <p:cNvSpPr txBox="1"/>
+          <p:nvPr/>
+        </p:nvSpPr>
+        <p:spPr>
+          <a:xfrm>
+            <a:off x="4188566" y="5152743"/>
+            <a:ext cx="3429001" cy="646331"/>
+          </a:xfrm>
+          <a:prstGeom prst="rect">
+            <a:avLst/>
+          </a:prstGeom>
+          <a:noFill/>
+        </p:spPr>
+        <p:txBody>
+          <a:bodyPr wrap="square">
+            <a:spAutoFit/>
+          </a:bodyPr>
+          <a:lstStyle/>
+          <a:p>
+            <a:pPr algn="ctr"/>
+            <a:r>
+              <a:rPr lang="ja-JP" altLang="en-US" dirty="0">
+                <a:latin typeface="-apple-system"/>
+              </a:rPr>
+              <a:t>液体がはじけ飛ぶ画風</a:t>
+            </a:r>
+            <a:endParaRPr lang="en-US" altLang="ja-JP" dirty="0">
+              <a:latin typeface="-apple-system"/>
+            </a:endParaRPr>
+          </a:p>
+          <a:p>
+            <a:pPr algn="ctr"/>
+            <a:r>
+              <a:rPr lang="en-US" altLang="ja-JP" dirty="0">
+                <a:latin typeface="-apple-system"/>
+              </a:rPr>
+              <a:t>(Liquid Flow Style)</a:t>
+            </a:r>
+            <a:endParaRPr lang="ja-JP" altLang="en-US" dirty="0"/>
+          </a:p>
+        </p:txBody>
+      </p:sp>
+      <p:sp>
+        <p:nvSpPr>
+          <p:cNvPr id="35" name="テキスト ボックス 34">
+            <a:extLst>
+              <a:ext uri="{FF2B5EF4-FFF2-40B4-BE49-F238E27FC236}">
+                <a16:creationId xmlns:a16="http://schemas.microsoft.com/office/drawing/2014/main" id="{B69E9D04-EA97-8AEE-C73C-BF833232D8C3}"/>
+              </a:ext>
+            </a:extLst>
+          </p:cNvPr>
+          <p:cNvSpPr txBox="1"/>
+          <p:nvPr/>
+        </p:nvSpPr>
+        <p:spPr>
+          <a:xfrm>
+            <a:off x="7714030" y="5177757"/>
+            <a:ext cx="3429001" cy="646331"/>
+          </a:xfrm>
+          <a:prstGeom prst="rect">
+            <a:avLst/>
+          </a:prstGeom>
+          <a:noFill/>
+        </p:spPr>
+        <p:txBody>
+          <a:bodyPr wrap="square">
+            <a:spAutoFit/>
+          </a:bodyPr>
+          <a:lstStyle/>
+          <a:p>
+            <a:pPr algn="ctr"/>
+            <a:r>
+              <a:rPr lang="ja-JP" altLang="en-US" dirty="0">
+                <a:latin typeface="-apple-system"/>
+              </a:rPr>
+              <a:t>アニメ画風</a:t>
+            </a:r>
+            <a:endParaRPr lang="en-US" altLang="ja-JP" dirty="0">
+              <a:latin typeface="-apple-system"/>
+            </a:endParaRPr>
+          </a:p>
+          <a:p>
+            <a:pPr algn="ctr"/>
+            <a:r>
+              <a:rPr lang="en-US" altLang="ja-JP" dirty="0"/>
+              <a:t>(Anime SDXL)</a:t>
+            </a:r>
+            <a:endParaRPr lang="ja-JP" altLang="en-US" dirty="0"/>
+          </a:p>
+        </p:txBody>
+      </p:sp>
+    </p:spTree>
+    <p:extLst>
+      <p:ext uri="{BB962C8B-B14F-4D97-AF65-F5344CB8AC3E}">
+        <p14:creationId xmlns:p14="http://schemas.microsoft.com/office/powerpoint/2010/main" val="87322769"/>
+      </p:ext>
+    </p:extLst>
+  </p:cSld>
+  <p:clrMapOvr>
+    <a:masterClrMapping/>
+  </p:clrMapOvr>
+</p:sld>
+</file>
+
+<file path=ppt/slides/slide9.xml><?xml version="1.0" encoding="utf-8"?>
+<p:sld xmlns:a="http://schemas.openxmlformats.org/drawingml/2006/main" xmlns:r="http://schemas.openxmlformats.org/officeDocument/2006/relationships" xmlns:p="http://schemas.openxmlformats.org/presentationml/2006/main">
+  <p:cSld>
+    <p:spTree>
+      <p:nvGrpSpPr>
+        <p:cNvPr id="1" name=""/>
+        <p:cNvGrpSpPr/>
+        <p:nvPr/>
+      </p:nvGrpSpPr>
+      <p:grpSpPr>
+        <a:xfrm>
+          <a:off x="0" y="0"/>
+          <a:ext cx="0" cy="0"/>
+          <a:chOff x="0" y="0"/>
+          <a:chExt cx="0" cy="0"/>
+        </a:xfrm>
+      </p:grpSpPr>
+      <p:sp>
+        <p:nvSpPr>
+          <p:cNvPr id="4" name="四角形: 1 つの角を切り取る 3">
+            <a:extLst>
+              <a:ext uri="{FF2B5EF4-FFF2-40B4-BE49-F238E27FC236}">
+                <a16:creationId xmlns:a16="http://schemas.microsoft.com/office/drawing/2014/main" id="{4EAC34E6-65FF-9773-5A1D-3AACEEF17224}"/>
+              </a:ext>
+            </a:extLst>
+          </p:cNvPr>
+          <p:cNvSpPr/>
+          <p:nvPr/>
+        </p:nvSpPr>
+        <p:spPr>
+          <a:xfrm>
+            <a:off x="588786" y="836579"/>
+            <a:ext cx="3584380" cy="5184842"/>
+          </a:xfrm>
+          <a:prstGeom prst="snip1Rect">
+            <a:avLst>
+              <a:gd name="adj" fmla="val 0"/>
+            </a:avLst>
+          </a:prstGeom>
+          <a:noFill/>
+          <a:ln w="76200">
+            <a:solidFill>
+              <a:schemeClr val="tx1">
+                <a:lumMod val="50000"/>
+                <a:lumOff val="50000"/>
+              </a:schemeClr>
+            </a:solidFill>
+          </a:ln>
+        </p:spPr>
+        <p:style>
+          <a:lnRef idx="2">
+            <a:schemeClr val="accent1">
+              <a:shade val="15000"/>
+            </a:schemeClr>
+          </a:lnRef>
+          <a:fillRef idx="1">
+            <a:schemeClr val="accent1"/>
+          </a:fillRef>
+          <a:effectRef idx="0">
+            <a:schemeClr val="accent1"/>
+          </a:effectRef>
+          <a:fontRef idx="minor">
+            <a:schemeClr val="lt1"/>
+          </a:fontRef>
+        </p:style>
+        <p:txBody>
+          <a:bodyPr rtlCol="0" anchor="ctr"/>
+          <a:lstStyle/>
+          <a:p>
+            <a:pPr algn="ctr"/>
+            <a:endParaRPr kumimoji="1" lang="ja-JP" altLang="en-US"/>
+          </a:p>
+        </p:txBody>
+      </p:sp>
+      <p:pic>
+        <p:nvPicPr>
+          <p:cNvPr id="9" name="図 8">
+            <a:extLst>
+              <a:ext uri="{FF2B5EF4-FFF2-40B4-BE49-F238E27FC236}">
+                <a16:creationId xmlns:a16="http://schemas.microsoft.com/office/drawing/2014/main" id="{78E937A8-A75B-C399-4B22-9BB0165B3FF8}"/>
+              </a:ext>
+            </a:extLst>
+          </p:cNvPr>
+          <p:cNvPicPr>
+            <a:picLocks noChangeAspect="1"/>
+          </p:cNvPicPr>
+          <p:nvPr/>
+        </p:nvPicPr>
+        <p:blipFill rotWithShape="1">
+          <a:blip r:embed="rId2">
+            <a:extLst>
+              <a:ext uri="{BEBA8EAE-BF5A-486C-A8C5-ECC9F3942E4B}">
+                <a14:imgProps xmlns:a14="http://schemas.microsoft.com/office/drawing/2010/main">
+                  <a14:imgLayer r:embed="rId3">
+                    <a14:imgEffect>
+                      <a14:artisticBlur/>
+                    </a14:imgEffect>
+                  </a14:imgLayer>
+                </a14:imgProps>
+              </a:ext>
+            </a:extLst>
+          </a:blip>
+          <a:srcRect b="35713"/>
+          <a:stretch/>
+        </p:blipFill>
+        <p:spPr>
+          <a:xfrm>
+            <a:off x="841705" y="994905"/>
+            <a:ext cx="3078542" cy="3129623"/>
+          </a:xfrm>
+          <a:prstGeom prst="rect">
+            <a:avLst/>
+          </a:prstGeom>
+        </p:spPr>
+      </p:pic>
+      <p:pic>
+        <p:nvPicPr>
+          <p:cNvPr id="10" name="図 9">
+            <a:extLst>
+              <a:ext uri="{FF2B5EF4-FFF2-40B4-BE49-F238E27FC236}">
+                <a16:creationId xmlns:a16="http://schemas.microsoft.com/office/drawing/2014/main" id="{5EA995A1-DF18-91C7-2362-A661B14CE363}"/>
+              </a:ext>
+            </a:extLst>
+          </p:cNvPr>
+          <p:cNvPicPr>
+            <a:picLocks noChangeAspect="1"/>
+          </p:cNvPicPr>
+          <p:nvPr/>
+        </p:nvPicPr>
+        <p:blipFill rotWithShape="1">
+          <a:blip r:embed="rId2">
+            <a:extLst>
+              <a:ext uri="{BEBA8EAE-BF5A-486C-A8C5-ECC9F3942E4B}">
+                <a14:imgProps xmlns:a14="http://schemas.microsoft.com/office/drawing/2010/main">
+                  <a14:imgLayer r:embed="rId3">
+                    <a14:imgEffect>
+                      <a14:artisticBlur/>
+                    </a14:imgEffect>
+                  </a14:imgLayer>
+                </a14:imgProps>
+              </a:ext>
+            </a:extLst>
+          </a:blip>
+          <a:srcRect t="27176" b="35713"/>
+          <a:stretch/>
+        </p:blipFill>
+        <p:spPr>
+          <a:xfrm>
+            <a:off x="841705" y="4124528"/>
+            <a:ext cx="3078542" cy="1806661"/>
+          </a:xfrm>
+          <a:prstGeom prst="rect">
+            <a:avLst/>
+          </a:prstGeom>
+        </p:spPr>
+      </p:pic>
+      <p:sp>
+        <p:nvSpPr>
+          <p:cNvPr id="15" name="吹き出し: 角を丸めた四角形 14">
+            <a:extLst>
+              <a:ext uri="{FF2B5EF4-FFF2-40B4-BE49-F238E27FC236}">
+                <a16:creationId xmlns:a16="http://schemas.microsoft.com/office/drawing/2014/main" id="{7512C0FF-4FC2-C719-1F62-D64F9B6C5B81}"/>
+              </a:ext>
+            </a:extLst>
+          </p:cNvPr>
+          <p:cNvSpPr/>
+          <p:nvPr/>
+        </p:nvSpPr>
+        <p:spPr>
+          <a:xfrm>
+            <a:off x="2071150" y="977528"/>
+            <a:ext cx="5133642" cy="564204"/>
+          </a:xfrm>
+          <a:prstGeom prst="wedgeRoundRectCallout">
+            <a:avLst>
+              <a:gd name="adj1" fmla="val -47416"/>
+              <a:gd name="adj2" fmla="val -18094"/>
+              <a:gd name="adj3" fmla="val 16667"/>
+            </a:avLst>
+          </a:prstGeom>
+          <a:solidFill>
+            <a:schemeClr val="bg1"/>
+          </a:solidFill>
+          <a:ln w="38100">
+            <a:solidFill>
+              <a:schemeClr val="accent1"/>
+            </a:solidFill>
+          </a:ln>
+        </p:spPr>
+        <p:style>
+          <a:lnRef idx="2">
+            <a:schemeClr val="accent1">
+              <a:shade val="15000"/>
+            </a:schemeClr>
+          </a:lnRef>
+          <a:fillRef idx="1">
+            <a:schemeClr val="accent1"/>
+          </a:fillRef>
+          <a:effectRef idx="0">
+            <a:schemeClr val="accent1"/>
+          </a:effectRef>
+          <a:fontRef idx="minor">
+            <a:schemeClr val="lt1"/>
+          </a:fontRef>
+        </p:style>
+        <p:txBody>
+          <a:bodyPr rtlCol="0" anchor="ctr"/>
+          <a:lstStyle/>
+          <a:p>
+            <a:pPr algn="ctr"/>
+            <a:endParaRPr kumimoji="1" lang="ja-JP" altLang="en-US"/>
+          </a:p>
+        </p:txBody>
+      </p:sp>
+      <p:sp>
+        <p:nvSpPr>
+          <p:cNvPr id="16" name="テキスト ボックス 15">
+            <a:extLst>
+              <a:ext uri="{FF2B5EF4-FFF2-40B4-BE49-F238E27FC236}">
+                <a16:creationId xmlns:a16="http://schemas.microsoft.com/office/drawing/2014/main" id="{FBFAAA47-AEAE-BC2B-F9B2-80D4C147D816}"/>
+              </a:ext>
+            </a:extLst>
+          </p:cNvPr>
+          <p:cNvSpPr txBox="1"/>
+          <p:nvPr/>
+        </p:nvSpPr>
+        <p:spPr>
+          <a:xfrm>
+            <a:off x="2071149" y="1028797"/>
+            <a:ext cx="5107771" cy="461665"/>
+          </a:xfrm>
+          <a:prstGeom prst="rect">
+            <a:avLst/>
+          </a:prstGeom>
+          <a:noFill/>
+        </p:spPr>
+        <p:txBody>
+          <a:bodyPr wrap="square">
+            <a:spAutoFit/>
+          </a:bodyPr>
+          <a:lstStyle/>
+          <a:p>
+            <a:r>
+              <a:rPr lang="en-US" altLang="ja-JP" sz="2400" b="1" dirty="0">
+                <a:solidFill>
+                  <a:srgbClr val="FF0000"/>
+                </a:solidFill>
+                <a:latin typeface="Meiryo UI" panose="020B0604030504040204" pitchFamily="50" charset="-128"/>
+                <a:ea typeface="Meiryo UI" panose="020B0604030504040204" pitchFamily="50" charset="-128"/>
+              </a:rPr>
+              <a:t>Bard</a:t>
+            </a:r>
+            <a:r>
+              <a:rPr lang="ja-JP" altLang="en-US" sz="2400" dirty="0">
+                <a:latin typeface="Meiryo UI" panose="020B0604030504040204" pitchFamily="50" charset="-128"/>
+                <a:ea typeface="Meiryo UI" panose="020B0604030504040204" pitchFamily="50" charset="-128"/>
+              </a:rPr>
+              <a:t>は</a:t>
+            </a:r>
+            <a:r>
+              <a:rPr lang="en-US" altLang="ja-JP" sz="2400" dirty="0">
+                <a:latin typeface="Meiryo UI" panose="020B0604030504040204" pitchFamily="50" charset="-128"/>
+                <a:ea typeface="Meiryo UI" panose="020B0604030504040204" pitchFamily="50" charset="-128"/>
+              </a:rPr>
+              <a:t>Google</a:t>
+            </a:r>
+            <a:r>
+              <a:rPr lang="ja-JP" altLang="en-US" sz="2400" dirty="0">
+                <a:latin typeface="Meiryo UI" panose="020B0604030504040204" pitchFamily="50" charset="-128"/>
+                <a:ea typeface="Meiryo UI" panose="020B0604030504040204" pitchFamily="50" charset="-128"/>
+              </a:rPr>
+              <a:t>が公開した生成</a:t>
+            </a:r>
+            <a:r>
+              <a:rPr lang="en-US" altLang="ja-JP" sz="2400" dirty="0">
+                <a:latin typeface="Meiryo UI" panose="020B0604030504040204" pitchFamily="50" charset="-128"/>
+                <a:ea typeface="Meiryo UI" panose="020B0604030504040204" pitchFamily="50" charset="-128"/>
+              </a:rPr>
+              <a:t>AI</a:t>
+            </a:r>
+            <a:r>
+              <a:rPr lang="ja-JP" altLang="en-US" sz="2400" dirty="0">
+                <a:latin typeface="Meiryo UI" panose="020B0604030504040204" pitchFamily="50" charset="-128"/>
+                <a:ea typeface="Meiryo UI" panose="020B0604030504040204" pitchFamily="50" charset="-128"/>
+              </a:rPr>
+              <a:t>で</a:t>
+            </a:r>
+            <a:r>
+              <a:rPr lang="en-US" altLang="ja-JP" sz="2400" dirty="0">
+                <a:latin typeface="Meiryo UI" panose="020B0604030504040204" pitchFamily="50" charset="-128"/>
+                <a:ea typeface="Meiryo UI" panose="020B0604030504040204" pitchFamily="50" charset="-128"/>
+              </a:rPr>
+              <a:t>…</a:t>
+            </a:r>
+          </a:p>
+        </p:txBody>
+      </p:sp>
+      <p:cxnSp>
+        <p:nvCxnSpPr>
+          <p:cNvPr id="18" name="直線矢印コネクタ 17">
+            <a:extLst>
+              <a:ext uri="{FF2B5EF4-FFF2-40B4-BE49-F238E27FC236}">
+                <a16:creationId xmlns:a16="http://schemas.microsoft.com/office/drawing/2014/main" id="{F5FB1016-A38B-B630-F5C0-7FA05AF55C90}"/>
+              </a:ext>
+            </a:extLst>
+          </p:cNvPr>
+          <p:cNvCxnSpPr>
+            <a:cxnSpLocks/>
+            <a:stCxn id="16" idx="1"/>
+          </p:cNvCxnSpPr>
+          <p:nvPr/>
+        </p:nvCxnSpPr>
+        <p:spPr>
+          <a:xfrm flipH="1">
+            <a:off x="1178769" y="1259630"/>
+            <a:ext cx="892380" cy="193040"/>
+          </a:xfrm>
+          <a:prstGeom prst="straightConnector1">
+            <a:avLst/>
+          </a:prstGeom>
+          <a:ln w="38100">
+            <a:headEnd type="none" w="med" len="med"/>
+            <a:tailEnd type="none" w="med" len="med"/>
+          </a:ln>
+        </p:spPr>
+        <p:style>
+          <a:lnRef idx="1">
+            <a:schemeClr val="accent1"/>
+          </a:lnRef>
+          <a:fillRef idx="0">
+            <a:schemeClr val="accent1"/>
+          </a:fillRef>
+          <a:effectRef idx="0">
+            <a:schemeClr val="accent1"/>
+          </a:effectRef>
+          <a:fontRef idx="minor">
+            <a:schemeClr val="tx1"/>
+          </a:fontRef>
+        </p:style>
+      </p:cxnSp>
+      <p:sp>
+        <p:nvSpPr>
+          <p:cNvPr id="20" name="吹き出し: 角を丸めた四角形 19">
+            <a:extLst>
+              <a:ext uri="{FF2B5EF4-FFF2-40B4-BE49-F238E27FC236}">
+                <a16:creationId xmlns:a16="http://schemas.microsoft.com/office/drawing/2014/main" id="{530495D4-D9D3-9065-DEBC-99D2250BEF4E}"/>
+              </a:ext>
+            </a:extLst>
+          </p:cNvPr>
+          <p:cNvSpPr/>
+          <p:nvPr/>
+        </p:nvSpPr>
+        <p:spPr>
+          <a:xfrm>
+            <a:off x="2230196" y="2306024"/>
+            <a:ext cx="5133642" cy="564204"/>
+          </a:xfrm>
+          <a:prstGeom prst="wedgeRoundRectCallout">
+            <a:avLst>
+              <a:gd name="adj1" fmla="val -47416"/>
+              <a:gd name="adj2" fmla="val -18094"/>
+              <a:gd name="adj3" fmla="val 16667"/>
+            </a:avLst>
+          </a:prstGeom>
+          <a:solidFill>
+            <a:schemeClr val="bg1"/>
+          </a:solidFill>
+          <a:ln w="38100">
+            <a:solidFill>
+              <a:schemeClr val="accent1"/>
+            </a:solidFill>
+          </a:ln>
+        </p:spPr>
+        <p:style>
+          <a:lnRef idx="2">
+            <a:schemeClr val="accent1">
+              <a:shade val="15000"/>
+            </a:schemeClr>
+          </a:lnRef>
+          <a:fillRef idx="1">
+            <a:schemeClr val="accent1"/>
+          </a:fillRef>
+          <a:effectRef idx="0">
+            <a:schemeClr val="accent1"/>
+          </a:effectRef>
+          <a:fontRef idx="minor">
+            <a:schemeClr val="lt1"/>
+          </a:fontRef>
+        </p:style>
+        <p:txBody>
+          <a:bodyPr rtlCol="0" anchor="ctr"/>
+          <a:lstStyle/>
+          <a:p>
+            <a:pPr algn="ctr"/>
+            <a:endParaRPr kumimoji="1" lang="ja-JP" altLang="en-US"/>
+          </a:p>
+        </p:txBody>
+      </p:sp>
+      <p:sp>
+        <p:nvSpPr>
+          <p:cNvPr id="21" name="テキスト ボックス 20">
+            <a:extLst>
+              <a:ext uri="{FF2B5EF4-FFF2-40B4-BE49-F238E27FC236}">
+                <a16:creationId xmlns:a16="http://schemas.microsoft.com/office/drawing/2014/main" id="{CE58A5DA-101F-D9D3-9820-F16D07DF7703}"/>
+              </a:ext>
+            </a:extLst>
+          </p:cNvPr>
+          <p:cNvSpPr txBox="1"/>
+          <p:nvPr/>
+        </p:nvSpPr>
+        <p:spPr>
+          <a:xfrm>
+            <a:off x="2230195" y="2357293"/>
+            <a:ext cx="5107771" cy="461665"/>
+          </a:xfrm>
+          <a:prstGeom prst="rect">
+            <a:avLst/>
+          </a:prstGeom>
+          <a:noFill/>
+        </p:spPr>
+        <p:txBody>
+          <a:bodyPr wrap="square">
+            <a:spAutoFit/>
+          </a:bodyPr>
+          <a:lstStyle/>
+          <a:p>
+            <a:r>
+              <a:rPr lang="ja-JP" altLang="en-US" sz="2400" b="1" dirty="0">
+                <a:solidFill>
+                  <a:srgbClr val="FF0000"/>
+                </a:solidFill>
+                <a:latin typeface="Meiryo UI" panose="020B0604030504040204" pitchFamily="50" charset="-128"/>
+                <a:ea typeface="Meiryo UI" panose="020B0604030504040204" pitchFamily="50" charset="-128"/>
+              </a:rPr>
+              <a:t>この生成</a:t>
+            </a:r>
+            <a:r>
+              <a:rPr lang="en-US" altLang="ja-JP" sz="2400" b="1" dirty="0">
+                <a:solidFill>
+                  <a:srgbClr val="FF0000"/>
+                </a:solidFill>
+                <a:latin typeface="Meiryo UI" panose="020B0604030504040204" pitchFamily="50" charset="-128"/>
+                <a:ea typeface="Meiryo UI" panose="020B0604030504040204" pitchFamily="50" charset="-128"/>
+              </a:rPr>
+              <a:t>AI</a:t>
+            </a:r>
+            <a:r>
+              <a:rPr lang="ja-JP" altLang="en-US" sz="2400" dirty="0">
+                <a:latin typeface="Meiryo UI" panose="020B0604030504040204" pitchFamily="50" charset="-128"/>
+                <a:ea typeface="Meiryo UI" panose="020B0604030504040204" pitchFamily="50" charset="-128"/>
+              </a:rPr>
+              <a:t>は画像入力にも対応し</a:t>
+            </a:r>
+            <a:r>
+              <a:rPr lang="en-US" altLang="ja-JP" sz="2400" dirty="0">
+                <a:latin typeface="Meiryo UI" panose="020B0604030504040204" pitchFamily="50" charset="-128"/>
+                <a:ea typeface="Meiryo UI" panose="020B0604030504040204" pitchFamily="50" charset="-128"/>
+              </a:rPr>
+              <a:t>…</a:t>
+            </a:r>
+          </a:p>
+        </p:txBody>
+      </p:sp>
+      <p:cxnSp>
+        <p:nvCxnSpPr>
+          <p:cNvPr id="22" name="直線矢印コネクタ 21">
+            <a:extLst>
+              <a:ext uri="{FF2B5EF4-FFF2-40B4-BE49-F238E27FC236}">
+                <a16:creationId xmlns:a16="http://schemas.microsoft.com/office/drawing/2014/main" id="{39D608F1-AC10-DDE0-C79B-F54C3E01A054}"/>
+              </a:ext>
+            </a:extLst>
+          </p:cNvPr>
+          <p:cNvCxnSpPr>
+            <a:cxnSpLocks/>
+            <a:stCxn id="21" idx="1"/>
+          </p:cNvCxnSpPr>
+          <p:nvPr/>
+        </p:nvCxnSpPr>
+        <p:spPr>
+          <a:xfrm flipH="1">
+            <a:off x="1570280" y="2588126"/>
+            <a:ext cx="659915" cy="172020"/>
+          </a:xfrm>
+          <a:prstGeom prst="straightConnector1">
+            <a:avLst/>
+          </a:prstGeom>
+          <a:ln w="38100">
+            <a:headEnd type="none" w="med" len="med"/>
+            <a:tailEnd type="none" w="med" len="med"/>
+          </a:ln>
+        </p:spPr>
+        <p:style>
+          <a:lnRef idx="1">
+            <a:schemeClr val="accent1"/>
+          </a:lnRef>
+          <a:fillRef idx="0">
+            <a:schemeClr val="accent1"/>
+          </a:fillRef>
+          <a:effectRef idx="0">
+            <a:schemeClr val="accent1"/>
+          </a:effectRef>
+          <a:fontRef idx="minor">
+            <a:schemeClr val="tx1"/>
+          </a:fontRef>
+        </p:style>
+      </p:cxnSp>
+      <p:sp>
+        <p:nvSpPr>
+          <p:cNvPr id="27" name="吹き出し: 角を丸めた四角形 26">
+            <a:extLst>
+              <a:ext uri="{FF2B5EF4-FFF2-40B4-BE49-F238E27FC236}">
+                <a16:creationId xmlns:a16="http://schemas.microsoft.com/office/drawing/2014/main" id="{4513CDD9-1C8C-4600-9ED8-984974749A87}"/>
+              </a:ext>
+            </a:extLst>
+          </p:cNvPr>
+          <p:cNvSpPr/>
+          <p:nvPr/>
+        </p:nvSpPr>
+        <p:spPr>
+          <a:xfrm>
+            <a:off x="3168653" y="3785422"/>
+            <a:ext cx="4286760" cy="564204"/>
+          </a:xfrm>
+          <a:prstGeom prst="wedgeRoundRectCallout">
+            <a:avLst>
+              <a:gd name="adj1" fmla="val -47416"/>
+              <a:gd name="adj2" fmla="val -18094"/>
+              <a:gd name="adj3" fmla="val 16667"/>
+            </a:avLst>
+          </a:prstGeom>
+          <a:solidFill>
+            <a:schemeClr val="bg1"/>
+          </a:solidFill>
+          <a:ln w="38100">
+            <a:solidFill>
+              <a:schemeClr val="accent1"/>
+            </a:solidFill>
+          </a:ln>
+        </p:spPr>
+        <p:style>
+          <a:lnRef idx="2">
+            <a:schemeClr val="accent1">
+              <a:shade val="15000"/>
+            </a:schemeClr>
+          </a:lnRef>
+          <a:fillRef idx="1">
+            <a:schemeClr val="accent1"/>
+          </a:fillRef>
+          <a:effectRef idx="0">
+            <a:schemeClr val="accent1"/>
+          </a:effectRef>
+          <a:fontRef idx="minor">
+            <a:schemeClr val="lt1"/>
+          </a:fontRef>
+        </p:style>
+        <p:txBody>
+          <a:bodyPr rtlCol="0" anchor="ctr"/>
+          <a:lstStyle/>
+          <a:p>
+            <a:pPr algn="ctr"/>
+            <a:endParaRPr kumimoji="1" lang="ja-JP" altLang="en-US"/>
+          </a:p>
+        </p:txBody>
+      </p:sp>
+      <p:sp>
+        <p:nvSpPr>
+          <p:cNvPr id="28" name="テキスト ボックス 27">
+            <a:extLst>
+              <a:ext uri="{FF2B5EF4-FFF2-40B4-BE49-F238E27FC236}">
+                <a16:creationId xmlns:a16="http://schemas.microsoft.com/office/drawing/2014/main" id="{67EB41E7-3057-4627-54FA-2FAAF93CE070}"/>
+              </a:ext>
+            </a:extLst>
+          </p:cNvPr>
+          <p:cNvSpPr txBox="1"/>
+          <p:nvPr/>
+        </p:nvSpPr>
+        <p:spPr>
+          <a:xfrm>
+            <a:off x="3168652" y="3836691"/>
+            <a:ext cx="4265157" cy="461665"/>
+          </a:xfrm>
+          <a:prstGeom prst="rect">
+            <a:avLst/>
+          </a:prstGeom>
+          <a:noFill/>
+        </p:spPr>
+        <p:txBody>
+          <a:bodyPr wrap="square">
+            <a:spAutoFit/>
+          </a:bodyPr>
+          <a:lstStyle/>
+          <a:p>
+            <a:r>
+              <a:rPr lang="ja-JP" altLang="en-US" sz="2400" b="1" dirty="0">
+                <a:solidFill>
+                  <a:srgbClr val="FF0000"/>
+                </a:solidFill>
+                <a:latin typeface="Meiryo UI" panose="020B0604030504040204" pitchFamily="50" charset="-128"/>
+                <a:ea typeface="Meiryo UI" panose="020B0604030504040204" pitchFamily="50" charset="-128"/>
+              </a:rPr>
+              <a:t>その</a:t>
+            </a:r>
+            <a:r>
+              <a:rPr lang="ja-JP" altLang="en-US" sz="2400" dirty="0">
+                <a:latin typeface="Meiryo UI" panose="020B0604030504040204" pitchFamily="50" charset="-128"/>
+                <a:ea typeface="Meiryo UI" panose="020B0604030504040204" pitchFamily="50" charset="-128"/>
+              </a:rPr>
+              <a:t>能力は進化を続け</a:t>
+            </a:r>
+            <a:r>
+              <a:rPr lang="en-US" altLang="ja-JP" sz="2400" dirty="0">
+                <a:latin typeface="Meiryo UI" panose="020B0604030504040204" pitchFamily="50" charset="-128"/>
+                <a:ea typeface="Meiryo UI" panose="020B0604030504040204" pitchFamily="50" charset="-128"/>
+              </a:rPr>
+              <a:t>…</a:t>
+            </a:r>
+          </a:p>
+        </p:txBody>
+      </p:sp>
+      <p:cxnSp>
+        <p:nvCxnSpPr>
+          <p:cNvPr id="29" name="直線矢印コネクタ 28">
+            <a:extLst>
+              <a:ext uri="{FF2B5EF4-FFF2-40B4-BE49-F238E27FC236}">
+                <a16:creationId xmlns:a16="http://schemas.microsoft.com/office/drawing/2014/main" id="{19309492-F5E2-95FA-C99A-590F699C6715}"/>
+              </a:ext>
+            </a:extLst>
+          </p:cNvPr>
+          <p:cNvCxnSpPr>
+            <a:cxnSpLocks/>
+            <a:stCxn id="28" idx="1"/>
+          </p:cNvCxnSpPr>
+          <p:nvPr/>
+        </p:nvCxnSpPr>
+        <p:spPr>
+          <a:xfrm flipH="1">
+            <a:off x="2343345" y="4067524"/>
+            <a:ext cx="825307" cy="213549"/>
+          </a:xfrm>
+          <a:prstGeom prst="straightConnector1">
+            <a:avLst/>
+          </a:prstGeom>
+          <a:ln w="38100">
+            <a:headEnd type="none" w="med" len="med"/>
+            <a:tailEnd type="none" w="med" len="med"/>
+          </a:ln>
+        </p:spPr>
+        <p:style>
+          <a:lnRef idx="1">
+            <a:schemeClr val="accent1"/>
+          </a:lnRef>
+          <a:fillRef idx="0">
+            <a:schemeClr val="accent1"/>
+          </a:fillRef>
+          <a:effectRef idx="0">
+            <a:schemeClr val="accent1"/>
+          </a:effectRef>
+          <a:fontRef idx="minor">
+            <a:schemeClr val="tx1"/>
+          </a:fontRef>
+        </p:style>
+      </p:cxnSp>
+      <p:sp>
+        <p:nvSpPr>
+          <p:cNvPr id="11" name="楕円 10">
+            <a:extLst>
+              <a:ext uri="{FF2B5EF4-FFF2-40B4-BE49-F238E27FC236}">
+                <a16:creationId xmlns:a16="http://schemas.microsoft.com/office/drawing/2014/main" id="{08F60383-CD9D-9D12-956C-087FF98A6303}"/>
+              </a:ext>
+            </a:extLst>
+          </p:cNvPr>
+          <p:cNvSpPr/>
+          <p:nvPr/>
+        </p:nvSpPr>
+        <p:spPr>
+          <a:xfrm>
+            <a:off x="929253" y="1167321"/>
+            <a:ext cx="593386" cy="593386"/>
+          </a:xfrm>
+          <a:prstGeom prst="ellipse">
+            <a:avLst/>
+          </a:prstGeom>
+          <a:solidFill>
+            <a:schemeClr val="bg1"/>
+          </a:solidFill>
+          <a:ln w="38100">
+            <a:solidFill>
+              <a:schemeClr val="accent1"/>
+            </a:solidFill>
+          </a:ln>
+        </p:spPr>
+        <p:style>
+          <a:lnRef idx="2">
+            <a:schemeClr val="accent1">
+              <a:shade val="15000"/>
+            </a:schemeClr>
+          </a:lnRef>
+          <a:fillRef idx="1">
+            <a:schemeClr val="accent1"/>
+          </a:fillRef>
+          <a:effectRef idx="0">
+            <a:schemeClr val="accent1"/>
+          </a:effectRef>
+          <a:fontRef idx="minor">
+            <a:schemeClr val="lt1"/>
+          </a:fontRef>
+        </p:style>
+        <p:txBody>
+          <a:bodyPr rtlCol="0" anchor="ctr"/>
+          <a:lstStyle/>
+          <a:p>
+            <a:pPr algn="ctr"/>
+            <a:endParaRPr kumimoji="1" lang="ja-JP" altLang="en-US"/>
+          </a:p>
+        </p:txBody>
+      </p:sp>
+      <p:sp>
+        <p:nvSpPr>
+          <p:cNvPr id="13" name="楕円 12">
+            <a:extLst>
+              <a:ext uri="{FF2B5EF4-FFF2-40B4-BE49-F238E27FC236}">
+                <a16:creationId xmlns:a16="http://schemas.microsoft.com/office/drawing/2014/main" id="{B196643F-2C5E-7F1C-220B-61FE02D35D2C}"/>
+              </a:ext>
+            </a:extLst>
+          </p:cNvPr>
+          <p:cNvSpPr/>
+          <p:nvPr/>
+        </p:nvSpPr>
+        <p:spPr>
+          <a:xfrm>
+            <a:off x="1301201" y="2478941"/>
+            <a:ext cx="593386" cy="593386"/>
+          </a:xfrm>
+          <a:prstGeom prst="ellipse">
+            <a:avLst/>
+          </a:prstGeom>
+          <a:solidFill>
+            <a:schemeClr val="bg1"/>
+          </a:solidFill>
+          <a:ln w="38100">
+            <a:solidFill>
+              <a:schemeClr val="accent1"/>
+            </a:solidFill>
+          </a:ln>
+        </p:spPr>
+        <p:style>
+          <a:lnRef idx="2">
+            <a:schemeClr val="accent1">
+              <a:shade val="15000"/>
+            </a:schemeClr>
+          </a:lnRef>
+          <a:fillRef idx="1">
+            <a:schemeClr val="accent1"/>
+          </a:fillRef>
+          <a:effectRef idx="0">
+            <a:schemeClr val="accent1"/>
+          </a:effectRef>
+          <a:fontRef idx="minor">
+            <a:schemeClr val="lt1"/>
+          </a:fontRef>
+        </p:style>
+        <p:txBody>
+          <a:bodyPr rtlCol="0" anchor="ctr"/>
+          <a:lstStyle/>
+          <a:p>
+            <a:pPr algn="ctr"/>
+            <a:endParaRPr kumimoji="1" lang="ja-JP" altLang="en-US"/>
+          </a:p>
+        </p:txBody>
+      </p:sp>
+      <p:sp>
+        <p:nvSpPr>
+          <p:cNvPr id="14" name="楕円 13">
+            <a:extLst>
+              <a:ext uri="{FF2B5EF4-FFF2-40B4-BE49-F238E27FC236}">
+                <a16:creationId xmlns:a16="http://schemas.microsoft.com/office/drawing/2014/main" id="{1D5405BA-871C-039D-8399-1D6CB5C72E58}"/>
+              </a:ext>
+            </a:extLst>
+          </p:cNvPr>
+          <p:cNvSpPr/>
+          <p:nvPr/>
+        </p:nvSpPr>
+        <p:spPr>
+          <a:xfrm>
+            <a:off x="2045371" y="3988907"/>
+            <a:ext cx="593386" cy="593386"/>
+          </a:xfrm>
+          <a:prstGeom prst="ellipse">
+            <a:avLst/>
+          </a:prstGeom>
+          <a:solidFill>
+            <a:schemeClr val="bg1"/>
+          </a:solidFill>
+          <a:ln w="38100">
+            <a:solidFill>
+              <a:schemeClr val="accent1"/>
+            </a:solidFill>
+          </a:ln>
+        </p:spPr>
+        <p:style>
+          <a:lnRef idx="2">
+            <a:schemeClr val="accent1">
+              <a:shade val="15000"/>
+            </a:schemeClr>
+          </a:lnRef>
+          <a:fillRef idx="1">
+            <a:schemeClr val="accent1"/>
+          </a:fillRef>
+          <a:effectRef idx="0">
+            <a:schemeClr val="accent1"/>
+          </a:effectRef>
+          <a:fontRef idx="minor">
+            <a:schemeClr val="lt1"/>
+          </a:fontRef>
+        </p:style>
+        <p:txBody>
+          <a:bodyPr rtlCol="0" anchor="ctr"/>
+          <a:lstStyle/>
+          <a:p>
+            <a:pPr algn="ctr"/>
+            <a:endParaRPr kumimoji="1" lang="ja-JP" altLang="en-US"/>
+          </a:p>
+        </p:txBody>
+      </p:sp>
+      <p:pic>
+        <p:nvPicPr>
+          <p:cNvPr id="8" name="Picture 14" descr="AI (エーアイ・人工知能） イメージイラストのイラスト素材 [FYI04644482] | ストックフォトのamanaimages PLUS">
+            <a:extLst>
+              <a:ext uri="{FF2B5EF4-FFF2-40B4-BE49-F238E27FC236}">
+                <a16:creationId xmlns:a16="http://schemas.microsoft.com/office/drawing/2014/main" id="{6DA69936-FF62-3BB1-A863-E09FF83BC8CF}"/>
+              </a:ext>
+            </a:extLst>
+          </p:cNvPr>
+          <p:cNvPicPr>
+            <a:picLocks noChangeAspect="1" noChangeArrowheads="1"/>
+          </p:cNvPicPr>
+          <p:nvPr/>
+        </p:nvPicPr>
+        <p:blipFill rotWithShape="1">
+          <a:blip r:embed="rId4">
+            <a:extLst>
+              <a:ext uri="{28A0092B-C50C-407E-A947-70E740481C1C}">
+                <a14:useLocalDpi xmlns:a14="http://schemas.microsoft.com/office/drawing/2010/main" val="0"/>
+              </a:ext>
+            </a:extLst>
+          </a:blip>
+          <a:srcRect t="14491" b="12397"/>
+          <a:stretch/>
+        </p:blipFill>
+        <p:spPr bwMode="auto">
+          <a:xfrm>
+            <a:off x="7790460" y="1616262"/>
+            <a:ext cx="1329275" cy="971863"/>
+          </a:xfrm>
+          <a:prstGeom prst="rect">
+            <a:avLst/>
+          </a:prstGeom>
+          <a:noFill/>
+          <a:extLst>
+            <a:ext uri="{909E8E84-426E-40DD-AFC4-6F175D3DCCD1}">
+              <a14:hiddenFill xmlns:a14="http://schemas.microsoft.com/office/drawing/2010/main">
+                <a:solidFill>
+                  <a:srgbClr val="FFFFFF"/>
+                </a:solidFill>
+              </a14:hiddenFill>
+            </a:ext>
+          </a:extLst>
+        </p:spPr>
+      </p:pic>
+      <p:sp>
+        <p:nvSpPr>
+          <p:cNvPr id="12" name="矢印: 右 11">
+            <a:extLst>
+              <a:ext uri="{FF2B5EF4-FFF2-40B4-BE49-F238E27FC236}">
+                <a16:creationId xmlns:a16="http://schemas.microsoft.com/office/drawing/2014/main" id="{2B456857-BB5A-2A98-8EAE-6FAB2E070B3A}"/>
+              </a:ext>
+            </a:extLst>
+          </p:cNvPr>
+          <p:cNvSpPr/>
+          <p:nvPr/>
+        </p:nvSpPr>
+        <p:spPr>
+          <a:xfrm>
+            <a:off x="8100038" y="2696810"/>
+            <a:ext cx="710120" cy="1401258"/>
+          </a:xfrm>
+          <a:prstGeom prst="rightArrow">
+            <a:avLst/>
+          </a:prstGeom>
+          <a:solidFill>
+            <a:schemeClr val="tx1">
+              <a:lumMod val="50000"/>
+              <a:lumOff val="50000"/>
+            </a:schemeClr>
+          </a:solidFill>
+          <a:ln>
+            <a:noFill/>
+          </a:ln>
+        </p:spPr>
+        <p:style>
+          <a:lnRef idx="2">
+            <a:schemeClr val="accent1">
+              <a:shade val="15000"/>
+            </a:schemeClr>
+          </a:lnRef>
+          <a:fillRef idx="1">
+            <a:schemeClr val="accent1"/>
+          </a:fillRef>
+          <a:effectRef idx="0">
+            <a:schemeClr val="accent1"/>
+          </a:effectRef>
+          <a:fontRef idx="minor">
+            <a:schemeClr val="lt1"/>
+          </a:fontRef>
+        </p:style>
+        <p:txBody>
+          <a:bodyPr rtlCol="0" anchor="ctr"/>
+          <a:lstStyle/>
+          <a:p>
+            <a:pPr algn="ctr"/>
+            <a:endParaRPr kumimoji="1" lang="ja-JP" altLang="en-US"/>
+          </a:p>
+        </p:txBody>
+      </p:sp>
+      <p:sp>
+        <p:nvSpPr>
+          <p:cNvPr id="19" name="テキスト ボックス 18">
+            <a:extLst>
+              <a:ext uri="{FF2B5EF4-FFF2-40B4-BE49-F238E27FC236}">
+                <a16:creationId xmlns:a16="http://schemas.microsoft.com/office/drawing/2014/main" id="{D9EFB5AA-AD04-DBC2-B7A9-457CE4AC4E08}"/>
+              </a:ext>
+            </a:extLst>
+          </p:cNvPr>
+          <p:cNvSpPr txBox="1"/>
+          <p:nvPr/>
+        </p:nvSpPr>
+        <p:spPr>
+          <a:xfrm>
+            <a:off x="9063077" y="2410634"/>
+            <a:ext cx="2432205" cy="1938992"/>
+          </a:xfrm>
+          <a:prstGeom prst="rect">
+            <a:avLst/>
+          </a:prstGeom>
+          <a:noFill/>
+        </p:spPr>
+        <p:txBody>
+          <a:bodyPr wrap="square">
+            <a:spAutoFit/>
+          </a:bodyPr>
+          <a:lstStyle/>
+          <a:p>
+            <a:pPr algn="ctr"/>
+            <a:r>
+              <a:rPr lang="ja-JP" altLang="en-US" sz="2400" b="1" dirty="0">
+                <a:solidFill>
+                  <a:srgbClr val="FF0000"/>
+                </a:solidFill>
+                <a:latin typeface="Meiryo UI" panose="020B0604030504040204" pitchFamily="50" charset="-128"/>
+                <a:ea typeface="Meiryo UI" panose="020B0604030504040204" pitchFamily="50" charset="-128"/>
+              </a:rPr>
+              <a:t>「その」</a:t>
+            </a:r>
+            <a:endParaRPr lang="en-US" altLang="ja-JP" sz="2400" b="1" dirty="0">
+              <a:solidFill>
+                <a:srgbClr val="FF0000"/>
+              </a:solidFill>
+              <a:latin typeface="Meiryo UI" panose="020B0604030504040204" pitchFamily="50" charset="-128"/>
+              <a:ea typeface="Meiryo UI" panose="020B0604030504040204" pitchFamily="50" charset="-128"/>
+            </a:endParaRPr>
+          </a:p>
+          <a:p>
+            <a:pPr algn="ctr"/>
+            <a:endParaRPr lang="en-US" altLang="ja-JP" sz="2400" b="1" dirty="0">
+              <a:solidFill>
+                <a:srgbClr val="FF0000"/>
+              </a:solidFill>
+              <a:latin typeface="Meiryo UI" panose="020B0604030504040204" pitchFamily="50" charset="-128"/>
+              <a:ea typeface="Meiryo UI" panose="020B0604030504040204" pitchFamily="50" charset="-128"/>
+            </a:endParaRPr>
+          </a:p>
+          <a:p>
+            <a:pPr algn="ctr"/>
+            <a:r>
+              <a:rPr lang="ja-JP" altLang="en-US" sz="2400" b="1" dirty="0">
+                <a:solidFill>
+                  <a:srgbClr val="FF0000"/>
+                </a:solidFill>
+                <a:latin typeface="Meiryo UI" panose="020B0604030504040204" pitchFamily="50" charset="-128"/>
+                <a:ea typeface="Meiryo UI" panose="020B0604030504040204" pitchFamily="50" charset="-128"/>
+              </a:rPr>
+              <a:t>「この生成</a:t>
+            </a:r>
+            <a:r>
+              <a:rPr lang="en-US" altLang="ja-JP" sz="2400" b="1" dirty="0">
+                <a:solidFill>
+                  <a:srgbClr val="FF0000"/>
+                </a:solidFill>
+                <a:latin typeface="Meiryo UI" panose="020B0604030504040204" pitchFamily="50" charset="-128"/>
+                <a:ea typeface="Meiryo UI" panose="020B0604030504040204" pitchFamily="50" charset="-128"/>
+              </a:rPr>
+              <a:t>AI</a:t>
+            </a:r>
+            <a:r>
+              <a:rPr lang="ja-JP" altLang="en-US" sz="2400" b="1" dirty="0">
+                <a:solidFill>
+                  <a:srgbClr val="FF0000"/>
+                </a:solidFill>
+                <a:latin typeface="Meiryo UI" panose="020B0604030504040204" pitchFamily="50" charset="-128"/>
+                <a:ea typeface="Meiryo UI" panose="020B0604030504040204" pitchFamily="50" charset="-128"/>
+              </a:rPr>
+              <a:t>」</a:t>
+            </a:r>
+            <a:endParaRPr lang="en-US" altLang="ja-JP" sz="2400" b="1" dirty="0">
+              <a:solidFill>
+                <a:srgbClr val="FF0000"/>
+              </a:solidFill>
+              <a:latin typeface="Meiryo UI" panose="020B0604030504040204" pitchFamily="50" charset="-128"/>
+              <a:ea typeface="Meiryo UI" panose="020B0604030504040204" pitchFamily="50" charset="-128"/>
+            </a:endParaRPr>
+          </a:p>
+          <a:p>
+            <a:pPr algn="ctr"/>
+            <a:endParaRPr lang="en-US" altLang="ja-JP" sz="2400" b="1" dirty="0">
+              <a:solidFill>
+                <a:srgbClr val="FF0000"/>
+              </a:solidFill>
+              <a:latin typeface="Meiryo UI" panose="020B0604030504040204" pitchFamily="50" charset="-128"/>
+              <a:ea typeface="Meiryo UI" panose="020B0604030504040204" pitchFamily="50" charset="-128"/>
+            </a:endParaRPr>
+          </a:p>
+          <a:p>
+            <a:pPr algn="ctr"/>
+            <a:r>
+              <a:rPr lang="ja-JP" altLang="en-US" sz="2400" b="1" dirty="0">
+                <a:solidFill>
+                  <a:srgbClr val="FF0000"/>
+                </a:solidFill>
+                <a:latin typeface="Meiryo UI" panose="020B0604030504040204" pitchFamily="50" charset="-128"/>
+                <a:ea typeface="Meiryo UI" panose="020B0604030504040204" pitchFamily="50" charset="-128"/>
+              </a:rPr>
+              <a:t>「</a:t>
+            </a:r>
+            <a:r>
+              <a:rPr lang="en-US" altLang="ja-JP" sz="2400" b="1" dirty="0">
+                <a:solidFill>
+                  <a:srgbClr val="FF0000"/>
+                </a:solidFill>
+                <a:latin typeface="Meiryo UI" panose="020B0604030504040204" pitchFamily="50" charset="-128"/>
+                <a:ea typeface="Meiryo UI" panose="020B0604030504040204" pitchFamily="50" charset="-128"/>
+              </a:rPr>
+              <a:t>Bard</a:t>
+            </a:r>
+            <a:r>
+              <a:rPr lang="ja-JP" altLang="en-US" sz="2400" b="1" dirty="0">
+                <a:solidFill>
+                  <a:srgbClr val="FF0000"/>
+                </a:solidFill>
+                <a:latin typeface="Meiryo UI" panose="020B0604030504040204" pitchFamily="50" charset="-128"/>
+                <a:ea typeface="Meiryo UI" panose="020B0604030504040204" pitchFamily="50" charset="-128"/>
+              </a:rPr>
+              <a:t>」</a:t>
+            </a:r>
+            <a:endParaRPr lang="ja-JP" altLang="en-US" sz="2400" dirty="0"/>
+          </a:p>
+        </p:txBody>
+      </p:sp>
+      <p:sp>
+        <p:nvSpPr>
+          <p:cNvPr id="23" name="次の値と等しい 22">
+            <a:extLst>
+              <a:ext uri="{FF2B5EF4-FFF2-40B4-BE49-F238E27FC236}">
+                <a16:creationId xmlns:a16="http://schemas.microsoft.com/office/drawing/2014/main" id="{DD84C68A-0E26-F129-4FDB-593AB7314F61}"/>
+              </a:ext>
+            </a:extLst>
+          </p:cNvPr>
+          <p:cNvSpPr/>
+          <p:nvPr/>
+        </p:nvSpPr>
+        <p:spPr>
+          <a:xfrm rot="5400000">
+            <a:off x="10082775" y="2833366"/>
+            <a:ext cx="377642" cy="377642"/>
+          </a:xfrm>
+          <a:prstGeom prst="mathEqual">
+            <a:avLst>
+              <a:gd name="adj1" fmla="val 13662"/>
+              <a:gd name="adj2" fmla="val 17393"/>
+            </a:avLst>
+          </a:prstGeom>
+          <a:solidFill>
+            <a:srgbClr val="FF0000"/>
+          </a:solidFill>
+          <a:ln>
+            <a:noFill/>
+          </a:ln>
+        </p:spPr>
+        <p:style>
+          <a:lnRef idx="2">
+            <a:schemeClr val="accent1">
+              <a:shade val="15000"/>
+            </a:schemeClr>
+          </a:lnRef>
+          <a:fillRef idx="1">
+            <a:schemeClr val="accent1"/>
+          </a:fillRef>
+          <a:effectRef idx="0">
+            <a:schemeClr val="accent1"/>
+          </a:effectRef>
+          <a:fontRef idx="minor">
+            <a:schemeClr val="lt1"/>
+          </a:fontRef>
+        </p:style>
+        <p:txBody>
+          <a:bodyPr rtlCol="0" anchor="ctr"/>
+          <a:lstStyle/>
+          <a:p>
+            <a:pPr algn="ctr"/>
+            <a:endParaRPr kumimoji="1" lang="ja-JP" altLang="en-US">
+              <a:solidFill>
+                <a:schemeClr val="tx1"/>
+              </a:solidFill>
+            </a:endParaRPr>
+          </a:p>
+        </p:txBody>
+      </p:sp>
+      <p:sp>
+        <p:nvSpPr>
+          <p:cNvPr id="24" name="次の値と等しい 23">
+            <a:extLst>
+              <a:ext uri="{FF2B5EF4-FFF2-40B4-BE49-F238E27FC236}">
+                <a16:creationId xmlns:a16="http://schemas.microsoft.com/office/drawing/2014/main" id="{7D908A39-7F45-6DAB-6BD7-A7B7FE5FDBFB}"/>
+              </a:ext>
+            </a:extLst>
+          </p:cNvPr>
+          <p:cNvSpPr/>
+          <p:nvPr/>
+        </p:nvSpPr>
+        <p:spPr>
+          <a:xfrm rot="5400000">
+            <a:off x="10090358" y="3573712"/>
+            <a:ext cx="377642" cy="377642"/>
+          </a:xfrm>
+          <a:prstGeom prst="mathEqual">
+            <a:avLst>
+              <a:gd name="adj1" fmla="val 13662"/>
+              <a:gd name="adj2" fmla="val 17393"/>
+            </a:avLst>
+          </a:prstGeom>
+          <a:solidFill>
+            <a:srgbClr val="FF0000"/>
+          </a:solidFill>
+          <a:ln>
+            <a:noFill/>
+          </a:ln>
+        </p:spPr>
+        <p:style>
+          <a:lnRef idx="2">
+            <a:schemeClr val="accent1">
+              <a:shade val="15000"/>
+            </a:schemeClr>
+          </a:lnRef>
+          <a:fillRef idx="1">
+            <a:schemeClr val="accent1"/>
+          </a:fillRef>
+          <a:effectRef idx="0">
+            <a:schemeClr val="accent1"/>
+          </a:effectRef>
+          <a:fontRef idx="minor">
+            <a:schemeClr val="lt1"/>
+          </a:fontRef>
+        </p:style>
+        <p:txBody>
+          <a:bodyPr rtlCol="0" anchor="ctr"/>
+          <a:lstStyle/>
+          <a:p>
+            <a:pPr algn="ctr"/>
+            <a:endParaRPr kumimoji="1" lang="ja-JP" altLang="en-US">
+              <a:solidFill>
+                <a:schemeClr val="tx1"/>
+              </a:solidFill>
+            </a:endParaRPr>
+          </a:p>
+        </p:txBody>
+      </p:sp>
+    </p:spTree>
+    <p:extLst>
+      <p:ext uri="{BB962C8B-B14F-4D97-AF65-F5344CB8AC3E}">
+        <p14:creationId xmlns:p14="http://schemas.microsoft.com/office/powerpoint/2010/main" val="1172821611"/>
       </p:ext>
     </p:extLst>
   </p:cSld>
